--- a/Final Project JCDS07.pptx
+++ b/Final Project JCDS07.pptx
@@ -18,6 +18,7 @@
     <p:sldId id="268" r:id="rId12"/>
     <p:sldId id="265" r:id="rId13"/>
     <p:sldId id="267" r:id="rId14"/>
+    <p:sldId id="272" r:id="rId15"/>
   </p:sldIdLst>
   <p:sldSz cx="12192000" cy="6858000"/>
   <p:notesSz cx="6858000" cy="9144000"/>
@@ -1046,7 +1047,791 @@
 </file>
 
 <file path=ppt/diagrams/colors2.xml><?xml version="1.0" encoding="utf-8"?>
-<dgm:colorsDef xmlns:dgm="http://schemas.openxmlformats.org/drawingml/2006/diagram" xmlns:a="http://schemas.openxmlformats.org/drawingml/2006/main" uniqueId="urn:microsoft.com/office/officeart/2018/5/colors/Iconchunking_neutralicontext_colorful1">
+<dgm:colorsDef xmlns:dgm="http://schemas.openxmlformats.org/drawingml/2006/diagram" xmlns:a="http://schemas.openxmlformats.org/drawingml/2006/main" uniqueId="urn:microsoft.com/office/officeart/2018/5/colors/Iconchunking_neutralbg_colorful2">
+  <dgm:title val=""/>
+  <dgm:desc val=""/>
+  <dgm:catLst>
+    <dgm:cat type="colorful" pri="10200"/>
+  </dgm:catLst>
+  <dgm:styleLbl name="node0">
+    <dgm:fillClrLst meth="repeat">
+      <a:schemeClr val="accent1"/>
+    </dgm:fillClrLst>
+    <dgm:linClrLst meth="repeat">
+      <a:schemeClr val="lt1"/>
+    </dgm:linClrLst>
+    <dgm:effectClrLst/>
+    <dgm:txLinClrLst/>
+    <dgm:txFillClrLst/>
+    <dgm:txEffectClrLst/>
+  </dgm:styleLbl>
+  <dgm:styleLbl name="node1">
+    <dgm:fillClrLst>
+      <a:schemeClr val="accent2"/>
+      <a:schemeClr val="accent3"/>
+    </dgm:fillClrLst>
+    <dgm:linClrLst meth="repeat">
+      <a:schemeClr val="lt1">
+        <a:alpha val="0"/>
+      </a:schemeClr>
+    </dgm:linClrLst>
+    <dgm:effectClrLst/>
+    <dgm:txLinClrLst/>
+    <dgm:txFillClrLst/>
+    <dgm:txEffectClrLst/>
+  </dgm:styleLbl>
+  <dgm:styleLbl name="alignNode1">
+    <dgm:fillClrLst>
+      <a:schemeClr val="accent2"/>
+      <a:schemeClr val="accent3"/>
+    </dgm:fillClrLst>
+    <dgm:linClrLst>
+      <a:schemeClr val="accent2"/>
+      <a:schemeClr val="accent3"/>
+    </dgm:linClrLst>
+    <dgm:effectClrLst/>
+    <dgm:txLinClrLst/>
+    <dgm:txFillClrLst/>
+    <dgm:txEffectClrLst/>
+  </dgm:styleLbl>
+  <dgm:styleLbl name="lnNode1">
+    <dgm:fillClrLst>
+      <a:schemeClr val="accent2"/>
+      <a:schemeClr val="accent3"/>
+    </dgm:fillClrLst>
+    <dgm:linClrLst meth="repeat">
+      <a:schemeClr val="lt1"/>
+    </dgm:linClrLst>
+    <dgm:effectClrLst/>
+    <dgm:txLinClrLst/>
+    <dgm:txFillClrLst/>
+    <dgm:txEffectClrLst/>
+  </dgm:styleLbl>
+  <dgm:styleLbl name="vennNode1">
+    <dgm:fillClrLst>
+      <a:schemeClr val="accent2">
+        <a:alpha val="50000"/>
+      </a:schemeClr>
+      <a:schemeClr val="accent3">
+        <a:alpha val="50000"/>
+      </a:schemeClr>
+    </dgm:fillClrLst>
+    <dgm:linClrLst meth="repeat">
+      <a:schemeClr val="lt1"/>
+    </dgm:linClrLst>
+    <dgm:effectClrLst/>
+    <dgm:txLinClrLst/>
+    <dgm:txFillClrLst/>
+    <dgm:txEffectClrLst/>
+  </dgm:styleLbl>
+  <dgm:styleLbl name="node2">
+    <dgm:fillClrLst>
+      <a:schemeClr val="accent3"/>
+    </dgm:fillClrLst>
+    <dgm:linClrLst meth="repeat">
+      <a:schemeClr val="lt1"/>
+    </dgm:linClrLst>
+    <dgm:effectClrLst/>
+    <dgm:txLinClrLst/>
+    <dgm:txFillClrLst/>
+    <dgm:txEffectClrLst/>
+  </dgm:styleLbl>
+  <dgm:styleLbl name="node3">
+    <dgm:fillClrLst>
+      <a:schemeClr val="accent4"/>
+    </dgm:fillClrLst>
+    <dgm:linClrLst meth="repeat">
+      <a:schemeClr val="lt1"/>
+    </dgm:linClrLst>
+    <dgm:effectClrLst/>
+    <dgm:txLinClrLst/>
+    <dgm:txFillClrLst/>
+    <dgm:txEffectClrLst/>
+  </dgm:styleLbl>
+  <dgm:styleLbl name="node4">
+    <dgm:fillClrLst>
+      <a:schemeClr val="accent5"/>
+    </dgm:fillClrLst>
+    <dgm:linClrLst meth="repeat">
+      <a:schemeClr val="lt1"/>
+    </dgm:linClrLst>
+    <dgm:effectClrLst/>
+    <dgm:txLinClrLst/>
+    <dgm:txFillClrLst/>
+    <dgm:txEffectClrLst/>
+  </dgm:styleLbl>
+  <dgm:styleLbl name="fgImgPlace1">
+    <dgm:fillClrLst>
+      <a:schemeClr val="accent2">
+        <a:tint val="50000"/>
+      </a:schemeClr>
+      <a:schemeClr val="accent3">
+        <a:tint val="50000"/>
+      </a:schemeClr>
+    </dgm:fillClrLst>
+    <dgm:linClrLst meth="repeat">
+      <a:schemeClr val="lt1"/>
+    </dgm:linClrLst>
+    <dgm:effectClrLst/>
+    <dgm:txLinClrLst/>
+    <dgm:txFillClrLst meth="repeat">
+      <a:schemeClr val="lt1"/>
+    </dgm:txFillClrLst>
+    <dgm:txEffectClrLst/>
+  </dgm:styleLbl>
+  <dgm:styleLbl name="alignImgPlace1">
+    <dgm:fillClrLst>
+      <a:schemeClr val="accent2">
+        <a:tint val="50000"/>
+      </a:schemeClr>
+      <a:schemeClr val="accent3">
+        <a:tint val="20000"/>
+      </a:schemeClr>
+    </dgm:fillClrLst>
+    <dgm:linClrLst meth="repeat">
+      <a:schemeClr val="lt1"/>
+    </dgm:linClrLst>
+    <dgm:effectClrLst/>
+    <dgm:txLinClrLst/>
+    <dgm:txFillClrLst meth="repeat">
+      <a:schemeClr val="lt1"/>
+    </dgm:txFillClrLst>
+    <dgm:txEffectClrLst/>
+  </dgm:styleLbl>
+  <dgm:styleLbl name="bgImgPlace1">
+    <dgm:fillClrLst>
+      <a:schemeClr val="accent2">
+        <a:tint val="50000"/>
+      </a:schemeClr>
+      <a:schemeClr val="accent3">
+        <a:tint val="20000"/>
+      </a:schemeClr>
+    </dgm:fillClrLst>
+    <dgm:linClrLst meth="repeat">
+      <a:schemeClr val="lt1"/>
+    </dgm:linClrLst>
+    <dgm:effectClrLst/>
+    <dgm:txLinClrLst/>
+    <dgm:txFillClrLst meth="repeat">
+      <a:schemeClr val="lt1"/>
+    </dgm:txFillClrLst>
+    <dgm:txEffectClrLst/>
+  </dgm:styleLbl>
+  <dgm:styleLbl name="sibTrans2D1">
+    <dgm:fillClrLst>
+      <a:schemeClr val="accent2"/>
+      <a:schemeClr val="accent3"/>
+    </dgm:fillClrLst>
+    <dgm:linClrLst meth="repeat">
+      <a:schemeClr val="lt1"/>
+    </dgm:linClrLst>
+    <dgm:effectClrLst/>
+    <dgm:txLinClrLst/>
+    <dgm:txFillClrLst/>
+    <dgm:txEffectClrLst/>
+  </dgm:styleLbl>
+  <dgm:styleLbl name="fgSibTrans2D1">
+    <dgm:fillClrLst>
+      <a:schemeClr val="accent2"/>
+      <a:schemeClr val="accent3"/>
+    </dgm:fillClrLst>
+    <dgm:linClrLst meth="repeat">
+      <a:schemeClr val="lt1"/>
+    </dgm:linClrLst>
+    <dgm:effectClrLst/>
+    <dgm:txLinClrLst/>
+    <dgm:txFillClrLst meth="repeat">
+      <a:schemeClr val="lt1"/>
+    </dgm:txFillClrLst>
+    <dgm:txEffectClrLst/>
+  </dgm:styleLbl>
+  <dgm:styleLbl name="bgSibTrans2D1">
+    <dgm:fillClrLst>
+      <a:schemeClr val="accent2"/>
+      <a:schemeClr val="accent3"/>
+    </dgm:fillClrLst>
+    <dgm:linClrLst meth="repeat">
+      <a:schemeClr val="lt1"/>
+    </dgm:linClrLst>
+    <dgm:effectClrLst/>
+    <dgm:txLinClrLst/>
+    <dgm:txFillClrLst meth="repeat">
+      <a:schemeClr val="lt1"/>
+    </dgm:txFillClrLst>
+    <dgm:txEffectClrLst/>
+  </dgm:styleLbl>
+  <dgm:styleLbl name="sibTrans1D1">
+    <dgm:fillClrLst/>
+    <dgm:linClrLst>
+      <a:schemeClr val="accent2"/>
+      <a:schemeClr val="accent3"/>
+    </dgm:linClrLst>
+    <dgm:effectClrLst/>
+    <dgm:txLinClrLst/>
+    <dgm:txFillClrLst meth="repeat">
+      <a:schemeClr val="tx1"/>
+    </dgm:txFillClrLst>
+    <dgm:txEffectClrLst/>
+  </dgm:styleLbl>
+  <dgm:styleLbl name="callout">
+    <dgm:fillClrLst meth="repeat">
+      <a:schemeClr val="accent2"/>
+    </dgm:fillClrLst>
+    <dgm:linClrLst meth="repeat">
+      <a:schemeClr val="accent2">
+        <a:tint val="50000"/>
+      </a:schemeClr>
+    </dgm:linClrLst>
+    <dgm:effectClrLst/>
+    <dgm:txLinClrLst/>
+    <dgm:txFillClrLst meth="repeat">
+      <a:schemeClr val="tx1"/>
+    </dgm:txFillClrLst>
+    <dgm:txEffectClrLst/>
+  </dgm:styleLbl>
+  <dgm:styleLbl name="asst0">
+    <dgm:fillClrLst meth="repeat">
+      <a:schemeClr val="accent2"/>
+    </dgm:fillClrLst>
+    <dgm:linClrLst meth="repeat">
+      <a:schemeClr val="lt1">
+        <a:shade val="80000"/>
+      </a:schemeClr>
+    </dgm:linClrLst>
+    <dgm:effectClrLst/>
+    <dgm:txLinClrLst/>
+    <dgm:txFillClrLst/>
+    <dgm:txEffectClrLst/>
+  </dgm:styleLbl>
+  <dgm:styleLbl name="asst1">
+    <dgm:fillClrLst meth="repeat">
+      <a:schemeClr val="accent3"/>
+    </dgm:fillClrLst>
+    <dgm:linClrLst meth="repeat">
+      <a:schemeClr val="lt1">
+        <a:shade val="80000"/>
+      </a:schemeClr>
+    </dgm:linClrLst>
+    <dgm:effectClrLst/>
+    <dgm:txLinClrLst/>
+    <dgm:txFillClrLst/>
+    <dgm:txEffectClrLst/>
+  </dgm:styleLbl>
+  <dgm:styleLbl name="asst2">
+    <dgm:fillClrLst>
+      <a:schemeClr val="accent4"/>
+    </dgm:fillClrLst>
+    <dgm:linClrLst meth="repeat">
+      <a:schemeClr val="lt1"/>
+    </dgm:linClrLst>
+    <dgm:effectClrLst/>
+    <dgm:txLinClrLst/>
+    <dgm:txFillClrLst/>
+    <dgm:txEffectClrLst/>
+  </dgm:styleLbl>
+  <dgm:styleLbl name="asst3">
+    <dgm:fillClrLst>
+      <a:schemeClr val="accent5"/>
+    </dgm:fillClrLst>
+    <dgm:linClrLst meth="repeat">
+      <a:schemeClr val="lt1"/>
+    </dgm:linClrLst>
+    <dgm:effectClrLst/>
+    <dgm:txLinClrLst/>
+    <dgm:txFillClrLst/>
+    <dgm:txEffectClrLst/>
+  </dgm:styleLbl>
+  <dgm:styleLbl name="asst4">
+    <dgm:fillClrLst>
+      <a:schemeClr val="accent6"/>
+    </dgm:fillClrLst>
+    <dgm:linClrLst meth="repeat">
+      <a:schemeClr val="lt1"/>
+    </dgm:linClrLst>
+    <dgm:effectClrLst/>
+    <dgm:txLinClrLst/>
+    <dgm:txFillClrLst/>
+    <dgm:txEffectClrLst/>
+  </dgm:styleLbl>
+  <dgm:styleLbl name="parChTrans2D1">
+    <dgm:fillClrLst meth="repeat">
+      <a:schemeClr val="accent2"/>
+    </dgm:fillClrLst>
+    <dgm:linClrLst meth="repeat">
+      <a:schemeClr val="lt1"/>
+    </dgm:linClrLst>
+    <dgm:effectClrLst/>
+    <dgm:txLinClrLst/>
+    <dgm:txFillClrLst meth="repeat">
+      <a:schemeClr val="lt1"/>
+    </dgm:txFillClrLst>
+    <dgm:txEffectClrLst/>
+  </dgm:styleLbl>
+  <dgm:styleLbl name="parChTrans2D2">
+    <dgm:fillClrLst meth="repeat">
+      <a:schemeClr val="accent3"/>
+    </dgm:fillClrLst>
+    <dgm:linClrLst meth="repeat">
+      <a:schemeClr val="lt1"/>
+    </dgm:linClrLst>
+    <dgm:effectClrLst/>
+    <dgm:txLinClrLst/>
+    <dgm:txFillClrLst/>
+    <dgm:txEffectClrLst/>
+  </dgm:styleLbl>
+  <dgm:styleLbl name="parChTrans2D3">
+    <dgm:fillClrLst meth="repeat">
+      <a:schemeClr val="accent4"/>
+    </dgm:fillClrLst>
+    <dgm:linClrLst meth="repeat">
+      <a:schemeClr val="lt1"/>
+    </dgm:linClrLst>
+    <dgm:effectClrLst/>
+    <dgm:txLinClrLst/>
+    <dgm:txFillClrLst/>
+    <dgm:txEffectClrLst/>
+  </dgm:styleLbl>
+  <dgm:styleLbl name="parChTrans2D4">
+    <dgm:fillClrLst meth="repeat">
+      <a:schemeClr val="accent5"/>
+    </dgm:fillClrLst>
+    <dgm:linClrLst meth="repeat">
+      <a:schemeClr val="lt1"/>
+    </dgm:linClrLst>
+    <dgm:effectClrLst/>
+    <dgm:txLinClrLst/>
+    <dgm:txFillClrLst meth="repeat">
+      <a:schemeClr val="lt1"/>
+    </dgm:txFillClrLst>
+    <dgm:txEffectClrLst/>
+  </dgm:styleLbl>
+  <dgm:styleLbl name="parChTrans1D1">
+    <dgm:fillClrLst meth="repeat">
+      <a:schemeClr val="accent2"/>
+    </dgm:fillClrLst>
+    <dgm:linClrLst meth="repeat">
+      <a:schemeClr val="accent2"/>
+    </dgm:linClrLst>
+    <dgm:effectClrLst/>
+    <dgm:txLinClrLst/>
+    <dgm:txFillClrLst meth="repeat">
+      <a:schemeClr val="tx1"/>
+    </dgm:txFillClrLst>
+    <dgm:txEffectClrLst/>
+  </dgm:styleLbl>
+  <dgm:styleLbl name="parChTrans1D2">
+    <dgm:fillClrLst meth="repeat">
+      <a:schemeClr val="accent2">
+        <a:tint val="90000"/>
+      </a:schemeClr>
+    </dgm:fillClrLst>
+    <dgm:linClrLst meth="repeat">
+      <a:schemeClr val="accent3"/>
+    </dgm:linClrLst>
+    <dgm:effectClrLst/>
+    <dgm:txLinClrLst/>
+    <dgm:txFillClrLst meth="repeat">
+      <a:schemeClr val="tx1"/>
+    </dgm:txFillClrLst>
+    <dgm:txEffectClrLst/>
+  </dgm:styleLbl>
+  <dgm:styleLbl name="parChTrans1D3">
+    <dgm:fillClrLst meth="repeat">
+      <a:schemeClr val="accent2">
+        <a:tint val="70000"/>
+      </a:schemeClr>
+    </dgm:fillClrLst>
+    <dgm:linClrLst meth="repeat">
+      <a:schemeClr val="accent4"/>
+    </dgm:linClrLst>
+    <dgm:effectClrLst/>
+    <dgm:txLinClrLst/>
+    <dgm:txFillClrLst meth="repeat">
+      <a:schemeClr val="tx1"/>
+    </dgm:txFillClrLst>
+    <dgm:txEffectClrLst/>
+  </dgm:styleLbl>
+  <dgm:styleLbl name="parChTrans1D4">
+    <dgm:fillClrLst meth="repeat">
+      <a:schemeClr val="accent2">
+        <a:tint val="50000"/>
+      </a:schemeClr>
+    </dgm:fillClrLst>
+    <dgm:linClrLst meth="repeat">
+      <a:schemeClr val="accent5"/>
+    </dgm:linClrLst>
+    <dgm:effectClrLst/>
+    <dgm:txLinClrLst/>
+    <dgm:txFillClrLst meth="repeat">
+      <a:schemeClr val="tx1"/>
+    </dgm:txFillClrLst>
+    <dgm:txEffectClrLst/>
+  </dgm:styleLbl>
+  <dgm:styleLbl name="fgAcc1">
+    <dgm:fillClrLst meth="repeat">
+      <a:schemeClr val="lt1">
+        <a:alpha val="90000"/>
+      </a:schemeClr>
+    </dgm:fillClrLst>
+    <dgm:linClrLst>
+      <a:schemeClr val="accent2"/>
+      <a:schemeClr val="accent3"/>
+    </dgm:linClrLst>
+    <dgm:effectClrLst/>
+    <dgm:txLinClrLst/>
+    <dgm:txFillClrLst meth="repeat">
+      <a:schemeClr val="dk1"/>
+    </dgm:txFillClrLst>
+    <dgm:txEffectClrLst/>
+  </dgm:styleLbl>
+  <dgm:styleLbl name="conFgAcc1">
+    <dgm:fillClrLst meth="repeat">
+      <a:schemeClr val="lt1">
+        <a:alpha val="90000"/>
+      </a:schemeClr>
+    </dgm:fillClrLst>
+    <dgm:linClrLst>
+      <a:schemeClr val="accent2"/>
+      <a:schemeClr val="accent3"/>
+    </dgm:linClrLst>
+    <dgm:effectClrLst/>
+    <dgm:txLinClrLst/>
+    <dgm:txFillClrLst meth="repeat">
+      <a:schemeClr val="dk1"/>
+    </dgm:txFillClrLst>
+    <dgm:txEffectClrLst/>
+  </dgm:styleLbl>
+  <dgm:styleLbl name="alignAcc1">
+    <dgm:fillClrLst meth="repeat">
+      <a:schemeClr val="lt1">
+        <a:alpha val="90000"/>
+      </a:schemeClr>
+    </dgm:fillClrLst>
+    <dgm:linClrLst>
+      <a:schemeClr val="accent2"/>
+      <a:schemeClr val="accent3"/>
+    </dgm:linClrLst>
+    <dgm:effectClrLst/>
+    <dgm:txLinClrLst/>
+    <dgm:txFillClrLst meth="repeat">
+      <a:schemeClr val="dk1"/>
+    </dgm:txFillClrLst>
+    <dgm:txEffectClrLst/>
+  </dgm:styleLbl>
+  <dgm:styleLbl name="trAlignAcc1">
+    <dgm:fillClrLst meth="repeat">
+      <a:schemeClr val="lt1">
+        <a:alpha val="40000"/>
+      </a:schemeClr>
+    </dgm:fillClrLst>
+    <dgm:linClrLst meth="repeat">
+      <a:schemeClr val="accent2"/>
+    </dgm:linClrLst>
+    <dgm:effectClrLst/>
+    <dgm:txLinClrLst/>
+    <dgm:txFillClrLst meth="repeat">
+      <a:schemeClr val="dk1"/>
+    </dgm:txFillClrLst>
+    <dgm:txEffectClrLst/>
+  </dgm:styleLbl>
+  <dgm:styleLbl name="bgAcc1">
+    <dgm:fillClrLst meth="repeat">
+      <a:schemeClr val="lt1">
+        <a:alpha val="90000"/>
+      </a:schemeClr>
+    </dgm:fillClrLst>
+    <dgm:linClrLst>
+      <a:schemeClr val="accent2"/>
+      <a:schemeClr val="accent3"/>
+    </dgm:linClrLst>
+    <dgm:effectClrLst/>
+    <dgm:txLinClrLst/>
+    <dgm:txFillClrLst meth="repeat">
+      <a:schemeClr val="dk1"/>
+    </dgm:txFillClrLst>
+    <dgm:txEffectClrLst/>
+  </dgm:styleLbl>
+  <dgm:styleLbl name="solidFgAcc1">
+    <dgm:fillClrLst meth="repeat">
+      <a:schemeClr val="lt1"/>
+    </dgm:fillClrLst>
+    <dgm:linClrLst>
+      <a:schemeClr val="accent2"/>
+      <a:schemeClr val="accent3"/>
+    </dgm:linClrLst>
+    <dgm:effectClrLst/>
+    <dgm:txLinClrLst/>
+    <dgm:txFillClrLst meth="repeat">
+      <a:schemeClr val="dk1"/>
+    </dgm:txFillClrLst>
+    <dgm:txEffectClrLst/>
+  </dgm:styleLbl>
+  <dgm:styleLbl name="solidAlignAcc1">
+    <dgm:fillClrLst meth="repeat">
+      <a:schemeClr val="lt1"/>
+    </dgm:fillClrLst>
+    <dgm:linClrLst>
+      <a:schemeClr val="accent2"/>
+      <a:schemeClr val="accent3"/>
+    </dgm:linClrLst>
+    <dgm:effectClrLst/>
+    <dgm:txLinClrLst/>
+    <dgm:txFillClrLst meth="repeat">
+      <a:schemeClr val="dk1"/>
+    </dgm:txFillClrLst>
+    <dgm:txEffectClrLst/>
+  </dgm:styleLbl>
+  <dgm:styleLbl name="solidBgAcc1">
+    <dgm:fillClrLst meth="repeat">
+      <a:schemeClr val="lt1"/>
+    </dgm:fillClrLst>
+    <dgm:linClrLst>
+      <a:schemeClr val="accent2"/>
+      <a:schemeClr val="accent3"/>
+    </dgm:linClrLst>
+    <dgm:effectClrLst/>
+    <dgm:txLinClrLst/>
+    <dgm:txFillClrLst meth="repeat">
+      <a:schemeClr val="dk1"/>
+    </dgm:txFillClrLst>
+    <dgm:txEffectClrLst/>
+  </dgm:styleLbl>
+  <dgm:styleLbl name="fgAccFollowNode1">
+    <dgm:fillClrLst>
+      <a:schemeClr val="accent2">
+        <a:tint val="40000"/>
+        <a:alpha val="90000"/>
+      </a:schemeClr>
+      <a:schemeClr val="accent3">
+        <a:tint val="40000"/>
+        <a:alpha val="90000"/>
+      </a:schemeClr>
+    </dgm:fillClrLst>
+    <dgm:linClrLst>
+      <a:schemeClr val="accent2">
+        <a:tint val="40000"/>
+        <a:alpha val="90000"/>
+      </a:schemeClr>
+      <a:schemeClr val="accent3">
+        <a:tint val="40000"/>
+        <a:alpha val="90000"/>
+      </a:schemeClr>
+    </dgm:linClrLst>
+    <dgm:effectClrLst/>
+    <dgm:txLinClrLst/>
+    <dgm:txFillClrLst meth="repeat">
+      <a:schemeClr val="dk1"/>
+    </dgm:txFillClrLst>
+    <dgm:txEffectClrLst/>
+  </dgm:styleLbl>
+  <dgm:styleLbl name="alignAccFollowNode1">
+    <dgm:fillClrLst>
+      <a:schemeClr val="accent2">
+        <a:tint val="40000"/>
+        <a:alpha val="90000"/>
+      </a:schemeClr>
+      <a:schemeClr val="accent3">
+        <a:tint val="40000"/>
+        <a:alpha val="90000"/>
+      </a:schemeClr>
+    </dgm:fillClrLst>
+    <dgm:linClrLst>
+      <a:schemeClr val="accent2">
+        <a:tint val="40000"/>
+        <a:alpha val="90000"/>
+      </a:schemeClr>
+      <a:schemeClr val="accent3">
+        <a:tint val="40000"/>
+        <a:alpha val="90000"/>
+      </a:schemeClr>
+    </dgm:linClrLst>
+    <dgm:effectClrLst/>
+    <dgm:txLinClrLst/>
+    <dgm:txFillClrLst meth="repeat">
+      <a:schemeClr val="dk1"/>
+    </dgm:txFillClrLst>
+    <dgm:txEffectClrLst/>
+  </dgm:styleLbl>
+  <dgm:styleLbl name="bgAccFollowNode1">
+    <dgm:fillClrLst>
+      <a:schemeClr val="accent2">
+        <a:tint val="40000"/>
+        <a:alpha val="90000"/>
+      </a:schemeClr>
+      <a:schemeClr val="accent3">
+        <a:tint val="40000"/>
+        <a:alpha val="90000"/>
+      </a:schemeClr>
+    </dgm:fillClrLst>
+    <dgm:linClrLst>
+      <a:schemeClr val="accent2">
+        <a:tint val="40000"/>
+        <a:alpha val="90000"/>
+      </a:schemeClr>
+      <a:schemeClr val="accent3">
+        <a:tint val="40000"/>
+        <a:alpha val="90000"/>
+      </a:schemeClr>
+    </dgm:linClrLst>
+    <dgm:effectClrLst/>
+    <dgm:txLinClrLst/>
+    <dgm:txFillClrLst meth="repeat">
+      <a:schemeClr val="dk1"/>
+    </dgm:txFillClrLst>
+    <dgm:txEffectClrLst/>
+  </dgm:styleLbl>
+  <dgm:styleLbl name="fgAcc0">
+    <dgm:fillClrLst meth="repeat">
+      <a:schemeClr val="lt1">
+        <a:alpha val="90000"/>
+      </a:schemeClr>
+    </dgm:fillClrLst>
+    <dgm:linClrLst>
+      <a:schemeClr val="accent1"/>
+    </dgm:linClrLst>
+    <dgm:effectClrLst/>
+    <dgm:txLinClrLst/>
+    <dgm:txFillClrLst meth="repeat">
+      <a:schemeClr val="dk1"/>
+    </dgm:txFillClrLst>
+    <dgm:txEffectClrLst/>
+  </dgm:styleLbl>
+  <dgm:styleLbl name="fgAcc2">
+    <dgm:fillClrLst meth="repeat">
+      <a:schemeClr val="lt1">
+        <a:alpha val="90000"/>
+      </a:schemeClr>
+    </dgm:fillClrLst>
+    <dgm:linClrLst>
+      <a:schemeClr val="accent3"/>
+    </dgm:linClrLst>
+    <dgm:effectClrLst/>
+    <dgm:txLinClrLst/>
+    <dgm:txFillClrLst meth="repeat">
+      <a:schemeClr val="dk1"/>
+    </dgm:txFillClrLst>
+    <dgm:txEffectClrLst/>
+  </dgm:styleLbl>
+  <dgm:styleLbl name="fgAcc3">
+    <dgm:fillClrLst meth="repeat">
+      <a:schemeClr val="lt1">
+        <a:alpha val="90000"/>
+      </a:schemeClr>
+    </dgm:fillClrLst>
+    <dgm:linClrLst>
+      <a:schemeClr val="accent4"/>
+    </dgm:linClrLst>
+    <dgm:effectClrLst/>
+    <dgm:txLinClrLst/>
+    <dgm:txFillClrLst meth="repeat">
+      <a:schemeClr val="dk1"/>
+    </dgm:txFillClrLst>
+    <dgm:txEffectClrLst/>
+  </dgm:styleLbl>
+  <dgm:styleLbl name="fgAcc4">
+    <dgm:fillClrLst meth="repeat">
+      <a:schemeClr val="lt1">
+        <a:alpha val="90000"/>
+      </a:schemeClr>
+    </dgm:fillClrLst>
+    <dgm:linClrLst>
+      <a:schemeClr val="accent5"/>
+    </dgm:linClrLst>
+    <dgm:effectClrLst/>
+    <dgm:txLinClrLst/>
+    <dgm:txFillClrLst meth="repeat">
+      <a:schemeClr val="dk1"/>
+    </dgm:txFillClrLst>
+    <dgm:txEffectClrLst/>
+  </dgm:styleLbl>
+  <dgm:styleLbl name="bgShp">
+    <dgm:fillClrLst meth="repeat">
+      <a:schemeClr val="bg1">
+        <a:lumMod val="95000"/>
+      </a:schemeClr>
+    </dgm:fillClrLst>
+    <dgm:linClrLst meth="repeat">
+      <a:schemeClr val="dk1"/>
+    </dgm:linClrLst>
+    <dgm:effectClrLst/>
+    <dgm:txLinClrLst/>
+    <dgm:txFillClrLst meth="repeat">
+      <a:schemeClr val="dk1"/>
+    </dgm:txFillClrLst>
+    <dgm:txEffectClrLst/>
+  </dgm:styleLbl>
+  <dgm:styleLbl name="dkBgShp">
+    <dgm:fillClrLst meth="repeat">
+      <a:schemeClr val="accent2">
+        <a:shade val="90000"/>
+      </a:schemeClr>
+    </dgm:fillClrLst>
+    <dgm:linClrLst meth="repeat">
+      <a:schemeClr val="dk1"/>
+    </dgm:linClrLst>
+    <dgm:effectClrLst/>
+    <dgm:txLinClrLst/>
+    <dgm:txFillClrLst meth="repeat">
+      <a:schemeClr val="lt1"/>
+    </dgm:txFillClrLst>
+    <dgm:txEffectClrLst/>
+  </dgm:styleLbl>
+  <dgm:styleLbl name="trBgShp">
+    <dgm:fillClrLst meth="repeat">
+      <a:schemeClr val="accent2">
+        <a:tint val="50000"/>
+        <a:alpha val="40000"/>
+      </a:schemeClr>
+    </dgm:fillClrLst>
+    <dgm:linClrLst meth="repeat">
+      <a:schemeClr val="accent2"/>
+    </dgm:linClrLst>
+    <dgm:effectClrLst/>
+    <dgm:txLinClrLst/>
+    <dgm:txFillClrLst meth="repeat">
+      <a:schemeClr val="lt1"/>
+    </dgm:txFillClrLst>
+    <dgm:txEffectClrLst/>
+  </dgm:styleLbl>
+  <dgm:styleLbl name="fgShp">
+    <dgm:fillClrLst meth="repeat">
+      <a:schemeClr val="accent2">
+        <a:tint val="40000"/>
+      </a:schemeClr>
+    </dgm:fillClrLst>
+    <dgm:linClrLst meth="repeat">
+      <a:schemeClr val="lt1"/>
+    </dgm:linClrLst>
+    <dgm:effectClrLst/>
+    <dgm:txLinClrLst/>
+    <dgm:txFillClrLst meth="repeat">
+      <a:schemeClr val="dk1"/>
+    </dgm:txFillClrLst>
+    <dgm:txEffectClrLst/>
+  </dgm:styleLbl>
+  <dgm:styleLbl name="revTx">
+    <dgm:fillClrLst meth="repeat">
+      <a:schemeClr val="lt1">
+        <a:alpha val="0"/>
+      </a:schemeClr>
+    </dgm:fillClrLst>
+    <dgm:linClrLst meth="repeat">
+      <a:schemeClr val="dk1">
+        <a:alpha val="0"/>
+      </a:schemeClr>
+    </dgm:linClrLst>
+    <dgm:effectClrLst/>
+    <dgm:txLinClrLst/>
+    <dgm:txFillClrLst meth="repeat">
+      <a:schemeClr val="tx1"/>
+    </dgm:txFillClrLst>
+    <dgm:txEffectClrLst/>
+  </dgm:styleLbl>
+</dgm:colorsDef>
+</file>
+
+<file path=ppt/diagrams/colors3.xml><?xml version="1.0" encoding="utf-8"?>
+<dgm:colorsDef xmlns:dgm="http://schemas.openxmlformats.org/drawingml/2006/diagram" xmlns:a="http://schemas.openxmlformats.org/drawingml/2006/main" uniqueId="urn:microsoft.com/office/officeart/2005/8/colors/colorful1">
   <dgm:title val=""/>
   <dgm:desc val=""/>
   <dgm:catLst>
@@ -1066,18 +1851,18 @@
   </dgm:styleLbl>
   <dgm:styleLbl name="node1">
     <dgm:fillClrLst meth="repeat">
-      <a:schemeClr val="bg1"/>
+      <a:schemeClr val="accent2"/>
+      <a:schemeClr val="accent3"/>
+      <a:schemeClr val="accent4"/>
+      <a:schemeClr val="accent5"/>
+      <a:schemeClr val="accent6"/>
     </dgm:fillClrLst>
     <dgm:linClrLst meth="repeat">
-      <a:schemeClr val="lt1">
-        <a:alpha val="0"/>
-      </a:schemeClr>
+      <a:schemeClr val="lt1"/>
     </dgm:linClrLst>
     <dgm:effectClrLst/>
     <dgm:txLinClrLst/>
-    <dgm:txFillClrLst meth="repeat">
-      <a:schemeClr val="dk1"/>
-    </dgm:txFillClrLst>
+    <dgm:txFillClrLst/>
     <dgm:txEffectClrLst/>
   </dgm:styleLbl>
   <dgm:styleLbl name="alignNode1">
@@ -1880,927 +2665,6 @@
   </dgm:styleLbl>
   <dgm:styleLbl name="bgShp">
     <dgm:fillClrLst meth="repeat">
-      <a:schemeClr val="accent2"/>
-      <a:schemeClr val="accent3"/>
-      <a:schemeClr val="accent4"/>
-      <a:schemeClr val="accent5"/>
-      <a:schemeClr val="accent6"/>
-    </dgm:fillClrLst>
-    <dgm:linClrLst meth="repeat">
-      <a:schemeClr val="lt1">
-        <a:alpha val="0"/>
-      </a:schemeClr>
-    </dgm:linClrLst>
-    <dgm:effectClrLst/>
-    <dgm:txLinClrLst/>
-    <dgm:txFillClrLst/>
-    <dgm:txEffectClrLst/>
-  </dgm:styleLbl>
-  <dgm:styleLbl name="dkBgShp">
-    <dgm:fillClrLst meth="repeat">
-      <a:schemeClr val="accent2">
-        <a:shade val="90000"/>
-      </a:schemeClr>
-    </dgm:fillClrLst>
-    <dgm:linClrLst meth="repeat">
-      <a:schemeClr val="dk1"/>
-    </dgm:linClrLst>
-    <dgm:effectClrLst/>
-    <dgm:txLinClrLst/>
-    <dgm:txFillClrLst meth="repeat">
-      <a:schemeClr val="lt1"/>
-    </dgm:txFillClrLst>
-    <dgm:txEffectClrLst/>
-  </dgm:styleLbl>
-  <dgm:styleLbl name="trBgShp">
-    <dgm:fillClrLst meth="repeat">
-      <a:schemeClr val="accent1">
-        <a:tint val="50000"/>
-        <a:alpha val="40000"/>
-      </a:schemeClr>
-    </dgm:fillClrLst>
-    <dgm:linClrLst meth="repeat">
-      <a:schemeClr val="accent2"/>
-    </dgm:linClrLst>
-    <dgm:effectClrLst/>
-    <dgm:txLinClrLst/>
-    <dgm:txFillClrLst meth="repeat">
-      <a:schemeClr val="lt1"/>
-    </dgm:txFillClrLst>
-    <dgm:txEffectClrLst/>
-  </dgm:styleLbl>
-  <dgm:styleLbl name="fgShp">
-    <dgm:fillClrLst meth="repeat">
-      <a:schemeClr val="accent2">
-        <a:tint val="40000"/>
-      </a:schemeClr>
-    </dgm:fillClrLst>
-    <dgm:linClrLst meth="repeat">
-      <a:schemeClr val="lt1"/>
-    </dgm:linClrLst>
-    <dgm:effectClrLst/>
-    <dgm:txLinClrLst/>
-    <dgm:txFillClrLst meth="repeat">
-      <a:schemeClr val="dk1"/>
-    </dgm:txFillClrLst>
-    <dgm:txEffectClrLst/>
-  </dgm:styleLbl>
-  <dgm:styleLbl name="revTx">
-    <dgm:fillClrLst meth="repeat">
-      <a:schemeClr val="lt1">
-        <a:alpha val="0"/>
-      </a:schemeClr>
-    </dgm:fillClrLst>
-    <dgm:linClrLst meth="repeat">
-      <a:schemeClr val="dk1">
-        <a:alpha val="0"/>
-      </a:schemeClr>
-    </dgm:linClrLst>
-    <dgm:effectClrLst/>
-    <dgm:txLinClrLst/>
-    <dgm:txFillClrLst meth="repeat">
-      <a:schemeClr val="bg1"/>
-    </dgm:txFillClrLst>
-    <dgm:txEffectClrLst/>
-  </dgm:styleLbl>
-</dgm:colorsDef>
-</file>
-
-<file path=ppt/diagrams/colors3.xml><?xml version="1.0" encoding="utf-8"?>
-<dgm:colorsDef xmlns:dgm="http://schemas.openxmlformats.org/drawingml/2006/diagram" xmlns:a="http://schemas.openxmlformats.org/drawingml/2006/main" uniqueId="urn:microsoft.com/office/officeart/2005/8/colors/colorful1">
-  <dgm:title val=""/>
-  <dgm:desc val=""/>
-  <dgm:catLst>
-    <dgm:cat type="colorful" pri="10100"/>
-  </dgm:catLst>
-  <dgm:styleLbl name="node0">
-    <dgm:fillClrLst meth="repeat">
-      <a:schemeClr val="accent1"/>
-    </dgm:fillClrLst>
-    <dgm:linClrLst meth="repeat">
-      <a:schemeClr val="lt1"/>
-    </dgm:linClrLst>
-    <dgm:effectClrLst/>
-    <dgm:txLinClrLst/>
-    <dgm:txFillClrLst/>
-    <dgm:txEffectClrLst/>
-  </dgm:styleLbl>
-  <dgm:styleLbl name="node1">
-    <dgm:fillClrLst meth="repeat">
-      <a:schemeClr val="accent2"/>
-      <a:schemeClr val="accent3"/>
-      <a:schemeClr val="accent4"/>
-      <a:schemeClr val="accent5"/>
-      <a:schemeClr val="accent6"/>
-    </dgm:fillClrLst>
-    <dgm:linClrLst meth="repeat">
-      <a:schemeClr val="lt1"/>
-    </dgm:linClrLst>
-    <dgm:effectClrLst/>
-    <dgm:txLinClrLst/>
-    <dgm:txFillClrLst/>
-    <dgm:txEffectClrLst/>
-  </dgm:styleLbl>
-  <dgm:styleLbl name="alignNode1">
-    <dgm:fillClrLst meth="repeat">
-      <a:schemeClr val="accent2"/>
-      <a:schemeClr val="accent3"/>
-      <a:schemeClr val="accent4"/>
-      <a:schemeClr val="accent5"/>
-      <a:schemeClr val="accent6"/>
-    </dgm:fillClrLst>
-    <dgm:linClrLst meth="repeat">
-      <a:schemeClr val="accent2"/>
-      <a:schemeClr val="accent3"/>
-      <a:schemeClr val="accent4"/>
-      <a:schemeClr val="accent5"/>
-      <a:schemeClr val="accent6"/>
-    </dgm:linClrLst>
-    <dgm:effectClrLst/>
-    <dgm:txLinClrLst/>
-    <dgm:txFillClrLst/>
-    <dgm:txEffectClrLst/>
-  </dgm:styleLbl>
-  <dgm:styleLbl name="lnNode1">
-    <dgm:fillClrLst meth="repeat">
-      <a:schemeClr val="accent2"/>
-      <a:schemeClr val="accent3"/>
-      <a:schemeClr val="accent4"/>
-      <a:schemeClr val="accent5"/>
-      <a:schemeClr val="accent6"/>
-    </dgm:fillClrLst>
-    <dgm:linClrLst meth="repeat">
-      <a:schemeClr val="lt1"/>
-    </dgm:linClrLst>
-    <dgm:effectClrLst/>
-    <dgm:txLinClrLst/>
-    <dgm:txFillClrLst/>
-    <dgm:txEffectClrLst/>
-  </dgm:styleLbl>
-  <dgm:styleLbl name="vennNode1">
-    <dgm:fillClrLst meth="repeat">
-      <a:schemeClr val="accent2">
-        <a:alpha val="50000"/>
-      </a:schemeClr>
-      <a:schemeClr val="accent3">
-        <a:alpha val="50000"/>
-      </a:schemeClr>
-      <a:schemeClr val="accent4">
-        <a:alpha val="50000"/>
-      </a:schemeClr>
-      <a:schemeClr val="accent5">
-        <a:alpha val="50000"/>
-      </a:schemeClr>
-      <a:schemeClr val="accent6">
-        <a:alpha val="50000"/>
-      </a:schemeClr>
-    </dgm:fillClrLst>
-    <dgm:linClrLst meth="repeat">
-      <a:schemeClr val="lt1"/>
-    </dgm:linClrLst>
-    <dgm:effectClrLst/>
-    <dgm:txLinClrLst/>
-    <dgm:txFillClrLst/>
-    <dgm:txEffectClrLst/>
-  </dgm:styleLbl>
-  <dgm:styleLbl name="node2">
-    <dgm:fillClrLst>
-      <a:schemeClr val="accent2"/>
-    </dgm:fillClrLst>
-    <dgm:linClrLst meth="repeat">
-      <a:schemeClr val="lt1"/>
-    </dgm:linClrLst>
-    <dgm:effectClrLst/>
-    <dgm:txLinClrLst/>
-    <dgm:txFillClrLst/>
-    <dgm:txEffectClrLst/>
-  </dgm:styleLbl>
-  <dgm:styleLbl name="node3">
-    <dgm:fillClrLst>
-      <a:schemeClr val="accent3"/>
-    </dgm:fillClrLst>
-    <dgm:linClrLst meth="repeat">
-      <a:schemeClr val="lt1"/>
-    </dgm:linClrLst>
-    <dgm:effectClrLst/>
-    <dgm:txLinClrLst/>
-    <dgm:txFillClrLst/>
-    <dgm:txEffectClrLst/>
-  </dgm:styleLbl>
-  <dgm:styleLbl name="node4">
-    <dgm:fillClrLst>
-      <a:schemeClr val="accent4"/>
-    </dgm:fillClrLst>
-    <dgm:linClrLst meth="repeat">
-      <a:schemeClr val="lt1"/>
-    </dgm:linClrLst>
-    <dgm:effectClrLst/>
-    <dgm:txLinClrLst/>
-    <dgm:txFillClrLst/>
-    <dgm:txEffectClrLst/>
-  </dgm:styleLbl>
-  <dgm:styleLbl name="fgImgPlace1">
-    <dgm:fillClrLst meth="repeat">
-      <a:schemeClr val="accent2">
-        <a:tint val="50000"/>
-      </a:schemeClr>
-      <a:schemeClr val="accent3">
-        <a:tint val="50000"/>
-      </a:schemeClr>
-      <a:schemeClr val="accent4">
-        <a:tint val="50000"/>
-      </a:schemeClr>
-      <a:schemeClr val="accent5">
-        <a:tint val="50000"/>
-      </a:schemeClr>
-      <a:schemeClr val="accent6">
-        <a:tint val="50000"/>
-      </a:schemeClr>
-    </dgm:fillClrLst>
-    <dgm:linClrLst meth="repeat">
-      <a:schemeClr val="lt1"/>
-    </dgm:linClrLst>
-    <dgm:effectClrLst/>
-    <dgm:txLinClrLst/>
-    <dgm:txFillClrLst meth="repeat">
-      <a:schemeClr val="lt1"/>
-    </dgm:txFillClrLst>
-    <dgm:txEffectClrLst/>
-  </dgm:styleLbl>
-  <dgm:styleLbl name="alignImgPlace1">
-    <dgm:fillClrLst>
-      <a:schemeClr val="accent1">
-        <a:tint val="50000"/>
-      </a:schemeClr>
-      <a:schemeClr val="accent2">
-        <a:tint val="20000"/>
-      </a:schemeClr>
-    </dgm:fillClrLst>
-    <dgm:linClrLst meth="repeat">
-      <a:schemeClr val="lt1"/>
-    </dgm:linClrLst>
-    <dgm:effectClrLst/>
-    <dgm:txLinClrLst/>
-    <dgm:txFillClrLst meth="repeat">
-      <a:schemeClr val="lt1"/>
-    </dgm:txFillClrLst>
-    <dgm:txEffectClrLst/>
-  </dgm:styleLbl>
-  <dgm:styleLbl name="bgImgPlace1">
-    <dgm:fillClrLst>
-      <a:schemeClr val="accent1">
-        <a:tint val="50000"/>
-      </a:schemeClr>
-      <a:schemeClr val="accent2">
-        <a:tint val="20000"/>
-      </a:schemeClr>
-    </dgm:fillClrLst>
-    <dgm:linClrLst meth="repeat">
-      <a:schemeClr val="lt1"/>
-    </dgm:linClrLst>
-    <dgm:effectClrLst/>
-    <dgm:txLinClrLst/>
-    <dgm:txFillClrLst meth="repeat">
-      <a:schemeClr val="lt1"/>
-    </dgm:txFillClrLst>
-    <dgm:txEffectClrLst/>
-  </dgm:styleLbl>
-  <dgm:styleLbl name="sibTrans2D1">
-    <dgm:fillClrLst meth="repeat">
-      <a:schemeClr val="accent2"/>
-      <a:schemeClr val="accent3"/>
-      <a:schemeClr val="accent4"/>
-      <a:schemeClr val="accent5"/>
-      <a:schemeClr val="accent6"/>
-    </dgm:fillClrLst>
-    <dgm:linClrLst meth="cycle">
-      <a:schemeClr val="lt1"/>
-    </dgm:linClrLst>
-    <dgm:effectClrLst/>
-    <dgm:txLinClrLst/>
-    <dgm:txFillClrLst/>
-    <dgm:txEffectClrLst/>
-  </dgm:styleLbl>
-  <dgm:styleLbl name="fgSibTrans2D1">
-    <dgm:fillClrLst meth="repeat">
-      <a:schemeClr val="accent2"/>
-      <a:schemeClr val="accent3"/>
-      <a:schemeClr val="accent4"/>
-      <a:schemeClr val="accent5"/>
-      <a:schemeClr val="accent6"/>
-    </dgm:fillClrLst>
-    <dgm:linClrLst meth="cycle">
-      <a:schemeClr val="lt1"/>
-    </dgm:linClrLst>
-    <dgm:effectClrLst/>
-    <dgm:txLinClrLst/>
-    <dgm:txFillClrLst meth="repeat">
-      <a:schemeClr val="lt1"/>
-    </dgm:txFillClrLst>
-    <dgm:txEffectClrLst/>
-  </dgm:styleLbl>
-  <dgm:styleLbl name="bgSibTrans2D1">
-    <dgm:fillClrLst meth="repeat">
-      <a:schemeClr val="accent2"/>
-      <a:schemeClr val="accent3"/>
-      <a:schemeClr val="accent4"/>
-      <a:schemeClr val="accent5"/>
-      <a:schemeClr val="accent6"/>
-    </dgm:fillClrLst>
-    <dgm:linClrLst meth="cycle">
-      <a:schemeClr val="lt1"/>
-    </dgm:linClrLst>
-    <dgm:effectClrLst/>
-    <dgm:txLinClrLst/>
-    <dgm:txFillClrLst meth="repeat">
-      <a:schemeClr val="lt1"/>
-    </dgm:txFillClrLst>
-    <dgm:txEffectClrLst/>
-  </dgm:styleLbl>
-  <dgm:styleLbl name="sibTrans1D1">
-    <dgm:fillClrLst meth="repeat">
-      <a:schemeClr val="accent2"/>
-      <a:schemeClr val="accent3"/>
-      <a:schemeClr val="accent4"/>
-      <a:schemeClr val="accent5"/>
-      <a:schemeClr val="accent6"/>
-    </dgm:fillClrLst>
-    <dgm:linClrLst meth="repeat">
-      <a:schemeClr val="accent2"/>
-      <a:schemeClr val="accent3"/>
-      <a:schemeClr val="accent4"/>
-      <a:schemeClr val="accent5"/>
-      <a:schemeClr val="accent6"/>
-    </dgm:linClrLst>
-    <dgm:effectClrLst/>
-    <dgm:txLinClrLst/>
-    <dgm:txFillClrLst meth="repeat">
-      <a:schemeClr val="tx1"/>
-    </dgm:txFillClrLst>
-    <dgm:txEffectClrLst/>
-  </dgm:styleLbl>
-  <dgm:styleLbl name="callout">
-    <dgm:fillClrLst meth="repeat">
-      <a:schemeClr val="accent2"/>
-    </dgm:fillClrLst>
-    <dgm:linClrLst meth="repeat">
-      <a:schemeClr val="accent2">
-        <a:tint val="50000"/>
-      </a:schemeClr>
-    </dgm:linClrLst>
-    <dgm:effectClrLst/>
-    <dgm:txLinClrLst/>
-    <dgm:txFillClrLst meth="repeat">
-      <a:schemeClr val="tx1"/>
-    </dgm:txFillClrLst>
-    <dgm:txEffectClrLst/>
-  </dgm:styleLbl>
-  <dgm:styleLbl name="asst0">
-    <dgm:fillClrLst meth="repeat">
-      <a:schemeClr val="accent1"/>
-    </dgm:fillClrLst>
-    <dgm:linClrLst meth="repeat">
-      <a:schemeClr val="lt1"/>
-    </dgm:linClrLst>
-    <dgm:effectClrLst/>
-    <dgm:txLinClrLst/>
-    <dgm:txFillClrLst/>
-    <dgm:txEffectClrLst/>
-  </dgm:styleLbl>
-  <dgm:styleLbl name="asst1">
-    <dgm:fillClrLst meth="repeat">
-      <a:schemeClr val="accent2"/>
-    </dgm:fillClrLst>
-    <dgm:linClrLst meth="repeat">
-      <a:schemeClr val="lt1"/>
-    </dgm:linClrLst>
-    <dgm:effectClrLst/>
-    <dgm:txLinClrLst/>
-    <dgm:txFillClrLst/>
-    <dgm:txEffectClrLst/>
-  </dgm:styleLbl>
-  <dgm:styleLbl name="asst2">
-    <dgm:fillClrLst>
-      <a:schemeClr val="accent3"/>
-    </dgm:fillClrLst>
-    <dgm:linClrLst meth="repeat">
-      <a:schemeClr val="lt1"/>
-    </dgm:linClrLst>
-    <dgm:effectClrLst/>
-    <dgm:txLinClrLst/>
-    <dgm:txFillClrLst/>
-    <dgm:txEffectClrLst/>
-  </dgm:styleLbl>
-  <dgm:styleLbl name="asst3">
-    <dgm:fillClrLst>
-      <a:schemeClr val="accent4"/>
-    </dgm:fillClrLst>
-    <dgm:linClrLst meth="repeat">
-      <a:schemeClr val="lt1"/>
-    </dgm:linClrLst>
-    <dgm:effectClrLst/>
-    <dgm:txLinClrLst/>
-    <dgm:txFillClrLst/>
-    <dgm:txEffectClrLst/>
-  </dgm:styleLbl>
-  <dgm:styleLbl name="asst4">
-    <dgm:fillClrLst>
-      <a:schemeClr val="accent5"/>
-    </dgm:fillClrLst>
-    <dgm:linClrLst meth="repeat">
-      <a:schemeClr val="lt1"/>
-    </dgm:linClrLst>
-    <dgm:effectClrLst/>
-    <dgm:txLinClrLst/>
-    <dgm:txFillClrLst/>
-    <dgm:txEffectClrLst/>
-  </dgm:styleLbl>
-  <dgm:styleLbl name="parChTrans2D1">
-    <dgm:fillClrLst meth="repeat">
-      <a:schemeClr val="accent2"/>
-    </dgm:fillClrLst>
-    <dgm:linClrLst meth="repeat">
-      <a:schemeClr val="lt1"/>
-    </dgm:linClrLst>
-    <dgm:effectClrLst/>
-    <dgm:txLinClrLst/>
-    <dgm:txFillClrLst meth="repeat">
-      <a:schemeClr val="lt1"/>
-    </dgm:txFillClrLst>
-    <dgm:txEffectClrLst/>
-  </dgm:styleLbl>
-  <dgm:styleLbl name="parChTrans2D2">
-    <dgm:fillClrLst meth="repeat">
-      <a:schemeClr val="accent3"/>
-    </dgm:fillClrLst>
-    <dgm:linClrLst meth="repeat">
-      <a:schemeClr val="lt1"/>
-    </dgm:linClrLst>
-    <dgm:effectClrLst/>
-    <dgm:txLinClrLst/>
-    <dgm:txFillClrLst/>
-    <dgm:txEffectClrLst/>
-  </dgm:styleLbl>
-  <dgm:styleLbl name="parChTrans2D3">
-    <dgm:fillClrLst meth="repeat">
-      <a:schemeClr val="accent4"/>
-    </dgm:fillClrLst>
-    <dgm:linClrLst meth="repeat">
-      <a:schemeClr val="lt1"/>
-    </dgm:linClrLst>
-    <dgm:effectClrLst/>
-    <dgm:txLinClrLst/>
-    <dgm:txFillClrLst/>
-    <dgm:txEffectClrLst/>
-  </dgm:styleLbl>
-  <dgm:styleLbl name="parChTrans2D4">
-    <dgm:fillClrLst meth="repeat">
-      <a:schemeClr val="accent5"/>
-    </dgm:fillClrLst>
-    <dgm:linClrLst meth="repeat">
-      <a:schemeClr val="lt1"/>
-    </dgm:linClrLst>
-    <dgm:effectClrLst/>
-    <dgm:txLinClrLst/>
-    <dgm:txFillClrLst meth="repeat">
-      <a:schemeClr val="lt1"/>
-    </dgm:txFillClrLst>
-    <dgm:txEffectClrLst/>
-  </dgm:styleLbl>
-  <dgm:styleLbl name="parChTrans1D1">
-    <dgm:fillClrLst meth="repeat">
-      <a:schemeClr val="accent2"/>
-    </dgm:fillClrLst>
-    <dgm:linClrLst meth="repeat">
-      <a:schemeClr val="accent1"/>
-    </dgm:linClrLst>
-    <dgm:effectClrLst/>
-    <dgm:txLinClrLst/>
-    <dgm:txFillClrLst meth="repeat">
-      <a:schemeClr val="tx1"/>
-    </dgm:txFillClrLst>
-    <dgm:txEffectClrLst/>
-  </dgm:styleLbl>
-  <dgm:styleLbl name="parChTrans1D2">
-    <dgm:fillClrLst meth="repeat">
-      <a:schemeClr val="accent3">
-        <a:tint val="90000"/>
-      </a:schemeClr>
-    </dgm:fillClrLst>
-    <dgm:linClrLst meth="repeat">
-      <a:schemeClr val="accent2"/>
-    </dgm:linClrLst>
-    <dgm:effectClrLst/>
-    <dgm:txLinClrLst/>
-    <dgm:txFillClrLst meth="repeat">
-      <a:schemeClr val="tx1"/>
-    </dgm:txFillClrLst>
-    <dgm:txEffectClrLst/>
-  </dgm:styleLbl>
-  <dgm:styleLbl name="parChTrans1D3">
-    <dgm:fillClrLst meth="repeat">
-      <a:schemeClr val="accent4">
-        <a:tint val="70000"/>
-      </a:schemeClr>
-    </dgm:fillClrLst>
-    <dgm:linClrLst meth="repeat">
-      <a:schemeClr val="accent3"/>
-    </dgm:linClrLst>
-    <dgm:effectClrLst/>
-    <dgm:txLinClrLst/>
-    <dgm:txFillClrLst meth="repeat">
-      <a:schemeClr val="tx1"/>
-    </dgm:txFillClrLst>
-    <dgm:txEffectClrLst/>
-  </dgm:styleLbl>
-  <dgm:styleLbl name="parChTrans1D4">
-    <dgm:fillClrLst meth="repeat">
-      <a:schemeClr val="accent5">
-        <a:tint val="50000"/>
-      </a:schemeClr>
-    </dgm:fillClrLst>
-    <dgm:linClrLst meth="repeat">
-      <a:schemeClr val="accent4"/>
-    </dgm:linClrLst>
-    <dgm:effectClrLst/>
-    <dgm:txLinClrLst/>
-    <dgm:txFillClrLst meth="repeat">
-      <a:schemeClr val="tx1"/>
-    </dgm:txFillClrLst>
-    <dgm:txEffectClrLst/>
-  </dgm:styleLbl>
-  <dgm:styleLbl name="fgAcc1">
-    <dgm:fillClrLst meth="repeat">
-      <a:schemeClr val="lt1">
-        <a:alpha val="90000"/>
-      </a:schemeClr>
-    </dgm:fillClrLst>
-    <dgm:linClrLst meth="repeat">
-      <a:schemeClr val="accent2"/>
-      <a:schemeClr val="accent3"/>
-      <a:schemeClr val="accent4"/>
-      <a:schemeClr val="accent5"/>
-      <a:schemeClr val="accent6"/>
-    </dgm:linClrLst>
-    <dgm:effectClrLst/>
-    <dgm:txLinClrLst/>
-    <dgm:txFillClrLst meth="repeat">
-      <a:schemeClr val="dk1"/>
-    </dgm:txFillClrLst>
-    <dgm:txEffectClrLst/>
-  </dgm:styleLbl>
-  <dgm:styleLbl name="conFgAcc1">
-    <dgm:fillClrLst meth="repeat">
-      <a:schemeClr val="lt1">
-        <a:alpha val="90000"/>
-      </a:schemeClr>
-    </dgm:fillClrLst>
-    <dgm:linClrLst meth="repeat">
-      <a:schemeClr val="accent2"/>
-      <a:schemeClr val="accent3"/>
-      <a:schemeClr val="accent4"/>
-      <a:schemeClr val="accent5"/>
-      <a:schemeClr val="accent6"/>
-    </dgm:linClrLst>
-    <dgm:effectClrLst/>
-    <dgm:txLinClrLst/>
-    <dgm:txFillClrLst meth="repeat">
-      <a:schemeClr val="dk1"/>
-    </dgm:txFillClrLst>
-    <dgm:txEffectClrLst/>
-  </dgm:styleLbl>
-  <dgm:styleLbl name="alignAcc1">
-    <dgm:fillClrLst meth="repeat">
-      <a:schemeClr val="lt1">
-        <a:alpha val="90000"/>
-      </a:schemeClr>
-    </dgm:fillClrLst>
-    <dgm:linClrLst meth="repeat">
-      <a:schemeClr val="accent2"/>
-      <a:schemeClr val="accent3"/>
-      <a:schemeClr val="accent4"/>
-      <a:schemeClr val="accent5"/>
-      <a:schemeClr val="accent6"/>
-    </dgm:linClrLst>
-    <dgm:effectClrLst/>
-    <dgm:txLinClrLst/>
-    <dgm:txFillClrLst meth="repeat">
-      <a:schemeClr val="dk1"/>
-    </dgm:txFillClrLst>
-    <dgm:txEffectClrLst/>
-  </dgm:styleLbl>
-  <dgm:styleLbl name="trAlignAcc1">
-    <dgm:fillClrLst meth="repeat">
-      <a:schemeClr val="lt1">
-        <a:alpha val="40000"/>
-      </a:schemeClr>
-    </dgm:fillClrLst>
-    <dgm:linClrLst meth="repeat">
-      <a:schemeClr val="accent1"/>
-    </dgm:linClrLst>
-    <dgm:effectClrLst/>
-    <dgm:txLinClrLst/>
-    <dgm:txFillClrLst meth="repeat">
-      <a:schemeClr val="dk1"/>
-    </dgm:txFillClrLst>
-    <dgm:txEffectClrLst/>
-  </dgm:styleLbl>
-  <dgm:styleLbl name="bgAcc1">
-    <dgm:fillClrLst meth="repeat">
-      <a:schemeClr val="lt1">
-        <a:alpha val="90000"/>
-      </a:schemeClr>
-    </dgm:fillClrLst>
-    <dgm:linClrLst meth="repeat">
-      <a:schemeClr val="accent2"/>
-      <a:schemeClr val="accent3"/>
-      <a:schemeClr val="accent4"/>
-      <a:schemeClr val="accent5"/>
-      <a:schemeClr val="accent6"/>
-    </dgm:linClrLst>
-    <dgm:effectClrLst/>
-    <dgm:txLinClrLst/>
-    <dgm:txFillClrLst meth="repeat">
-      <a:schemeClr val="dk1"/>
-    </dgm:txFillClrLst>
-    <dgm:txEffectClrLst/>
-  </dgm:styleLbl>
-  <dgm:styleLbl name="solidFgAcc1">
-    <dgm:fillClrLst meth="repeat">
-      <a:schemeClr val="lt1"/>
-    </dgm:fillClrLst>
-    <dgm:linClrLst meth="repeat">
-      <a:schemeClr val="accent2"/>
-      <a:schemeClr val="accent3"/>
-      <a:schemeClr val="accent4"/>
-      <a:schemeClr val="accent5"/>
-      <a:schemeClr val="accent6"/>
-    </dgm:linClrLst>
-    <dgm:effectClrLst/>
-    <dgm:txLinClrLst/>
-    <dgm:txFillClrLst meth="repeat">
-      <a:schemeClr val="dk1"/>
-    </dgm:txFillClrLst>
-    <dgm:txEffectClrLst/>
-  </dgm:styleLbl>
-  <dgm:styleLbl name="solidAlignAcc1">
-    <dgm:fillClrLst meth="repeat">
-      <a:schemeClr val="lt1"/>
-    </dgm:fillClrLst>
-    <dgm:linClrLst meth="repeat">
-      <a:schemeClr val="accent2"/>
-      <a:schemeClr val="accent3"/>
-      <a:schemeClr val="accent4"/>
-      <a:schemeClr val="accent5"/>
-      <a:schemeClr val="accent6"/>
-    </dgm:linClrLst>
-    <dgm:effectClrLst/>
-    <dgm:txLinClrLst/>
-    <dgm:txFillClrLst meth="repeat">
-      <a:schemeClr val="dk1"/>
-    </dgm:txFillClrLst>
-    <dgm:txEffectClrLst/>
-  </dgm:styleLbl>
-  <dgm:styleLbl name="solidBgAcc1">
-    <dgm:fillClrLst meth="repeat">
-      <a:schemeClr val="lt1"/>
-    </dgm:fillClrLst>
-    <dgm:linClrLst meth="repeat">
-      <a:schemeClr val="accent2"/>
-      <a:schemeClr val="accent3"/>
-      <a:schemeClr val="accent4"/>
-      <a:schemeClr val="accent5"/>
-      <a:schemeClr val="accent6"/>
-    </dgm:linClrLst>
-    <dgm:effectClrLst/>
-    <dgm:txLinClrLst/>
-    <dgm:txFillClrLst meth="repeat">
-      <a:schemeClr val="dk1"/>
-    </dgm:txFillClrLst>
-    <dgm:txEffectClrLst/>
-  </dgm:styleLbl>
-  <dgm:styleLbl name="fgAccFollowNode1">
-    <dgm:fillClrLst meth="repeat">
-      <a:schemeClr val="accent2">
-        <a:tint val="40000"/>
-        <a:alpha val="90000"/>
-      </a:schemeClr>
-      <a:schemeClr val="accent3">
-        <a:tint val="40000"/>
-        <a:alpha val="90000"/>
-      </a:schemeClr>
-      <a:schemeClr val="accent4">
-        <a:tint val="40000"/>
-        <a:alpha val="90000"/>
-      </a:schemeClr>
-      <a:schemeClr val="accent5">
-        <a:tint val="40000"/>
-        <a:alpha val="90000"/>
-      </a:schemeClr>
-      <a:schemeClr val="accent6">
-        <a:tint val="40000"/>
-        <a:alpha val="90000"/>
-      </a:schemeClr>
-    </dgm:fillClrLst>
-    <dgm:linClrLst meth="repeat">
-      <a:schemeClr val="accent2">
-        <a:tint val="40000"/>
-        <a:alpha val="90000"/>
-      </a:schemeClr>
-      <a:schemeClr val="accent3">
-        <a:tint val="40000"/>
-        <a:alpha val="90000"/>
-      </a:schemeClr>
-      <a:schemeClr val="accent4">
-        <a:tint val="40000"/>
-        <a:alpha val="90000"/>
-      </a:schemeClr>
-      <a:schemeClr val="accent5">
-        <a:tint val="40000"/>
-        <a:alpha val="90000"/>
-      </a:schemeClr>
-      <a:schemeClr val="accent6">
-        <a:tint val="40000"/>
-        <a:alpha val="90000"/>
-      </a:schemeClr>
-    </dgm:linClrLst>
-    <dgm:effectClrLst/>
-    <dgm:txLinClrLst/>
-    <dgm:txFillClrLst meth="repeat">
-      <a:schemeClr val="dk1"/>
-    </dgm:txFillClrLst>
-    <dgm:txEffectClrLst/>
-  </dgm:styleLbl>
-  <dgm:styleLbl name="alignAccFollowNode1">
-    <dgm:fillClrLst meth="repeat">
-      <a:schemeClr val="accent2">
-        <a:tint val="40000"/>
-        <a:alpha val="90000"/>
-      </a:schemeClr>
-      <a:schemeClr val="accent3">
-        <a:tint val="40000"/>
-        <a:alpha val="90000"/>
-      </a:schemeClr>
-      <a:schemeClr val="accent4">
-        <a:tint val="40000"/>
-        <a:alpha val="90000"/>
-      </a:schemeClr>
-      <a:schemeClr val="accent5">
-        <a:tint val="40000"/>
-        <a:alpha val="90000"/>
-      </a:schemeClr>
-      <a:schemeClr val="accent6">
-        <a:tint val="40000"/>
-        <a:alpha val="90000"/>
-      </a:schemeClr>
-    </dgm:fillClrLst>
-    <dgm:linClrLst meth="repeat">
-      <a:schemeClr val="accent2">
-        <a:tint val="40000"/>
-        <a:alpha val="90000"/>
-      </a:schemeClr>
-      <a:schemeClr val="accent3">
-        <a:tint val="40000"/>
-        <a:alpha val="90000"/>
-      </a:schemeClr>
-      <a:schemeClr val="accent4">
-        <a:tint val="40000"/>
-        <a:alpha val="90000"/>
-      </a:schemeClr>
-      <a:schemeClr val="accent5">
-        <a:tint val="40000"/>
-        <a:alpha val="90000"/>
-      </a:schemeClr>
-      <a:schemeClr val="accent6">
-        <a:tint val="40000"/>
-        <a:alpha val="90000"/>
-      </a:schemeClr>
-    </dgm:linClrLst>
-    <dgm:effectClrLst/>
-    <dgm:txLinClrLst/>
-    <dgm:txFillClrLst meth="repeat">
-      <a:schemeClr val="dk1"/>
-    </dgm:txFillClrLst>
-    <dgm:txEffectClrLst/>
-  </dgm:styleLbl>
-  <dgm:styleLbl name="bgAccFollowNode1">
-    <dgm:fillClrLst meth="repeat">
-      <a:schemeClr val="accent2">
-        <a:tint val="40000"/>
-        <a:alpha val="90000"/>
-      </a:schemeClr>
-      <a:schemeClr val="accent3">
-        <a:tint val="40000"/>
-        <a:alpha val="90000"/>
-      </a:schemeClr>
-      <a:schemeClr val="accent4">
-        <a:tint val="40000"/>
-        <a:alpha val="90000"/>
-      </a:schemeClr>
-      <a:schemeClr val="accent5">
-        <a:tint val="40000"/>
-        <a:alpha val="90000"/>
-      </a:schemeClr>
-      <a:schemeClr val="accent6">
-        <a:tint val="40000"/>
-        <a:alpha val="90000"/>
-      </a:schemeClr>
-    </dgm:fillClrLst>
-    <dgm:linClrLst meth="repeat">
-      <a:schemeClr val="accent2">
-        <a:tint val="40000"/>
-        <a:alpha val="90000"/>
-      </a:schemeClr>
-      <a:schemeClr val="accent3">
-        <a:tint val="40000"/>
-        <a:alpha val="90000"/>
-      </a:schemeClr>
-      <a:schemeClr val="accent4">
-        <a:tint val="40000"/>
-        <a:alpha val="90000"/>
-      </a:schemeClr>
-      <a:schemeClr val="accent5">
-        <a:tint val="40000"/>
-        <a:alpha val="90000"/>
-      </a:schemeClr>
-      <a:schemeClr val="accent6">
-        <a:tint val="40000"/>
-        <a:alpha val="90000"/>
-      </a:schemeClr>
-    </dgm:linClrLst>
-    <dgm:effectClrLst/>
-    <dgm:txLinClrLst/>
-    <dgm:txFillClrLst meth="repeat">
-      <a:schemeClr val="dk1"/>
-    </dgm:txFillClrLst>
-    <dgm:txEffectClrLst/>
-  </dgm:styleLbl>
-  <dgm:styleLbl name="fgAcc0">
-    <dgm:fillClrLst meth="repeat">
-      <a:schemeClr val="lt1">
-        <a:alpha val="90000"/>
-      </a:schemeClr>
-    </dgm:fillClrLst>
-    <dgm:linClrLst>
-      <a:schemeClr val="accent1"/>
-    </dgm:linClrLst>
-    <dgm:effectClrLst/>
-    <dgm:txLinClrLst/>
-    <dgm:txFillClrLst meth="repeat">
-      <a:schemeClr val="dk1"/>
-    </dgm:txFillClrLst>
-    <dgm:txEffectClrLst/>
-  </dgm:styleLbl>
-  <dgm:styleLbl name="fgAcc2">
-    <dgm:fillClrLst meth="repeat">
-      <a:schemeClr val="lt1">
-        <a:alpha val="90000"/>
-      </a:schemeClr>
-    </dgm:fillClrLst>
-    <dgm:linClrLst>
-      <a:schemeClr val="accent2"/>
-    </dgm:linClrLst>
-    <dgm:effectClrLst/>
-    <dgm:txLinClrLst/>
-    <dgm:txFillClrLst meth="repeat">
-      <a:schemeClr val="dk1"/>
-    </dgm:txFillClrLst>
-    <dgm:txEffectClrLst/>
-  </dgm:styleLbl>
-  <dgm:styleLbl name="fgAcc3">
-    <dgm:fillClrLst meth="repeat">
-      <a:schemeClr val="lt1">
-        <a:alpha val="90000"/>
-      </a:schemeClr>
-    </dgm:fillClrLst>
-    <dgm:linClrLst>
-      <a:schemeClr val="accent3"/>
-    </dgm:linClrLst>
-    <dgm:effectClrLst/>
-    <dgm:txLinClrLst/>
-    <dgm:txFillClrLst meth="repeat">
-      <a:schemeClr val="dk1"/>
-    </dgm:txFillClrLst>
-    <dgm:txEffectClrLst/>
-  </dgm:styleLbl>
-  <dgm:styleLbl name="fgAcc4">
-    <dgm:fillClrLst meth="repeat">
-      <a:schemeClr val="lt1">
-        <a:alpha val="90000"/>
-      </a:schemeClr>
-    </dgm:fillClrLst>
-    <dgm:linClrLst>
-      <a:schemeClr val="accent4"/>
-    </dgm:linClrLst>
-    <dgm:effectClrLst/>
-    <dgm:txLinClrLst/>
-    <dgm:txFillClrLst meth="repeat">
-      <a:schemeClr val="dk1"/>
-    </dgm:txFillClrLst>
-    <dgm:txEffectClrLst/>
-  </dgm:styleLbl>
-  <dgm:styleLbl name="bgShp">
-    <dgm:fillClrLst meth="repeat">
       <a:schemeClr val="accent2">
         <a:tint val="40000"/>
       </a:schemeClr>
@@ -2906,9 +2770,14 @@
         <a:bodyPr/>
         <a:lstStyle/>
         <a:p>
+          <a:pPr>
+            <a:lnSpc>
+              <a:spcPct val="100000"/>
+            </a:lnSpc>
+          </a:pPr>
           <a:r>
-            <a:rPr lang="en-US"/>
-            <a:t>This project’s aim is to help the candidate find a job based on their skills and experience.</a:t>
+            <a:rPr lang="en-US" dirty="0"/>
+            <a:t>This project’s aim is to help the candidate find a job based on their skills and experience. So it is easier for them to become a shortlist-ed candidate</a:t>
           </a:r>
         </a:p>
       </dgm:t>
@@ -2931,6 +2800,11 @@
         <a:bodyPr/>
         <a:lstStyle/>
         <a:p>
+          <a:pPr>
+            <a:lnSpc>
+              <a:spcPct val="100000"/>
+            </a:lnSpc>
+          </a:pPr>
           <a:endParaRPr lang="en-US"/>
         </a:p>
       </dgm:t>
@@ -2942,9 +2816,25 @@
         <a:bodyPr/>
         <a:lstStyle/>
         <a:p>
+          <a:pPr>
+            <a:lnSpc>
+              <a:spcPct val="100000"/>
+            </a:lnSpc>
+          </a:pPr>
           <a:r>
-            <a:rPr lang="en-US"/>
-            <a:t>And also to help the company to get shortlisted-candidate easier</a:t>
+            <a:rPr lang="en-US" dirty="0"/>
+            <a:t>To help the company to recruit candidates easier.</a:t>
+          </a:r>
+        </a:p>
+        <a:p>
+          <a:pPr>
+            <a:lnSpc>
+              <a:spcPct val="100000"/>
+            </a:lnSpc>
+          </a:pPr>
+          <a:r>
+            <a:rPr lang="en-US" dirty="0"/>
+            <a:t>Improve time and cost efficiency</a:t>
           </a:r>
         </a:p>
       </dgm:t>
@@ -3030,7 +2920,7 @@
       <dgm:spPr/>
     </dgm:pt>
     <dgm:pt modelId="{DF0DF4AF-B4FF-4E51-A01D-2B3006F0627A}" type="pres">
-      <dgm:prSet presAssocID="{9B4DDA72-C1DB-43AF-971D-92B0B2A9D223}" presName="textRect" presStyleLbl="revTx" presStyleIdx="0" presStyleCnt="2">
+      <dgm:prSet presAssocID="{9B4DDA72-C1DB-43AF-971D-92B0B2A9D223}" presName="textRect" presStyleLbl="revTx" presStyleIdx="0" presStyleCnt="2" custScaleY="179080">
         <dgm:presLayoutVars>
           <dgm:chMax val="1"/>
           <dgm:chPref val="1"/>
@@ -3093,24 +2983,24 @@
     </dgm:pt>
   </dgm:ptLst>
   <dgm:cxnLst>
+    <dgm:cxn modelId="{E929231C-5F55-4334-B859-404A7D4301B6}" type="presOf" srcId="{93A21AC7-9BC4-4497-BCAB-4A49D37B2129}" destId="{35A055CF-E2CD-48C6-A582-315C5F4C984E}" srcOrd="0" destOrd="0" presId="urn:microsoft.com/office/officeart/2018/2/layout/IconCircleList"/>
     <dgm:cxn modelId="{1D4B9A1C-36F5-4E2B-B10C-B195CE8A2602}" srcId="{C24F9739-D78C-4563-A06D-5C02292E2832}" destId="{9B4DDA72-C1DB-43AF-971D-92B0B2A9D223}" srcOrd="0" destOrd="0" parTransId="{7DC7755B-DCFA-49FF-BFAC-AE24B11ED039}" sibTransId="{A314BA64-7448-4ECA-879C-B18D6C14FF3F}"/>
-    <dgm:cxn modelId="{CAAE7527-E0CA-4481-ACEF-BD82CAA7AA0B}" type="presOf" srcId="{93A21AC7-9BC4-4497-BCAB-4A49D37B2129}" destId="{35A055CF-E2CD-48C6-A582-315C5F4C984E}" srcOrd="0" destOrd="0" presId="urn:microsoft.com/office/officeart/2018/2/layout/IconCircleList"/>
-    <dgm:cxn modelId="{0AEEE849-39A4-4159-B565-4D26032722A7}" type="presOf" srcId="{A314BA64-7448-4ECA-879C-B18D6C14FF3F}" destId="{6663F0F5-2EB4-496E-888B-7927873F60D1}" srcOrd="0" destOrd="0" presId="urn:microsoft.com/office/officeart/2018/2/layout/IconCircleList"/>
+    <dgm:cxn modelId="{73E2DE35-02B5-48E6-A79A-BD83BE243D71}" type="presOf" srcId="{C24F9739-D78C-4563-A06D-5C02292E2832}" destId="{E6C5A163-A88F-4275-8C7E-6CA88D8DEB4F}" srcOrd="0" destOrd="0" presId="urn:microsoft.com/office/officeart/2018/2/layout/IconCircleList"/>
     <dgm:cxn modelId="{FD833E6E-3A21-4E0E-BD1F-96BF2584C2FA}" srcId="{C24F9739-D78C-4563-A06D-5C02292E2832}" destId="{93A21AC7-9BC4-4497-BCAB-4A49D37B2129}" srcOrd="1" destOrd="0" parTransId="{B8770997-26A4-414C-9A39-8DC7E68179C2}" sibTransId="{8EE7B56D-580A-41C9-8643-EEC5C8D727DE}"/>
-    <dgm:cxn modelId="{790BC2D9-7394-4439-B034-F41F6681B83D}" type="presOf" srcId="{9B4DDA72-C1DB-43AF-971D-92B0B2A9D223}" destId="{DF0DF4AF-B4FF-4E51-A01D-2B3006F0627A}" srcOrd="0" destOrd="0" presId="urn:microsoft.com/office/officeart/2018/2/layout/IconCircleList"/>
-    <dgm:cxn modelId="{F53AECE5-A29F-4B28-9D64-878FEAB08F5A}" type="presOf" srcId="{C24F9739-D78C-4563-A06D-5C02292E2832}" destId="{E6C5A163-A88F-4275-8C7E-6CA88D8DEB4F}" srcOrd="0" destOrd="0" presId="urn:microsoft.com/office/officeart/2018/2/layout/IconCircleList"/>
-    <dgm:cxn modelId="{A95C2259-F6D6-4A8E-8DD6-B7A1E9A3B1C1}" type="presParOf" srcId="{E6C5A163-A88F-4275-8C7E-6CA88D8DEB4F}" destId="{EE165B2B-D164-4160-AAA7-09FFC6417CD1}" srcOrd="0" destOrd="0" presId="urn:microsoft.com/office/officeart/2018/2/layout/IconCircleList"/>
-    <dgm:cxn modelId="{1C36D3DB-315A-4FA0-A12D-3CFC6C91247E}" type="presParOf" srcId="{EE165B2B-D164-4160-AAA7-09FFC6417CD1}" destId="{90D95005-2F8B-4AFE-B44E-FC0C62437709}" srcOrd="0" destOrd="0" presId="urn:microsoft.com/office/officeart/2018/2/layout/IconCircleList"/>
-    <dgm:cxn modelId="{574ECED0-76C5-4BC8-ABD7-054016589DA3}" type="presParOf" srcId="{90D95005-2F8B-4AFE-B44E-FC0C62437709}" destId="{AFCA85A3-C1B9-4AB3-983A-35FCC112E7AD}" srcOrd="0" destOrd="0" presId="urn:microsoft.com/office/officeart/2018/2/layout/IconCircleList"/>
-    <dgm:cxn modelId="{592D717F-EB74-4736-8CA1-C8A044B7B1BE}" type="presParOf" srcId="{90D95005-2F8B-4AFE-B44E-FC0C62437709}" destId="{4142CF06-D70A-45C8-9459-9F077F350CE5}" srcOrd="1" destOrd="0" presId="urn:microsoft.com/office/officeart/2018/2/layout/IconCircleList"/>
-    <dgm:cxn modelId="{FCF31156-2461-483A-9832-922FD2AA1B02}" type="presParOf" srcId="{90D95005-2F8B-4AFE-B44E-FC0C62437709}" destId="{1500B1C9-7A94-499D-B03B-8B2FCC93DFCF}" srcOrd="2" destOrd="0" presId="urn:microsoft.com/office/officeart/2018/2/layout/IconCircleList"/>
-    <dgm:cxn modelId="{87DB4A24-0ABB-4370-9CF5-AF9F8AEB71E5}" type="presParOf" srcId="{90D95005-2F8B-4AFE-B44E-FC0C62437709}" destId="{DF0DF4AF-B4FF-4E51-A01D-2B3006F0627A}" srcOrd="3" destOrd="0" presId="urn:microsoft.com/office/officeart/2018/2/layout/IconCircleList"/>
-    <dgm:cxn modelId="{799775EA-5B89-408B-8CC7-B3C6FFD92EA0}" type="presParOf" srcId="{EE165B2B-D164-4160-AAA7-09FFC6417CD1}" destId="{6663F0F5-2EB4-496E-888B-7927873F60D1}" srcOrd="1" destOrd="0" presId="urn:microsoft.com/office/officeart/2018/2/layout/IconCircleList"/>
-    <dgm:cxn modelId="{EA64A1D1-29F3-4F5B-B95D-944570FEFDF1}" type="presParOf" srcId="{EE165B2B-D164-4160-AAA7-09FFC6417CD1}" destId="{01EA1127-6F00-4DC2-961F-CF838A07063A}" srcOrd="2" destOrd="0" presId="urn:microsoft.com/office/officeart/2018/2/layout/IconCircleList"/>
-    <dgm:cxn modelId="{7FE4332D-1CED-4F39-9497-35915E6E645E}" type="presParOf" srcId="{01EA1127-6F00-4DC2-961F-CF838A07063A}" destId="{C45D2DF3-A349-42CC-9B35-690355DDB6B9}" srcOrd="0" destOrd="0" presId="urn:microsoft.com/office/officeart/2018/2/layout/IconCircleList"/>
-    <dgm:cxn modelId="{73CC80AF-9D89-4C30-BE47-24BEA9A05F50}" type="presParOf" srcId="{01EA1127-6F00-4DC2-961F-CF838A07063A}" destId="{BDCCC319-0B6A-4E59-A77A-4CCEF0C87883}" srcOrd="1" destOrd="0" presId="urn:microsoft.com/office/officeart/2018/2/layout/IconCircleList"/>
-    <dgm:cxn modelId="{94F7A016-A970-4F22-BEE7-68949ADCB27A}" type="presParOf" srcId="{01EA1127-6F00-4DC2-961F-CF838A07063A}" destId="{24EBADF1-AEA7-4ED8-9D4E-6FB3DBE133F9}" srcOrd="2" destOrd="0" presId="urn:microsoft.com/office/officeart/2018/2/layout/IconCircleList"/>
-    <dgm:cxn modelId="{BA261B6F-0BCD-4540-8349-8B2E5BF1A92A}" type="presParOf" srcId="{01EA1127-6F00-4DC2-961F-CF838A07063A}" destId="{35A055CF-E2CD-48C6-A582-315C5F4C984E}" srcOrd="3" destOrd="0" presId="urn:microsoft.com/office/officeart/2018/2/layout/IconCircleList"/>
+    <dgm:cxn modelId="{9034F1C5-1C85-48D3-8D25-77D800A0D5C0}" type="presOf" srcId="{9B4DDA72-C1DB-43AF-971D-92B0B2A9D223}" destId="{DF0DF4AF-B4FF-4E51-A01D-2B3006F0627A}" srcOrd="0" destOrd="0" presId="urn:microsoft.com/office/officeart/2018/2/layout/IconCircleList"/>
+    <dgm:cxn modelId="{518276DE-AA88-44FA-92E6-F53163C3E632}" type="presOf" srcId="{A314BA64-7448-4ECA-879C-B18D6C14FF3F}" destId="{6663F0F5-2EB4-496E-888B-7927873F60D1}" srcOrd="0" destOrd="0" presId="urn:microsoft.com/office/officeart/2018/2/layout/IconCircleList"/>
+    <dgm:cxn modelId="{C4E93626-C091-4B2F-868E-877615DE18AC}" type="presParOf" srcId="{E6C5A163-A88F-4275-8C7E-6CA88D8DEB4F}" destId="{EE165B2B-D164-4160-AAA7-09FFC6417CD1}" srcOrd="0" destOrd="0" presId="urn:microsoft.com/office/officeart/2018/2/layout/IconCircleList"/>
+    <dgm:cxn modelId="{C8777D67-A16B-4C2C-8882-A0DA4006B11E}" type="presParOf" srcId="{EE165B2B-D164-4160-AAA7-09FFC6417CD1}" destId="{90D95005-2F8B-4AFE-B44E-FC0C62437709}" srcOrd="0" destOrd="0" presId="urn:microsoft.com/office/officeart/2018/2/layout/IconCircleList"/>
+    <dgm:cxn modelId="{049ABFB0-53A9-4EE2-8216-73527430FDE0}" type="presParOf" srcId="{90D95005-2F8B-4AFE-B44E-FC0C62437709}" destId="{AFCA85A3-C1B9-4AB3-983A-35FCC112E7AD}" srcOrd="0" destOrd="0" presId="urn:microsoft.com/office/officeart/2018/2/layout/IconCircleList"/>
+    <dgm:cxn modelId="{2BFF4C15-01F7-4F6C-9956-8EBAEB2AE2C6}" type="presParOf" srcId="{90D95005-2F8B-4AFE-B44E-FC0C62437709}" destId="{4142CF06-D70A-45C8-9459-9F077F350CE5}" srcOrd="1" destOrd="0" presId="urn:microsoft.com/office/officeart/2018/2/layout/IconCircleList"/>
+    <dgm:cxn modelId="{B061C0BA-43AE-4076-A2B4-F0228FDBA693}" type="presParOf" srcId="{90D95005-2F8B-4AFE-B44E-FC0C62437709}" destId="{1500B1C9-7A94-499D-B03B-8B2FCC93DFCF}" srcOrd="2" destOrd="0" presId="urn:microsoft.com/office/officeart/2018/2/layout/IconCircleList"/>
+    <dgm:cxn modelId="{A9835596-A13B-4E33-8CF5-74E991D820B1}" type="presParOf" srcId="{90D95005-2F8B-4AFE-B44E-FC0C62437709}" destId="{DF0DF4AF-B4FF-4E51-A01D-2B3006F0627A}" srcOrd="3" destOrd="0" presId="urn:microsoft.com/office/officeart/2018/2/layout/IconCircleList"/>
+    <dgm:cxn modelId="{76FDADF9-8972-4139-B807-F4FFD2F86171}" type="presParOf" srcId="{EE165B2B-D164-4160-AAA7-09FFC6417CD1}" destId="{6663F0F5-2EB4-496E-888B-7927873F60D1}" srcOrd="1" destOrd="0" presId="urn:microsoft.com/office/officeart/2018/2/layout/IconCircleList"/>
+    <dgm:cxn modelId="{4A8EC8EE-DE12-48A7-94F4-FC37E5B33ED2}" type="presParOf" srcId="{EE165B2B-D164-4160-AAA7-09FFC6417CD1}" destId="{01EA1127-6F00-4DC2-961F-CF838A07063A}" srcOrd="2" destOrd="0" presId="urn:microsoft.com/office/officeart/2018/2/layout/IconCircleList"/>
+    <dgm:cxn modelId="{63880F34-7D38-4D3E-8A5D-D82606CB56FA}" type="presParOf" srcId="{01EA1127-6F00-4DC2-961F-CF838A07063A}" destId="{C45D2DF3-A349-42CC-9B35-690355DDB6B9}" srcOrd="0" destOrd="0" presId="urn:microsoft.com/office/officeart/2018/2/layout/IconCircleList"/>
+    <dgm:cxn modelId="{CE253A6F-FDD9-47E8-B0A0-2374DAD96C3C}" type="presParOf" srcId="{01EA1127-6F00-4DC2-961F-CF838A07063A}" destId="{BDCCC319-0B6A-4E59-A77A-4CCEF0C87883}" srcOrd="1" destOrd="0" presId="urn:microsoft.com/office/officeart/2018/2/layout/IconCircleList"/>
+    <dgm:cxn modelId="{EC2CA7C0-B7AB-4794-9084-1C56C18D11C8}" type="presParOf" srcId="{01EA1127-6F00-4DC2-961F-CF838A07063A}" destId="{24EBADF1-AEA7-4ED8-9D4E-6FB3DBE133F9}" srcOrd="2" destOrd="0" presId="urn:microsoft.com/office/officeart/2018/2/layout/IconCircleList"/>
+    <dgm:cxn modelId="{A3A85CF5-B326-46D2-8440-227FF35791DD}" type="presParOf" srcId="{01EA1127-6F00-4DC2-961F-CF838A07063A}" destId="{35A055CF-E2CD-48C6-A582-315C5F4C984E}" srcOrd="3" destOrd="0" presId="urn:microsoft.com/office/officeart/2018/2/layout/IconCircleList"/>
   </dgm:cxnLst>
   <dgm:bg/>
   <dgm:whole/>
@@ -3126,7 +3016,7 @@
 <dgm:dataModel xmlns:dgm="http://schemas.openxmlformats.org/drawingml/2006/diagram" xmlns:a="http://schemas.openxmlformats.org/drawingml/2006/main">
   <dgm:ptLst>
     <dgm:pt modelId="{A4733BB8-1783-4B8E-8DA9-91C45C847D6F}" type="doc">
-      <dgm:prSet loTypeId="urn:microsoft.com/office/officeart/2018/2/layout/IconVerticalSolidList" loCatId="icon" qsTypeId="urn:microsoft.com/office/officeart/2005/8/quickstyle/simple1" qsCatId="simple" csTypeId="urn:microsoft.com/office/officeart/2018/5/colors/Iconchunking_neutralicontext_colorful1" csCatId="colorful" phldr="1"/>
+      <dgm:prSet loTypeId="urn:microsoft.com/office/officeart/2018/2/layout/IconLabelList" loCatId="icon" qsTypeId="urn:microsoft.com/office/officeart/2005/8/quickstyle/simple1" qsCatId="simple" csTypeId="urn:microsoft.com/office/officeart/2018/5/colors/Iconchunking_neutralbg_colorful2" csCatId="colorful" phldr="1"/>
       <dgm:spPr/>
       <dgm:t>
         <a:bodyPr/>
@@ -3143,6 +3033,11 @@
         <a:bodyPr/>
         <a:lstStyle/>
         <a:p>
+          <a:pPr>
+            <a:lnSpc>
+              <a:spcPct val="100000"/>
+            </a:lnSpc>
+          </a:pPr>
           <a:r>
             <a:rPr lang="en-US"/>
             <a:t>Gather data</a:t>
@@ -3179,6 +3074,11 @@
         <a:bodyPr/>
         <a:lstStyle/>
         <a:p>
+          <a:pPr>
+            <a:lnSpc>
+              <a:spcPct val="100000"/>
+            </a:lnSpc>
+          </a:pPr>
           <a:r>
             <a:rPr lang="en-US"/>
             <a:t>Analyze and Clean Data</a:t>
@@ -3215,6 +3115,11 @@
         <a:bodyPr/>
         <a:lstStyle/>
         <a:p>
+          <a:pPr>
+            <a:lnSpc>
+              <a:spcPct val="100000"/>
+            </a:lnSpc>
+          </a:pPr>
           <a:r>
             <a:rPr lang="en-US"/>
             <a:t>Train model and compare</a:t>
@@ -3256,6 +3161,11 @@
         <a:bodyPr/>
         <a:lstStyle/>
         <a:p>
+          <a:pPr>
+            <a:lnSpc>
+              <a:spcPct val="100000"/>
+            </a:lnSpc>
+          </a:pPr>
           <a:r>
             <a:rPr lang="en-ID"/>
             <a:t>Get the best model to predict the suitable job category</a:t>
@@ -3293,6 +3203,11 @@
         <a:bodyPr/>
         <a:lstStyle/>
         <a:p>
+          <a:pPr>
+            <a:lnSpc>
+              <a:spcPct val="100000"/>
+            </a:lnSpc>
+          </a:pPr>
           <a:r>
             <a:rPr lang="en-ID"/>
             <a:t>Get the keyword and use content-based filtering to get the best job title</a:t>
@@ -3330,6 +3245,11 @@
         <a:bodyPr/>
         <a:lstStyle/>
         <a:p>
+          <a:pPr>
+            <a:lnSpc>
+              <a:spcPct val="100000"/>
+            </a:lnSpc>
+          </a:pPr>
           <a:r>
             <a:rPr lang="en-ID"/>
             <a:t>Create the apps</a:t>
@@ -3360,7 +3280,7 @@
         </a:p>
       </dgm:t>
     </dgm:pt>
-    <dgm:pt modelId="{6BCD3770-8213-4CAA-8314-04EBE64BF5AC}" type="pres">
+    <dgm:pt modelId="{B06286A9-10C6-4A4C-B00D-8033F0477BCE}" type="pres">
       <dgm:prSet presAssocID="{A4733BB8-1783-4B8E-8DA9-91C45C847D6F}" presName="root" presStyleCnt="0">
         <dgm:presLayoutVars>
           <dgm:dir/>
@@ -3369,15 +3289,11 @@
       </dgm:prSet>
       <dgm:spPr/>
     </dgm:pt>
-    <dgm:pt modelId="{EC26863B-0EB4-405E-9B08-065762A053E7}" type="pres">
+    <dgm:pt modelId="{F6A6ACE6-630A-4EE1-BB28-6DFE4DC8D1A3}" type="pres">
       <dgm:prSet presAssocID="{1AB763AA-6C1B-49D1-B5CC-80E3F0AAC7D3}" presName="compNode" presStyleCnt="0"/>
       <dgm:spPr/>
     </dgm:pt>
-    <dgm:pt modelId="{3787CDBC-6F13-4AF4-930A-6517C514E165}" type="pres">
-      <dgm:prSet presAssocID="{1AB763AA-6C1B-49D1-B5CC-80E3F0AAC7D3}" presName="bgRect" presStyleLbl="bgShp" presStyleIdx="0" presStyleCnt="6"/>
-      <dgm:spPr/>
-    </dgm:pt>
-    <dgm:pt modelId="{AF220668-D5BE-4C47-B1D8-12D6724EE156}" type="pres">
+    <dgm:pt modelId="{C73279E9-9245-423A-A6BC-C729A48E5345}" type="pres">
       <dgm:prSet presAssocID="{1AB763AA-6C1B-49D1-B5CC-80E3F0AAC7D3}" presName="iconRect" presStyleLbl="node1" presStyleIdx="0" presStyleCnt="6"/>
       <dgm:spPr>
         <a:blipFill>
@@ -3405,32 +3321,28 @@
         </a:ext>
       </dgm:extLst>
     </dgm:pt>
-    <dgm:pt modelId="{91DEDD61-EF2C-4BCF-9B5F-A0F615173D20}" type="pres">
+    <dgm:pt modelId="{4BBCBD4A-D3B8-4022-AAB5-B100AC64915E}" type="pres">
       <dgm:prSet presAssocID="{1AB763AA-6C1B-49D1-B5CC-80E3F0AAC7D3}" presName="spaceRect" presStyleCnt="0"/>
       <dgm:spPr/>
     </dgm:pt>
-    <dgm:pt modelId="{2D76B9B1-2768-488E-9442-53678245825B}" type="pres">
-      <dgm:prSet presAssocID="{1AB763AA-6C1B-49D1-B5CC-80E3F0AAC7D3}" presName="parTx" presStyleLbl="revTx" presStyleIdx="0" presStyleCnt="6">
+    <dgm:pt modelId="{988C9C78-8CD7-4DB4-AD26-D086F148B8A4}" type="pres">
+      <dgm:prSet presAssocID="{1AB763AA-6C1B-49D1-B5CC-80E3F0AAC7D3}" presName="textRect" presStyleLbl="revTx" presStyleIdx="0" presStyleCnt="6">
         <dgm:presLayoutVars>
-          <dgm:chMax val="0"/>
-          <dgm:chPref val="0"/>
+          <dgm:chMax val="1"/>
+          <dgm:chPref val="1"/>
         </dgm:presLayoutVars>
       </dgm:prSet>
       <dgm:spPr/>
     </dgm:pt>
-    <dgm:pt modelId="{B7AFE0DA-FEC1-4216-A630-8E3DD69F7395}" type="pres">
+    <dgm:pt modelId="{99DD7FBC-F19D-440F-B6AC-84C633D94491}" type="pres">
       <dgm:prSet presAssocID="{F2D2C202-A10D-4DAB-9559-A4410CC585AF}" presName="sibTrans" presStyleCnt="0"/>
       <dgm:spPr/>
     </dgm:pt>
-    <dgm:pt modelId="{8685EA6B-08E9-41A1-8C88-77F6D56C1D10}" type="pres">
+    <dgm:pt modelId="{6BC1FDC3-4E9A-467D-A821-C691059A02E2}" type="pres">
       <dgm:prSet presAssocID="{4B3E0C50-2722-481A-9CC6-7FC97FE3BCBF}" presName="compNode" presStyleCnt="0"/>
       <dgm:spPr/>
     </dgm:pt>
-    <dgm:pt modelId="{BC4AE224-563B-4270-9789-7B6316CF7E79}" type="pres">
-      <dgm:prSet presAssocID="{4B3E0C50-2722-481A-9CC6-7FC97FE3BCBF}" presName="bgRect" presStyleLbl="bgShp" presStyleIdx="1" presStyleCnt="6"/>
-      <dgm:spPr/>
-    </dgm:pt>
-    <dgm:pt modelId="{2FC23469-5F64-4644-8C16-A926790F0BDD}" type="pres">
+    <dgm:pt modelId="{83BA7D0D-AF82-4E0E-80DA-BA8E7865C190}" type="pres">
       <dgm:prSet presAssocID="{4B3E0C50-2722-481A-9CC6-7FC97FE3BCBF}" presName="iconRect" presStyleLbl="node1" presStyleIdx="1" presStyleCnt="6"/>
       <dgm:spPr>
         <a:blipFill>
@@ -3458,32 +3370,28 @@
         </a:ext>
       </dgm:extLst>
     </dgm:pt>
-    <dgm:pt modelId="{F357145A-D939-4EC1-895B-EB5AFE03E6F0}" type="pres">
+    <dgm:pt modelId="{32066BF1-867C-4F56-BA27-8B7B3BBDC0D8}" type="pres">
       <dgm:prSet presAssocID="{4B3E0C50-2722-481A-9CC6-7FC97FE3BCBF}" presName="spaceRect" presStyleCnt="0"/>
       <dgm:spPr/>
     </dgm:pt>
-    <dgm:pt modelId="{43E165EF-C765-4623-808F-7D1C9A98D1E7}" type="pres">
-      <dgm:prSet presAssocID="{4B3E0C50-2722-481A-9CC6-7FC97FE3BCBF}" presName="parTx" presStyleLbl="revTx" presStyleIdx="1" presStyleCnt="6">
+    <dgm:pt modelId="{BF5D0182-01A4-410E-96EA-B0F84B5893B9}" type="pres">
+      <dgm:prSet presAssocID="{4B3E0C50-2722-481A-9CC6-7FC97FE3BCBF}" presName="textRect" presStyleLbl="revTx" presStyleIdx="1" presStyleCnt="6">
         <dgm:presLayoutVars>
-          <dgm:chMax val="0"/>
-          <dgm:chPref val="0"/>
+          <dgm:chMax val="1"/>
+          <dgm:chPref val="1"/>
         </dgm:presLayoutVars>
       </dgm:prSet>
       <dgm:spPr/>
     </dgm:pt>
-    <dgm:pt modelId="{24451262-47FF-4C73-B6B9-091CD0AB985C}" type="pres">
+    <dgm:pt modelId="{D9255DD5-A39C-4BD6-AC19-A762E523122E}" type="pres">
       <dgm:prSet presAssocID="{8CB9419A-578B-4F17-93BD-FB63BB2C4D99}" presName="sibTrans" presStyleCnt="0"/>
       <dgm:spPr/>
     </dgm:pt>
-    <dgm:pt modelId="{2E5CD3C2-5A3A-496F-B901-85FEEE973CB5}" type="pres">
+    <dgm:pt modelId="{302A3612-D8D2-4B79-AD3B-B516B65DAF7F}" type="pres">
       <dgm:prSet presAssocID="{037D914E-EF8A-4B5C-92D9-B0E08AD6C3F9}" presName="compNode" presStyleCnt="0"/>
       <dgm:spPr/>
     </dgm:pt>
-    <dgm:pt modelId="{C775E86A-002C-406B-AA3A-CD2688036A48}" type="pres">
-      <dgm:prSet presAssocID="{037D914E-EF8A-4B5C-92D9-B0E08AD6C3F9}" presName="bgRect" presStyleLbl="bgShp" presStyleIdx="2" presStyleCnt="6"/>
-      <dgm:spPr/>
-    </dgm:pt>
-    <dgm:pt modelId="{0F2FAD0E-0DF8-481E-9E1D-B36C39BC3F23}" type="pres">
+    <dgm:pt modelId="{01FF4662-A149-4969-86E1-1E611B45972F}" type="pres">
       <dgm:prSet presAssocID="{037D914E-EF8A-4B5C-92D9-B0E08AD6C3F9}" presName="iconRect" presStyleLbl="node1" presStyleIdx="2" presStyleCnt="6"/>
       <dgm:spPr>
         <a:blipFill>
@@ -3511,32 +3419,28 @@
         </a:ext>
       </dgm:extLst>
     </dgm:pt>
-    <dgm:pt modelId="{57ACF410-4CE2-4C21-B3B0-7FA45E0F9DAE}" type="pres">
+    <dgm:pt modelId="{8513643C-BC36-4A2C-9B42-472977654FFF}" type="pres">
       <dgm:prSet presAssocID="{037D914E-EF8A-4B5C-92D9-B0E08AD6C3F9}" presName="spaceRect" presStyleCnt="0"/>
       <dgm:spPr/>
     </dgm:pt>
-    <dgm:pt modelId="{258F2C4A-6ACD-4B95-A4FF-10ED2E213FEE}" type="pres">
-      <dgm:prSet presAssocID="{037D914E-EF8A-4B5C-92D9-B0E08AD6C3F9}" presName="parTx" presStyleLbl="revTx" presStyleIdx="2" presStyleCnt="6">
+    <dgm:pt modelId="{66BAE5CD-CE87-437D-B3DE-C806E584F11E}" type="pres">
+      <dgm:prSet presAssocID="{037D914E-EF8A-4B5C-92D9-B0E08AD6C3F9}" presName="textRect" presStyleLbl="revTx" presStyleIdx="2" presStyleCnt="6">
         <dgm:presLayoutVars>
-          <dgm:chMax val="0"/>
-          <dgm:chPref val="0"/>
+          <dgm:chMax val="1"/>
+          <dgm:chPref val="1"/>
         </dgm:presLayoutVars>
       </dgm:prSet>
       <dgm:spPr/>
     </dgm:pt>
-    <dgm:pt modelId="{DAA885FB-0058-4E5C-A643-DAA9F7D1DFBA}" type="pres">
+    <dgm:pt modelId="{DC08C809-EA1E-4DF5-A724-288A733A3658}" type="pres">
       <dgm:prSet presAssocID="{E5D3D70C-FE7C-4332-8F69-62A79B744242}" presName="sibTrans" presStyleCnt="0"/>
       <dgm:spPr/>
     </dgm:pt>
-    <dgm:pt modelId="{B0C9EAFA-2022-4502-9912-0E24E282B052}" type="pres">
+    <dgm:pt modelId="{5933FA05-D3BB-49D4-9447-5E95B6C1A591}" type="pres">
       <dgm:prSet presAssocID="{B568E1BD-6514-4221-90B6-1DEF8B367ED1}" presName="compNode" presStyleCnt="0"/>
       <dgm:spPr/>
     </dgm:pt>
-    <dgm:pt modelId="{1FD5D37D-B315-4DF9-82BF-0779F570B156}" type="pres">
-      <dgm:prSet presAssocID="{B568E1BD-6514-4221-90B6-1DEF8B367ED1}" presName="bgRect" presStyleLbl="bgShp" presStyleIdx="3" presStyleCnt="6"/>
-      <dgm:spPr/>
-    </dgm:pt>
-    <dgm:pt modelId="{E3564EB1-6990-4A08-AECB-FFC11E86D909}" type="pres">
+    <dgm:pt modelId="{8DE3B159-FC78-4271-9188-B2495D261230}" type="pres">
       <dgm:prSet presAssocID="{B568E1BD-6514-4221-90B6-1DEF8B367ED1}" presName="iconRect" presStyleLbl="node1" presStyleIdx="3" presStyleCnt="6"/>
       <dgm:spPr>
         <a:blipFill>
@@ -3564,32 +3468,28 @@
         </a:ext>
       </dgm:extLst>
     </dgm:pt>
-    <dgm:pt modelId="{1E661FE8-5BD0-43F1-95A0-860DCDF0AFE0}" type="pres">
+    <dgm:pt modelId="{197C733A-01C0-4A27-9BD3-44C4EFC614FA}" type="pres">
       <dgm:prSet presAssocID="{B568E1BD-6514-4221-90B6-1DEF8B367ED1}" presName="spaceRect" presStyleCnt="0"/>
       <dgm:spPr/>
     </dgm:pt>
-    <dgm:pt modelId="{2B50CBB9-DDBB-4A37-8B10-FC06FC3DA9B3}" type="pres">
-      <dgm:prSet presAssocID="{B568E1BD-6514-4221-90B6-1DEF8B367ED1}" presName="parTx" presStyleLbl="revTx" presStyleIdx="3" presStyleCnt="6">
+    <dgm:pt modelId="{6010576E-40B4-45EA-BFB3-F57B28170F6E}" type="pres">
+      <dgm:prSet presAssocID="{B568E1BD-6514-4221-90B6-1DEF8B367ED1}" presName="textRect" presStyleLbl="revTx" presStyleIdx="3" presStyleCnt="6">
         <dgm:presLayoutVars>
-          <dgm:chMax val="0"/>
-          <dgm:chPref val="0"/>
+          <dgm:chMax val="1"/>
+          <dgm:chPref val="1"/>
         </dgm:presLayoutVars>
       </dgm:prSet>
       <dgm:spPr/>
     </dgm:pt>
-    <dgm:pt modelId="{4E8EF3B6-7049-4C83-881A-CE653FACAD5A}" type="pres">
+    <dgm:pt modelId="{27C4859A-9D26-4C80-83C4-D2B35D666FAD}" type="pres">
       <dgm:prSet presAssocID="{4733BE20-5BE1-4461-A608-2997DBE73FD6}" presName="sibTrans" presStyleCnt="0"/>
       <dgm:spPr/>
     </dgm:pt>
-    <dgm:pt modelId="{410CEB77-483B-446B-B047-0EE69AED5C20}" type="pres">
+    <dgm:pt modelId="{44A8D30C-9E09-4986-B3B7-E1F66AC72660}" type="pres">
       <dgm:prSet presAssocID="{F64D8ACE-D0CC-4F89-A01F-FB03D4AE38F2}" presName="compNode" presStyleCnt="0"/>
       <dgm:spPr/>
     </dgm:pt>
-    <dgm:pt modelId="{F423C132-71DB-4994-B428-69748F8FBA8C}" type="pres">
-      <dgm:prSet presAssocID="{F64D8ACE-D0CC-4F89-A01F-FB03D4AE38F2}" presName="bgRect" presStyleLbl="bgShp" presStyleIdx="4" presStyleCnt="6"/>
-      <dgm:spPr/>
-    </dgm:pt>
-    <dgm:pt modelId="{9517B467-5797-495B-B0A3-E57EDA2D74BF}" type="pres">
+    <dgm:pt modelId="{AF339460-D19D-4D6C-A7B6-CE9D0E0C2108}" type="pres">
       <dgm:prSet presAssocID="{F64D8ACE-D0CC-4F89-A01F-FB03D4AE38F2}" presName="iconRect" presStyleLbl="node1" presStyleIdx="4" presStyleCnt="6"/>
       <dgm:spPr>
         <a:blipFill>
@@ -3613,36 +3513,32 @@
       </dgm:spPr>
       <dgm:extLst>
         <a:ext uri="{E40237B7-FDA0-4F09-8148-C483321AD2D9}">
-          <dgm14:cNvPr xmlns:dgm14="http://schemas.microsoft.com/office/drawing/2010/diagram" id="0" name="" descr="CommentFire"/>
+          <dgm14:cNvPr xmlns:dgm14="http://schemas.microsoft.com/office/drawing/2010/diagram" id="0" name="" descr="List"/>
         </a:ext>
       </dgm:extLst>
     </dgm:pt>
-    <dgm:pt modelId="{B6839B85-EF3E-40EF-9BB4-E3AE7691A794}" type="pres">
+    <dgm:pt modelId="{7DDBE25C-77AE-4D6A-BA57-1EA6A8431D03}" type="pres">
       <dgm:prSet presAssocID="{F64D8ACE-D0CC-4F89-A01F-FB03D4AE38F2}" presName="spaceRect" presStyleCnt="0"/>
       <dgm:spPr/>
     </dgm:pt>
-    <dgm:pt modelId="{A68070B0-E59E-44FB-B8E2-FAD30E4B66FC}" type="pres">
-      <dgm:prSet presAssocID="{F64D8ACE-D0CC-4F89-A01F-FB03D4AE38F2}" presName="parTx" presStyleLbl="revTx" presStyleIdx="4" presStyleCnt="6">
+    <dgm:pt modelId="{0969D1FC-3D97-45CD-85FF-3EE74F422FC6}" type="pres">
+      <dgm:prSet presAssocID="{F64D8ACE-D0CC-4F89-A01F-FB03D4AE38F2}" presName="textRect" presStyleLbl="revTx" presStyleIdx="4" presStyleCnt="6">
         <dgm:presLayoutVars>
-          <dgm:chMax val="0"/>
-          <dgm:chPref val="0"/>
+          <dgm:chMax val="1"/>
+          <dgm:chPref val="1"/>
         </dgm:presLayoutVars>
       </dgm:prSet>
       <dgm:spPr/>
     </dgm:pt>
-    <dgm:pt modelId="{229BD05F-950C-40D0-9322-71319AC1143B}" type="pres">
+    <dgm:pt modelId="{C509534B-3D1D-4DA8-882D-CA33CD35A290}" type="pres">
       <dgm:prSet presAssocID="{F69B19BE-B2D9-4D64-9559-AC6536DD945D}" presName="sibTrans" presStyleCnt="0"/>
       <dgm:spPr/>
     </dgm:pt>
-    <dgm:pt modelId="{C523E9B3-39F8-41C9-AF40-B047DFD95D72}" type="pres">
+    <dgm:pt modelId="{204A7748-223B-4FEB-A2CC-DF5CADD7635E}" type="pres">
       <dgm:prSet presAssocID="{E5DE72D2-DD0D-4A7C-9ECB-AD6BA511C442}" presName="compNode" presStyleCnt="0"/>
       <dgm:spPr/>
     </dgm:pt>
-    <dgm:pt modelId="{4152CF72-5CEA-4F0B-80D6-9AE93837BD6B}" type="pres">
-      <dgm:prSet presAssocID="{E5DE72D2-DD0D-4A7C-9ECB-AD6BA511C442}" presName="bgRect" presStyleLbl="bgShp" presStyleIdx="5" presStyleCnt="6"/>
-      <dgm:spPr/>
-    </dgm:pt>
-    <dgm:pt modelId="{A5793121-7FFA-4EDE-9F70-FA4C868F30BE}" type="pres">
+    <dgm:pt modelId="{F412A6C8-FF66-4683-B71D-F3EC8D3F588F}" type="pres">
       <dgm:prSet presAssocID="{E5DE72D2-DD0D-4A7C-9ECB-AD6BA511C442}" presName="iconRect" presStyleLbl="node1" presStyleIdx="5" presStyleCnt="6"/>
       <dgm:spPr>
         <a:blipFill>
@@ -3670,69 +3566,63 @@
         </a:ext>
       </dgm:extLst>
     </dgm:pt>
-    <dgm:pt modelId="{5A05A19F-9165-4FD4-AB58-5D33C8829EC3}" type="pres">
+    <dgm:pt modelId="{3C34FFB9-89AB-4925-AE08-C6C0F88365BD}" type="pres">
       <dgm:prSet presAssocID="{E5DE72D2-DD0D-4A7C-9ECB-AD6BA511C442}" presName="spaceRect" presStyleCnt="0"/>
       <dgm:spPr/>
     </dgm:pt>
-    <dgm:pt modelId="{D9A4311D-A124-49B4-8BC1-8308B2C741C4}" type="pres">
-      <dgm:prSet presAssocID="{E5DE72D2-DD0D-4A7C-9ECB-AD6BA511C442}" presName="parTx" presStyleLbl="revTx" presStyleIdx="5" presStyleCnt="6">
+    <dgm:pt modelId="{DD3D1DB0-B583-43A1-A627-54BBEF57B583}" type="pres">
+      <dgm:prSet presAssocID="{E5DE72D2-DD0D-4A7C-9ECB-AD6BA511C442}" presName="textRect" presStyleLbl="revTx" presStyleIdx="5" presStyleCnt="6">
         <dgm:presLayoutVars>
-          <dgm:chMax val="0"/>
-          <dgm:chPref val="0"/>
+          <dgm:chMax val="1"/>
+          <dgm:chPref val="1"/>
         </dgm:presLayoutVars>
       </dgm:prSet>
       <dgm:spPr/>
     </dgm:pt>
   </dgm:ptLst>
   <dgm:cxnLst>
-    <dgm:cxn modelId="{E7AF2C06-1DEC-4292-92D6-A279648AF730}" type="presOf" srcId="{E5DE72D2-DD0D-4A7C-9ECB-AD6BA511C442}" destId="{D9A4311D-A124-49B4-8BC1-8308B2C741C4}" srcOrd="0" destOrd="0" presId="urn:microsoft.com/office/officeart/2018/2/layout/IconVerticalSolidList"/>
-    <dgm:cxn modelId="{78A7B22E-5A23-4277-887A-7E6073390BA2}" type="presOf" srcId="{037D914E-EF8A-4B5C-92D9-B0E08AD6C3F9}" destId="{258F2C4A-6ACD-4B95-A4FF-10ED2E213FEE}" srcOrd="0" destOrd="0" presId="urn:microsoft.com/office/officeart/2018/2/layout/IconVerticalSolidList"/>
-    <dgm:cxn modelId="{E75BC030-66B2-41C4-A978-A2F592CF43F3}" type="presOf" srcId="{F64D8ACE-D0CC-4F89-A01F-FB03D4AE38F2}" destId="{A68070B0-E59E-44FB-B8E2-FAD30E4B66FC}" srcOrd="0" destOrd="0" presId="urn:microsoft.com/office/officeart/2018/2/layout/IconVerticalSolidList"/>
-    <dgm:cxn modelId="{0DACD638-B382-463D-9B37-D581D76C5BF5}" type="presOf" srcId="{1AB763AA-6C1B-49D1-B5CC-80E3F0AAC7D3}" destId="{2D76B9B1-2768-488E-9442-53678245825B}" srcOrd="0" destOrd="0" presId="urn:microsoft.com/office/officeart/2018/2/layout/IconVerticalSolidList"/>
+    <dgm:cxn modelId="{2F18A309-3C00-4D64-94D8-4EAEADD32077}" type="presOf" srcId="{E5DE72D2-DD0D-4A7C-9ECB-AD6BA511C442}" destId="{DD3D1DB0-B583-43A1-A627-54BBEF57B583}" srcOrd="0" destOrd="0" presId="urn:microsoft.com/office/officeart/2018/2/layout/IconLabelList"/>
+    <dgm:cxn modelId="{D84E4232-8C8C-4CAF-9F24-D18C7BDD6FAA}" type="presOf" srcId="{037D914E-EF8A-4B5C-92D9-B0E08AD6C3F9}" destId="{66BAE5CD-CE87-437D-B3DE-C806E584F11E}" srcOrd="0" destOrd="0" presId="urn:microsoft.com/office/officeart/2018/2/layout/IconLabelList"/>
     <dgm:cxn modelId="{4BEA733B-A620-4EDB-8144-E1D68505AF44}" srcId="{A4733BB8-1783-4B8E-8DA9-91C45C847D6F}" destId="{037D914E-EF8A-4B5C-92D9-B0E08AD6C3F9}" srcOrd="2" destOrd="0" parTransId="{746F33F1-59B0-4707-8257-ADE418F5E820}" sibTransId="{E5D3D70C-FE7C-4332-8F69-62A79B744242}"/>
     <dgm:cxn modelId="{33E2723F-F340-4023-9455-DE17CBAB9B2B}" srcId="{A4733BB8-1783-4B8E-8DA9-91C45C847D6F}" destId="{1AB763AA-6C1B-49D1-B5CC-80E3F0AAC7D3}" srcOrd="0" destOrd="0" parTransId="{9A8F6627-317E-47A6-90C7-3D389CABC39B}" sibTransId="{F2D2C202-A10D-4DAB-9559-A4410CC585AF}"/>
+    <dgm:cxn modelId="{4330D948-9230-4B2B-99DD-C5B853A3E11C}" type="presOf" srcId="{4B3E0C50-2722-481A-9CC6-7FC97FE3BCBF}" destId="{BF5D0182-01A4-410E-96EA-B0F84B5893B9}" srcOrd="0" destOrd="0" presId="urn:microsoft.com/office/officeart/2018/2/layout/IconLabelList"/>
     <dgm:cxn modelId="{728C6E4F-6E51-4A0E-A88E-48A7DB97E4E0}" srcId="{A4733BB8-1783-4B8E-8DA9-91C45C847D6F}" destId="{E5DE72D2-DD0D-4A7C-9ECB-AD6BA511C442}" srcOrd="5" destOrd="0" parTransId="{E7B8BC10-7A03-46D0-9540-76FC56044A91}" sibTransId="{3729FE25-2FD1-42C0-B06E-A5EA5E312631}"/>
-    <dgm:cxn modelId="{23FEF57A-7745-4040-B5C2-6EAF68C64C2C}" type="presOf" srcId="{4B3E0C50-2722-481A-9CC6-7FC97FE3BCBF}" destId="{43E165EF-C765-4623-808F-7D1C9A98D1E7}" srcOrd="0" destOrd="0" presId="urn:microsoft.com/office/officeart/2018/2/layout/IconVerticalSolidList"/>
-    <dgm:cxn modelId="{12A6BF98-70EA-4716-BB52-EC2357316F0D}" type="presOf" srcId="{B568E1BD-6514-4221-90B6-1DEF8B367ED1}" destId="{2B50CBB9-DDBB-4A37-8B10-FC06FC3DA9B3}" srcOrd="0" destOrd="0" presId="urn:microsoft.com/office/officeart/2018/2/layout/IconVerticalSolidList"/>
-    <dgm:cxn modelId="{0C331ECA-5D42-4124-A6C3-24330B2AE5E9}" type="presOf" srcId="{A4733BB8-1783-4B8E-8DA9-91C45C847D6F}" destId="{6BCD3770-8213-4CAA-8314-04EBE64BF5AC}" srcOrd="0" destOrd="0" presId="urn:microsoft.com/office/officeart/2018/2/layout/IconVerticalSolidList"/>
+    <dgm:cxn modelId="{8E2E187D-6E4A-4DC6-B4C5-EA0453309CFE}" type="presOf" srcId="{A4733BB8-1783-4B8E-8DA9-91C45C847D6F}" destId="{B06286A9-10C6-4A4C-B00D-8033F0477BCE}" srcOrd="0" destOrd="0" presId="urn:microsoft.com/office/officeart/2018/2/layout/IconLabelList"/>
+    <dgm:cxn modelId="{D99E349F-4D04-4BDA-AACB-DF100A2B80AB}" type="presOf" srcId="{F64D8ACE-D0CC-4F89-A01F-FB03D4AE38F2}" destId="{0969D1FC-3D97-45CD-85FF-3EE74F422FC6}" srcOrd="0" destOrd="0" presId="urn:microsoft.com/office/officeart/2018/2/layout/IconLabelList"/>
+    <dgm:cxn modelId="{7C83C1BB-BD0F-4499-BF8E-94B767AC5EC9}" type="presOf" srcId="{1AB763AA-6C1B-49D1-B5CC-80E3F0AAC7D3}" destId="{988C9C78-8CD7-4DB4-AD26-D086F148B8A4}" srcOrd="0" destOrd="0" presId="urn:microsoft.com/office/officeart/2018/2/layout/IconLabelList"/>
     <dgm:cxn modelId="{27B716D1-9982-48F4-9AAA-2394570F113B}" srcId="{A4733BB8-1783-4B8E-8DA9-91C45C847D6F}" destId="{4B3E0C50-2722-481A-9CC6-7FC97FE3BCBF}" srcOrd="1" destOrd="0" parTransId="{8E9799D0-DE16-4251-8F7D-BAB5E7396ED0}" sibTransId="{8CB9419A-578B-4F17-93BD-FB63BB2C4D99}"/>
     <dgm:cxn modelId="{7DBEBDE7-AD74-4AFB-A9A9-3597D2D22017}" srcId="{A4733BB8-1783-4B8E-8DA9-91C45C847D6F}" destId="{B568E1BD-6514-4221-90B6-1DEF8B367ED1}" srcOrd="3" destOrd="0" parTransId="{AC18097E-1CEB-482E-8E79-BF5CB6A560DA}" sibTransId="{4733BE20-5BE1-4461-A608-2997DBE73FD6}"/>
+    <dgm:cxn modelId="{2107BEF5-A3FE-48ED-B74E-4A875E6B55E9}" type="presOf" srcId="{B568E1BD-6514-4221-90B6-1DEF8B367ED1}" destId="{6010576E-40B4-45EA-BFB3-F57B28170F6E}" srcOrd="0" destOrd="0" presId="urn:microsoft.com/office/officeart/2018/2/layout/IconLabelList"/>
     <dgm:cxn modelId="{FCEAEAF5-122B-4475-9B9B-DADA1AEA2953}" srcId="{A4733BB8-1783-4B8E-8DA9-91C45C847D6F}" destId="{F64D8ACE-D0CC-4F89-A01F-FB03D4AE38F2}" srcOrd="4" destOrd="0" parTransId="{D458FA08-CCA1-445B-818D-98E8590C0572}" sibTransId="{F69B19BE-B2D9-4D64-9559-AC6536DD945D}"/>
-    <dgm:cxn modelId="{4FB10B8A-E94F-43D6-84A4-FAF77A2BA5A5}" type="presParOf" srcId="{6BCD3770-8213-4CAA-8314-04EBE64BF5AC}" destId="{EC26863B-0EB4-405E-9B08-065762A053E7}" srcOrd="0" destOrd="0" presId="urn:microsoft.com/office/officeart/2018/2/layout/IconVerticalSolidList"/>
-    <dgm:cxn modelId="{3143D92F-54FB-47D8-B3A6-7F2FC9275F98}" type="presParOf" srcId="{EC26863B-0EB4-405E-9B08-065762A053E7}" destId="{3787CDBC-6F13-4AF4-930A-6517C514E165}" srcOrd="0" destOrd="0" presId="urn:microsoft.com/office/officeart/2018/2/layout/IconVerticalSolidList"/>
-    <dgm:cxn modelId="{962DEAAC-3D7F-4559-BA46-C0080DF23848}" type="presParOf" srcId="{EC26863B-0EB4-405E-9B08-065762A053E7}" destId="{AF220668-D5BE-4C47-B1D8-12D6724EE156}" srcOrd="1" destOrd="0" presId="urn:microsoft.com/office/officeart/2018/2/layout/IconVerticalSolidList"/>
-    <dgm:cxn modelId="{CDDDD915-08E1-4589-B0C6-E59B645B6907}" type="presParOf" srcId="{EC26863B-0EB4-405E-9B08-065762A053E7}" destId="{91DEDD61-EF2C-4BCF-9B5F-A0F615173D20}" srcOrd="2" destOrd="0" presId="urn:microsoft.com/office/officeart/2018/2/layout/IconVerticalSolidList"/>
-    <dgm:cxn modelId="{6576A461-4E03-4CB7-B51D-01476B586D53}" type="presParOf" srcId="{EC26863B-0EB4-405E-9B08-065762A053E7}" destId="{2D76B9B1-2768-488E-9442-53678245825B}" srcOrd="3" destOrd="0" presId="urn:microsoft.com/office/officeart/2018/2/layout/IconVerticalSolidList"/>
-    <dgm:cxn modelId="{8774CCEB-A828-4809-AB96-F5EF40D91F65}" type="presParOf" srcId="{6BCD3770-8213-4CAA-8314-04EBE64BF5AC}" destId="{B7AFE0DA-FEC1-4216-A630-8E3DD69F7395}" srcOrd="1" destOrd="0" presId="urn:microsoft.com/office/officeart/2018/2/layout/IconVerticalSolidList"/>
-    <dgm:cxn modelId="{F97AE164-FDCA-4E02-9473-EC5174CF81FC}" type="presParOf" srcId="{6BCD3770-8213-4CAA-8314-04EBE64BF5AC}" destId="{8685EA6B-08E9-41A1-8C88-77F6D56C1D10}" srcOrd="2" destOrd="0" presId="urn:microsoft.com/office/officeart/2018/2/layout/IconVerticalSolidList"/>
-    <dgm:cxn modelId="{56288BAF-91E1-4A37-9262-29B19481DF1B}" type="presParOf" srcId="{8685EA6B-08E9-41A1-8C88-77F6D56C1D10}" destId="{BC4AE224-563B-4270-9789-7B6316CF7E79}" srcOrd="0" destOrd="0" presId="urn:microsoft.com/office/officeart/2018/2/layout/IconVerticalSolidList"/>
-    <dgm:cxn modelId="{E8538C23-F680-47FC-9657-C4BC8DCB570E}" type="presParOf" srcId="{8685EA6B-08E9-41A1-8C88-77F6D56C1D10}" destId="{2FC23469-5F64-4644-8C16-A926790F0BDD}" srcOrd="1" destOrd="0" presId="urn:microsoft.com/office/officeart/2018/2/layout/IconVerticalSolidList"/>
-    <dgm:cxn modelId="{0DC32E93-F561-4960-A9C8-3221B00CCA18}" type="presParOf" srcId="{8685EA6B-08E9-41A1-8C88-77F6D56C1D10}" destId="{F357145A-D939-4EC1-895B-EB5AFE03E6F0}" srcOrd="2" destOrd="0" presId="urn:microsoft.com/office/officeart/2018/2/layout/IconVerticalSolidList"/>
-    <dgm:cxn modelId="{8EEA8D75-2518-44A5-A49E-B303ED0FC5B0}" type="presParOf" srcId="{8685EA6B-08E9-41A1-8C88-77F6D56C1D10}" destId="{43E165EF-C765-4623-808F-7D1C9A98D1E7}" srcOrd="3" destOrd="0" presId="urn:microsoft.com/office/officeart/2018/2/layout/IconVerticalSolidList"/>
-    <dgm:cxn modelId="{A50D0BEF-47A6-474E-A754-D2A68089D399}" type="presParOf" srcId="{6BCD3770-8213-4CAA-8314-04EBE64BF5AC}" destId="{24451262-47FF-4C73-B6B9-091CD0AB985C}" srcOrd="3" destOrd="0" presId="urn:microsoft.com/office/officeart/2018/2/layout/IconVerticalSolidList"/>
-    <dgm:cxn modelId="{2C4BD21D-8E1F-4FF7-9A46-0A33BF929498}" type="presParOf" srcId="{6BCD3770-8213-4CAA-8314-04EBE64BF5AC}" destId="{2E5CD3C2-5A3A-496F-B901-85FEEE973CB5}" srcOrd="4" destOrd="0" presId="urn:microsoft.com/office/officeart/2018/2/layout/IconVerticalSolidList"/>
-    <dgm:cxn modelId="{45032D56-6A04-4F24-89C0-24D08869FF9C}" type="presParOf" srcId="{2E5CD3C2-5A3A-496F-B901-85FEEE973CB5}" destId="{C775E86A-002C-406B-AA3A-CD2688036A48}" srcOrd="0" destOrd="0" presId="urn:microsoft.com/office/officeart/2018/2/layout/IconVerticalSolidList"/>
-    <dgm:cxn modelId="{641C00E2-ECF1-4678-BBC9-0B2BFE99B9F9}" type="presParOf" srcId="{2E5CD3C2-5A3A-496F-B901-85FEEE973CB5}" destId="{0F2FAD0E-0DF8-481E-9E1D-B36C39BC3F23}" srcOrd="1" destOrd="0" presId="urn:microsoft.com/office/officeart/2018/2/layout/IconVerticalSolidList"/>
-    <dgm:cxn modelId="{D3BF5343-BF22-4BC2-A8A2-9945631BAC80}" type="presParOf" srcId="{2E5CD3C2-5A3A-496F-B901-85FEEE973CB5}" destId="{57ACF410-4CE2-4C21-B3B0-7FA45E0F9DAE}" srcOrd="2" destOrd="0" presId="urn:microsoft.com/office/officeart/2018/2/layout/IconVerticalSolidList"/>
-    <dgm:cxn modelId="{4713E2CD-EB78-4287-8823-A66D0BF756FD}" type="presParOf" srcId="{2E5CD3C2-5A3A-496F-B901-85FEEE973CB5}" destId="{258F2C4A-6ACD-4B95-A4FF-10ED2E213FEE}" srcOrd="3" destOrd="0" presId="urn:microsoft.com/office/officeart/2018/2/layout/IconVerticalSolidList"/>
-    <dgm:cxn modelId="{2F1B7614-A263-4ADC-B336-33703B5F8B13}" type="presParOf" srcId="{6BCD3770-8213-4CAA-8314-04EBE64BF5AC}" destId="{DAA885FB-0058-4E5C-A643-DAA9F7D1DFBA}" srcOrd="5" destOrd="0" presId="urn:microsoft.com/office/officeart/2018/2/layout/IconVerticalSolidList"/>
-    <dgm:cxn modelId="{5530C7A9-CF9E-4702-8B2E-DFAAC173CF18}" type="presParOf" srcId="{6BCD3770-8213-4CAA-8314-04EBE64BF5AC}" destId="{B0C9EAFA-2022-4502-9912-0E24E282B052}" srcOrd="6" destOrd="0" presId="urn:microsoft.com/office/officeart/2018/2/layout/IconVerticalSolidList"/>
-    <dgm:cxn modelId="{07A76567-A8BE-486F-9399-D8582E20EC2D}" type="presParOf" srcId="{B0C9EAFA-2022-4502-9912-0E24E282B052}" destId="{1FD5D37D-B315-4DF9-82BF-0779F570B156}" srcOrd="0" destOrd="0" presId="urn:microsoft.com/office/officeart/2018/2/layout/IconVerticalSolidList"/>
-    <dgm:cxn modelId="{14246451-305F-4972-B899-3FDCBF144F3C}" type="presParOf" srcId="{B0C9EAFA-2022-4502-9912-0E24E282B052}" destId="{E3564EB1-6990-4A08-AECB-FFC11E86D909}" srcOrd="1" destOrd="0" presId="urn:microsoft.com/office/officeart/2018/2/layout/IconVerticalSolidList"/>
-    <dgm:cxn modelId="{976C7DC0-482D-4415-8802-9A13CAEC1FEF}" type="presParOf" srcId="{B0C9EAFA-2022-4502-9912-0E24E282B052}" destId="{1E661FE8-5BD0-43F1-95A0-860DCDF0AFE0}" srcOrd="2" destOrd="0" presId="urn:microsoft.com/office/officeart/2018/2/layout/IconVerticalSolidList"/>
-    <dgm:cxn modelId="{65256DD5-3947-4EBA-B5F1-A5D8E85718EE}" type="presParOf" srcId="{B0C9EAFA-2022-4502-9912-0E24E282B052}" destId="{2B50CBB9-DDBB-4A37-8B10-FC06FC3DA9B3}" srcOrd="3" destOrd="0" presId="urn:microsoft.com/office/officeart/2018/2/layout/IconVerticalSolidList"/>
-    <dgm:cxn modelId="{7125E4EE-FE35-40E2-BED4-00DEDFD74B3D}" type="presParOf" srcId="{6BCD3770-8213-4CAA-8314-04EBE64BF5AC}" destId="{4E8EF3B6-7049-4C83-881A-CE653FACAD5A}" srcOrd="7" destOrd="0" presId="urn:microsoft.com/office/officeart/2018/2/layout/IconVerticalSolidList"/>
-    <dgm:cxn modelId="{5B2981D6-1519-4C10-8DE0-396B8EF06732}" type="presParOf" srcId="{6BCD3770-8213-4CAA-8314-04EBE64BF5AC}" destId="{410CEB77-483B-446B-B047-0EE69AED5C20}" srcOrd="8" destOrd="0" presId="urn:microsoft.com/office/officeart/2018/2/layout/IconVerticalSolidList"/>
-    <dgm:cxn modelId="{26F20242-C5E2-4141-A49B-AFB2F11F9A2E}" type="presParOf" srcId="{410CEB77-483B-446B-B047-0EE69AED5C20}" destId="{F423C132-71DB-4994-B428-69748F8FBA8C}" srcOrd="0" destOrd="0" presId="urn:microsoft.com/office/officeart/2018/2/layout/IconVerticalSolidList"/>
-    <dgm:cxn modelId="{8D0C12AB-CD1E-436C-A90D-88C202615FB5}" type="presParOf" srcId="{410CEB77-483B-446B-B047-0EE69AED5C20}" destId="{9517B467-5797-495B-B0A3-E57EDA2D74BF}" srcOrd="1" destOrd="0" presId="urn:microsoft.com/office/officeart/2018/2/layout/IconVerticalSolidList"/>
-    <dgm:cxn modelId="{21421D58-266C-4C77-AB00-AC9F2BEA77FB}" type="presParOf" srcId="{410CEB77-483B-446B-B047-0EE69AED5C20}" destId="{B6839B85-EF3E-40EF-9BB4-E3AE7691A794}" srcOrd="2" destOrd="0" presId="urn:microsoft.com/office/officeart/2018/2/layout/IconVerticalSolidList"/>
-    <dgm:cxn modelId="{0083F866-A550-4829-855D-F4162AEE31C1}" type="presParOf" srcId="{410CEB77-483B-446B-B047-0EE69AED5C20}" destId="{A68070B0-E59E-44FB-B8E2-FAD30E4B66FC}" srcOrd="3" destOrd="0" presId="urn:microsoft.com/office/officeart/2018/2/layout/IconVerticalSolidList"/>
-    <dgm:cxn modelId="{8F8F5253-7564-42FB-ABDD-DF6A8E4A0506}" type="presParOf" srcId="{6BCD3770-8213-4CAA-8314-04EBE64BF5AC}" destId="{229BD05F-950C-40D0-9322-71319AC1143B}" srcOrd="9" destOrd="0" presId="urn:microsoft.com/office/officeart/2018/2/layout/IconVerticalSolidList"/>
-    <dgm:cxn modelId="{D59E26EA-2724-4ACE-8D93-04A4FB512AD9}" type="presParOf" srcId="{6BCD3770-8213-4CAA-8314-04EBE64BF5AC}" destId="{C523E9B3-39F8-41C9-AF40-B047DFD95D72}" srcOrd="10" destOrd="0" presId="urn:microsoft.com/office/officeart/2018/2/layout/IconVerticalSolidList"/>
-    <dgm:cxn modelId="{4E406C6F-7A3F-47D3-AF20-4580FE8CE6C3}" type="presParOf" srcId="{C523E9B3-39F8-41C9-AF40-B047DFD95D72}" destId="{4152CF72-5CEA-4F0B-80D6-9AE93837BD6B}" srcOrd="0" destOrd="0" presId="urn:microsoft.com/office/officeart/2018/2/layout/IconVerticalSolidList"/>
-    <dgm:cxn modelId="{715D1CBA-B6A1-48D2-96AF-B229C74033A8}" type="presParOf" srcId="{C523E9B3-39F8-41C9-AF40-B047DFD95D72}" destId="{A5793121-7FFA-4EDE-9F70-FA4C868F30BE}" srcOrd="1" destOrd="0" presId="urn:microsoft.com/office/officeart/2018/2/layout/IconVerticalSolidList"/>
-    <dgm:cxn modelId="{DB309442-D5BB-410D-B843-576D24BA4C48}" type="presParOf" srcId="{C523E9B3-39F8-41C9-AF40-B047DFD95D72}" destId="{5A05A19F-9165-4FD4-AB58-5D33C8829EC3}" srcOrd="2" destOrd="0" presId="urn:microsoft.com/office/officeart/2018/2/layout/IconVerticalSolidList"/>
-    <dgm:cxn modelId="{A7952B70-4DB3-4467-9A20-D245224B620F}" type="presParOf" srcId="{C523E9B3-39F8-41C9-AF40-B047DFD95D72}" destId="{D9A4311D-A124-49B4-8BC1-8308B2C741C4}" srcOrd="3" destOrd="0" presId="urn:microsoft.com/office/officeart/2018/2/layout/IconVerticalSolidList"/>
+    <dgm:cxn modelId="{F7E6AA0E-3CF8-42F7-A611-31CD1CF0F164}" type="presParOf" srcId="{B06286A9-10C6-4A4C-B00D-8033F0477BCE}" destId="{F6A6ACE6-630A-4EE1-BB28-6DFE4DC8D1A3}" srcOrd="0" destOrd="0" presId="urn:microsoft.com/office/officeart/2018/2/layout/IconLabelList"/>
+    <dgm:cxn modelId="{190FA374-1B73-4B29-8912-B64F3470F71B}" type="presParOf" srcId="{F6A6ACE6-630A-4EE1-BB28-6DFE4DC8D1A3}" destId="{C73279E9-9245-423A-A6BC-C729A48E5345}" srcOrd="0" destOrd="0" presId="urn:microsoft.com/office/officeart/2018/2/layout/IconLabelList"/>
+    <dgm:cxn modelId="{87C52C6E-557B-4BB7-A080-26C971502002}" type="presParOf" srcId="{F6A6ACE6-630A-4EE1-BB28-6DFE4DC8D1A3}" destId="{4BBCBD4A-D3B8-4022-AAB5-B100AC64915E}" srcOrd="1" destOrd="0" presId="urn:microsoft.com/office/officeart/2018/2/layout/IconLabelList"/>
+    <dgm:cxn modelId="{7E780300-85D2-43A8-A4F1-763FDC87F8B4}" type="presParOf" srcId="{F6A6ACE6-630A-4EE1-BB28-6DFE4DC8D1A3}" destId="{988C9C78-8CD7-4DB4-AD26-D086F148B8A4}" srcOrd="2" destOrd="0" presId="urn:microsoft.com/office/officeart/2018/2/layout/IconLabelList"/>
+    <dgm:cxn modelId="{FA1DB637-7C72-43BE-9401-18DD9A6984F3}" type="presParOf" srcId="{B06286A9-10C6-4A4C-B00D-8033F0477BCE}" destId="{99DD7FBC-F19D-440F-B6AC-84C633D94491}" srcOrd="1" destOrd="0" presId="urn:microsoft.com/office/officeart/2018/2/layout/IconLabelList"/>
+    <dgm:cxn modelId="{2C2F8233-DE90-4634-B624-573B4D212CB3}" type="presParOf" srcId="{B06286A9-10C6-4A4C-B00D-8033F0477BCE}" destId="{6BC1FDC3-4E9A-467D-A821-C691059A02E2}" srcOrd="2" destOrd="0" presId="urn:microsoft.com/office/officeart/2018/2/layout/IconLabelList"/>
+    <dgm:cxn modelId="{E524CB87-841C-4DDA-B729-699B383FC6CE}" type="presParOf" srcId="{6BC1FDC3-4E9A-467D-A821-C691059A02E2}" destId="{83BA7D0D-AF82-4E0E-80DA-BA8E7865C190}" srcOrd="0" destOrd="0" presId="urn:microsoft.com/office/officeart/2018/2/layout/IconLabelList"/>
+    <dgm:cxn modelId="{315563DD-55B7-4980-844A-EFA43130BC4D}" type="presParOf" srcId="{6BC1FDC3-4E9A-467D-A821-C691059A02E2}" destId="{32066BF1-867C-4F56-BA27-8B7B3BBDC0D8}" srcOrd="1" destOrd="0" presId="urn:microsoft.com/office/officeart/2018/2/layout/IconLabelList"/>
+    <dgm:cxn modelId="{2CE056B6-5E4F-408C-ADE9-5A433B31D79A}" type="presParOf" srcId="{6BC1FDC3-4E9A-467D-A821-C691059A02E2}" destId="{BF5D0182-01A4-410E-96EA-B0F84B5893B9}" srcOrd="2" destOrd="0" presId="urn:microsoft.com/office/officeart/2018/2/layout/IconLabelList"/>
+    <dgm:cxn modelId="{8646BABB-C793-483A-979E-2EBD4F0E5799}" type="presParOf" srcId="{B06286A9-10C6-4A4C-B00D-8033F0477BCE}" destId="{D9255DD5-A39C-4BD6-AC19-A762E523122E}" srcOrd="3" destOrd="0" presId="urn:microsoft.com/office/officeart/2018/2/layout/IconLabelList"/>
+    <dgm:cxn modelId="{9066A102-D034-4786-A22B-01A371C9E1BC}" type="presParOf" srcId="{B06286A9-10C6-4A4C-B00D-8033F0477BCE}" destId="{302A3612-D8D2-4B79-AD3B-B516B65DAF7F}" srcOrd="4" destOrd="0" presId="urn:microsoft.com/office/officeart/2018/2/layout/IconLabelList"/>
+    <dgm:cxn modelId="{83C9CE7B-5BBD-4196-A1E6-FB607E9374ED}" type="presParOf" srcId="{302A3612-D8D2-4B79-AD3B-B516B65DAF7F}" destId="{01FF4662-A149-4969-86E1-1E611B45972F}" srcOrd="0" destOrd="0" presId="urn:microsoft.com/office/officeart/2018/2/layout/IconLabelList"/>
+    <dgm:cxn modelId="{2B429304-7FFB-482C-A0CC-BBD46BDC605B}" type="presParOf" srcId="{302A3612-D8D2-4B79-AD3B-B516B65DAF7F}" destId="{8513643C-BC36-4A2C-9B42-472977654FFF}" srcOrd="1" destOrd="0" presId="urn:microsoft.com/office/officeart/2018/2/layout/IconLabelList"/>
+    <dgm:cxn modelId="{0899E4C8-F398-4E64-A3F0-D27A1273A017}" type="presParOf" srcId="{302A3612-D8D2-4B79-AD3B-B516B65DAF7F}" destId="{66BAE5CD-CE87-437D-B3DE-C806E584F11E}" srcOrd="2" destOrd="0" presId="urn:microsoft.com/office/officeart/2018/2/layout/IconLabelList"/>
+    <dgm:cxn modelId="{F3647BF0-C710-4AA2-BD07-25AC186361B8}" type="presParOf" srcId="{B06286A9-10C6-4A4C-B00D-8033F0477BCE}" destId="{DC08C809-EA1E-4DF5-A724-288A733A3658}" srcOrd="5" destOrd="0" presId="urn:microsoft.com/office/officeart/2018/2/layout/IconLabelList"/>
+    <dgm:cxn modelId="{FD6B1248-52B9-4476-840E-CB4329E8C8F2}" type="presParOf" srcId="{B06286A9-10C6-4A4C-B00D-8033F0477BCE}" destId="{5933FA05-D3BB-49D4-9447-5E95B6C1A591}" srcOrd="6" destOrd="0" presId="urn:microsoft.com/office/officeart/2018/2/layout/IconLabelList"/>
+    <dgm:cxn modelId="{9062687B-A8C5-40FA-8F9A-E2E74CABED4C}" type="presParOf" srcId="{5933FA05-D3BB-49D4-9447-5E95B6C1A591}" destId="{8DE3B159-FC78-4271-9188-B2495D261230}" srcOrd="0" destOrd="0" presId="urn:microsoft.com/office/officeart/2018/2/layout/IconLabelList"/>
+    <dgm:cxn modelId="{ACCEC077-7D7F-40DB-8247-7871888E2373}" type="presParOf" srcId="{5933FA05-D3BB-49D4-9447-5E95B6C1A591}" destId="{197C733A-01C0-4A27-9BD3-44C4EFC614FA}" srcOrd="1" destOrd="0" presId="urn:microsoft.com/office/officeart/2018/2/layout/IconLabelList"/>
+    <dgm:cxn modelId="{388C3FB8-E048-456A-8192-58AE8AE0D025}" type="presParOf" srcId="{5933FA05-D3BB-49D4-9447-5E95B6C1A591}" destId="{6010576E-40B4-45EA-BFB3-F57B28170F6E}" srcOrd="2" destOrd="0" presId="urn:microsoft.com/office/officeart/2018/2/layout/IconLabelList"/>
+    <dgm:cxn modelId="{44E7FB7E-54F6-4E9D-AFDE-E9E8F0B65CF3}" type="presParOf" srcId="{B06286A9-10C6-4A4C-B00D-8033F0477BCE}" destId="{27C4859A-9D26-4C80-83C4-D2B35D666FAD}" srcOrd="7" destOrd="0" presId="urn:microsoft.com/office/officeart/2018/2/layout/IconLabelList"/>
+    <dgm:cxn modelId="{4E9999CA-414E-4C3D-801D-208D29DAC44E}" type="presParOf" srcId="{B06286A9-10C6-4A4C-B00D-8033F0477BCE}" destId="{44A8D30C-9E09-4986-B3B7-E1F66AC72660}" srcOrd="8" destOrd="0" presId="urn:microsoft.com/office/officeart/2018/2/layout/IconLabelList"/>
+    <dgm:cxn modelId="{3682743A-5503-4B4E-A7B9-A5AA4382F981}" type="presParOf" srcId="{44A8D30C-9E09-4986-B3B7-E1F66AC72660}" destId="{AF339460-D19D-4D6C-A7B6-CE9D0E0C2108}" srcOrd="0" destOrd="0" presId="urn:microsoft.com/office/officeart/2018/2/layout/IconLabelList"/>
+    <dgm:cxn modelId="{CDB491E6-3D42-4BEF-949D-798DF83E7E6D}" type="presParOf" srcId="{44A8D30C-9E09-4986-B3B7-E1F66AC72660}" destId="{7DDBE25C-77AE-4D6A-BA57-1EA6A8431D03}" srcOrd="1" destOrd="0" presId="urn:microsoft.com/office/officeart/2018/2/layout/IconLabelList"/>
+    <dgm:cxn modelId="{763B118A-8CB2-4F40-80E0-A4553A284A65}" type="presParOf" srcId="{44A8D30C-9E09-4986-B3B7-E1F66AC72660}" destId="{0969D1FC-3D97-45CD-85FF-3EE74F422FC6}" srcOrd="2" destOrd="0" presId="urn:microsoft.com/office/officeart/2018/2/layout/IconLabelList"/>
+    <dgm:cxn modelId="{5F06F4AC-EB60-48BF-9406-E9C542DB8A37}" type="presParOf" srcId="{B06286A9-10C6-4A4C-B00D-8033F0477BCE}" destId="{C509534B-3D1D-4DA8-882D-CA33CD35A290}" srcOrd="9" destOrd="0" presId="urn:microsoft.com/office/officeart/2018/2/layout/IconLabelList"/>
+    <dgm:cxn modelId="{B9D2F0BF-AB31-4A1B-8B8A-005CA4B1DFE7}" type="presParOf" srcId="{B06286A9-10C6-4A4C-B00D-8033F0477BCE}" destId="{204A7748-223B-4FEB-A2CC-DF5CADD7635E}" srcOrd="10" destOrd="0" presId="urn:microsoft.com/office/officeart/2018/2/layout/IconLabelList"/>
+    <dgm:cxn modelId="{BFB816D0-0D85-425F-82B7-052D9EB00CEA}" type="presParOf" srcId="{204A7748-223B-4FEB-A2CC-DF5CADD7635E}" destId="{F412A6C8-FF66-4683-B71D-F3EC8D3F588F}" srcOrd="0" destOrd="0" presId="urn:microsoft.com/office/officeart/2018/2/layout/IconLabelList"/>
+    <dgm:cxn modelId="{07EBD0B2-B764-4CB7-8FD9-DD3CE7E38FE9}" type="presParOf" srcId="{204A7748-223B-4FEB-A2CC-DF5CADD7635E}" destId="{3C34FFB9-89AB-4925-AE08-C6C0F88365BD}" srcOrd="1" destOrd="0" presId="urn:microsoft.com/office/officeart/2018/2/layout/IconLabelList"/>
+    <dgm:cxn modelId="{E46B93DC-C412-42D5-8B06-72A0F32EA6CF}" type="presParOf" srcId="{204A7748-223B-4FEB-A2CC-DF5CADD7635E}" destId="{DD3D1DB0-B583-43A1-A627-54BBEF57B583}" srcOrd="2" destOrd="0" presId="urn:microsoft.com/office/officeart/2018/2/layout/IconLabelList"/>
   </dgm:cxnLst>
   <dgm:bg/>
   <dgm:whole/>
@@ -4290,8 +4180,8 @@
       </dsp:nvSpPr>
       <dsp:spPr>
         <a:xfrm>
-          <a:off x="1104620" y="2176949"/>
-          <a:ext cx="2088212" cy="885908"/>
+          <a:off x="1104620" y="1826661"/>
+          <a:ext cx="2088212" cy="1586484"/>
         </a:xfrm>
         <a:prstGeom prst="rect">
           <a:avLst/>
@@ -4320,9 +4210,9 @@
         </a:bodyPr>
         <a:lstStyle/>
         <a:p>
-          <a:pPr marL="0" lvl="0" indent="0" algn="l" defTabSz="666750">
+          <a:pPr marL="0" lvl="0" indent="0" algn="l" defTabSz="577850">
             <a:lnSpc>
-              <a:spcPct val="90000"/>
+              <a:spcPct val="100000"/>
             </a:lnSpc>
             <a:spcBef>
               <a:spcPct val="0"/>
@@ -4333,14 +4223,14 @@
             <a:buNone/>
           </a:pPr>
           <a:r>
-            <a:rPr lang="en-US" sz="1500" kern="1200"/>
-            <a:t>This project’s aim is to help the candidate find a job based on their skills and experience.</a:t>
+            <a:rPr lang="en-US" sz="1300" kern="1200" dirty="0"/>
+            <a:t>This project’s aim is to help the candidate find a job based on their skills and experience. So it is easier for them to become a shortlist-ed candidate</a:t>
           </a:r>
         </a:p>
       </dsp:txBody>
       <dsp:txXfrm>
-        <a:off x="1104620" y="2176949"/>
-        <a:ext cx="2088212" cy="885908"/>
+        <a:off x="1104620" y="1826661"/>
+        <a:ext cx="2088212" cy="1586484"/>
       </dsp:txXfrm>
     </dsp:sp>
     <dsp:sp modelId="{C45D2DF3-A349-42CC-9B35-690355DDB6B9}">
@@ -4469,9 +4359,9 @@
         </a:bodyPr>
         <a:lstStyle/>
         <a:p>
-          <a:pPr marL="0" lvl="0" indent="0" algn="l" defTabSz="666750">
+          <a:pPr marL="0" lvl="0" indent="0" algn="l" defTabSz="577850">
             <a:lnSpc>
-              <a:spcPct val="90000"/>
+              <a:spcPct val="100000"/>
             </a:lnSpc>
             <a:spcBef>
               <a:spcPct val="0"/>
@@ -4482,8 +4372,26 @@
             <a:buNone/>
           </a:pPr>
           <a:r>
-            <a:rPr lang="en-US" sz="1500" kern="1200"/>
-            <a:t>And also to help the company to get shortlisted-candidate easier</a:t>
+            <a:rPr lang="en-US" sz="1300" kern="1200" dirty="0"/>
+            <a:t>To help the company to recruit candidates easier.</a:t>
+          </a:r>
+        </a:p>
+        <a:p>
+          <a:pPr marL="0" lvl="0" indent="0" algn="l" defTabSz="577850">
+            <a:lnSpc>
+              <a:spcPct val="100000"/>
+            </a:lnSpc>
+            <a:spcBef>
+              <a:spcPct val="0"/>
+            </a:spcBef>
+            <a:spcAft>
+              <a:spcPct val="35000"/>
+            </a:spcAft>
+            <a:buNone/>
+          </a:pPr>
+          <a:r>
+            <a:rPr lang="en-US" sz="1300" kern="1200" dirty="0"/>
+            <a:t>Improve time and cost efficiency</a:t>
           </a:r>
         </a:p>
       </dsp:txBody>
@@ -4504,56 +4412,15 @@
       <dsp:cNvGrpSpPr/>
     </dsp:nvGrpSpPr>
     <dsp:grpSpPr/>
-    <dsp:sp modelId="{3787CDBC-6F13-4AF4-930A-6517C514E165}">
+    <dsp:sp modelId="{C73279E9-9245-423A-A6BC-C729A48E5345}">
       <dsp:nvSpPr>
         <dsp:cNvPr id="0" name=""/>
         <dsp:cNvSpPr/>
       </dsp:nvSpPr>
       <dsp:spPr>
         <a:xfrm>
-          <a:off x="0" y="1695"/>
-          <a:ext cx="6749521" cy="722264"/>
-        </a:xfrm>
-        <a:prstGeom prst="roundRect">
-          <a:avLst>
-            <a:gd name="adj" fmla="val 10000"/>
-          </a:avLst>
-        </a:prstGeom>
-        <a:solidFill>
-          <a:schemeClr val="accent2">
-            <a:hueOff val="0"/>
-            <a:satOff val="0"/>
-            <a:lumOff val="0"/>
-            <a:alphaOff val="0"/>
-          </a:schemeClr>
-        </a:solidFill>
-        <a:ln>
-          <a:noFill/>
-        </a:ln>
-        <a:effectLst/>
-      </dsp:spPr>
-      <dsp:style>
-        <a:lnRef idx="0">
-          <a:scrgbClr r="0" g="0" b="0"/>
-        </a:lnRef>
-        <a:fillRef idx="1">
-          <a:scrgbClr r="0" g="0" b="0"/>
-        </a:fillRef>
-        <a:effectRef idx="0">
-          <a:scrgbClr r="0" g="0" b="0"/>
-        </a:effectRef>
-        <a:fontRef idx="minor"/>
-      </dsp:style>
-    </dsp:sp>
-    <dsp:sp modelId="{AF220668-D5BE-4C47-B1D8-12D6724EE156}">
-      <dsp:nvSpPr>
-        <dsp:cNvPr id="0" name=""/>
-        <dsp:cNvSpPr/>
-      </dsp:nvSpPr>
-      <dsp:spPr>
-        <a:xfrm>
-          <a:off x="218485" y="164204"/>
-          <a:ext cx="397245" cy="397245"/>
+          <a:off x="726437" y="491375"/>
+          <a:ext cx="810000" cy="810000"/>
         </a:xfrm>
         <a:prstGeom prst="rect">
           <a:avLst/>
@@ -4594,15 +4461,15 @@
         </a:fontRef>
       </dsp:style>
     </dsp:sp>
-    <dsp:sp modelId="{2D76B9B1-2768-488E-9442-53678245825B}">
+    <dsp:sp modelId="{988C9C78-8CD7-4DB4-AD26-D086F148B8A4}">
       <dsp:nvSpPr>
         <dsp:cNvPr id="0" name=""/>
         <dsp:cNvSpPr/>
       </dsp:nvSpPr>
       <dsp:spPr>
         <a:xfrm>
-          <a:off x="834215" y="1695"/>
-          <a:ext cx="5915305" cy="722264"/>
+          <a:off x="231437" y="1607700"/>
+          <a:ext cx="1800000" cy="720000"/>
         </a:xfrm>
         <a:prstGeom prst="rect">
           <a:avLst/>
@@ -4626,14 +4493,14 @@
         <a:fontRef idx="minor"/>
       </dsp:style>
       <dsp:txBody>
-        <a:bodyPr spcFirstLastPara="0" vert="horz" wrap="square" lIns="76440" tIns="76440" rIns="76440" bIns="76440" numCol="1" spcCol="1270" anchor="ctr" anchorCtr="0">
+        <a:bodyPr spcFirstLastPara="0" vert="horz" wrap="square" lIns="0" tIns="0" rIns="0" bIns="0" numCol="1" spcCol="1270" anchor="t" anchorCtr="0">
           <a:noAutofit/>
         </a:bodyPr>
         <a:lstStyle/>
         <a:p>
-          <a:pPr marL="0" lvl="0" indent="0" algn="l" defTabSz="844550">
+          <a:pPr marL="0" lvl="0" indent="0" algn="ctr" defTabSz="577850">
             <a:lnSpc>
-              <a:spcPct val="90000"/>
+              <a:spcPct val="100000"/>
             </a:lnSpc>
             <a:spcBef>
               <a:spcPct val="0"/>
@@ -4644,66 +4511,25 @@
             <a:buNone/>
           </a:pPr>
           <a:r>
-            <a:rPr lang="en-US" sz="1900" kern="1200"/>
+            <a:rPr lang="en-US" sz="1300" kern="1200"/>
             <a:t>Gather data</a:t>
           </a:r>
         </a:p>
       </dsp:txBody>
       <dsp:txXfrm>
-        <a:off x="834215" y="1695"/>
-        <a:ext cx="5915305" cy="722264"/>
+        <a:off x="231437" y="1607700"/>
+        <a:ext cx="1800000" cy="720000"/>
       </dsp:txXfrm>
     </dsp:sp>
-    <dsp:sp modelId="{BC4AE224-563B-4270-9789-7B6316CF7E79}">
+    <dsp:sp modelId="{83BA7D0D-AF82-4E0E-80DA-BA8E7865C190}">
       <dsp:nvSpPr>
         <dsp:cNvPr id="0" name=""/>
         <dsp:cNvSpPr/>
       </dsp:nvSpPr>
       <dsp:spPr>
         <a:xfrm>
-          <a:off x="0" y="904525"/>
-          <a:ext cx="6749521" cy="722264"/>
-        </a:xfrm>
-        <a:prstGeom prst="roundRect">
-          <a:avLst>
-            <a:gd name="adj" fmla="val 10000"/>
-          </a:avLst>
-        </a:prstGeom>
-        <a:solidFill>
-          <a:schemeClr val="accent3">
-            <a:hueOff val="0"/>
-            <a:satOff val="0"/>
-            <a:lumOff val="0"/>
-            <a:alphaOff val="0"/>
-          </a:schemeClr>
-        </a:solidFill>
-        <a:ln>
-          <a:noFill/>
-        </a:ln>
-        <a:effectLst/>
-      </dsp:spPr>
-      <dsp:style>
-        <a:lnRef idx="0">
-          <a:scrgbClr r="0" g="0" b="0"/>
-        </a:lnRef>
-        <a:fillRef idx="1">
-          <a:scrgbClr r="0" g="0" b="0"/>
-        </a:fillRef>
-        <a:effectRef idx="0">
-          <a:scrgbClr r="0" g="0" b="0"/>
-        </a:effectRef>
-        <a:fontRef idx="minor"/>
-      </dsp:style>
-    </dsp:sp>
-    <dsp:sp modelId="{2FC23469-5F64-4644-8C16-A926790F0BDD}">
-      <dsp:nvSpPr>
-        <dsp:cNvPr id="0" name=""/>
-        <dsp:cNvSpPr/>
-      </dsp:nvSpPr>
-      <dsp:spPr>
-        <a:xfrm>
-          <a:off x="218485" y="1067035"/>
-          <a:ext cx="397245" cy="397245"/>
+          <a:off x="2841437" y="491375"/>
+          <a:ext cx="810000" cy="810000"/>
         </a:xfrm>
         <a:prstGeom prst="rect">
           <a:avLst/>
@@ -4744,15 +4570,15 @@
         </a:fontRef>
       </dsp:style>
     </dsp:sp>
-    <dsp:sp modelId="{43E165EF-C765-4623-808F-7D1C9A98D1E7}">
+    <dsp:sp modelId="{BF5D0182-01A4-410E-96EA-B0F84B5893B9}">
       <dsp:nvSpPr>
         <dsp:cNvPr id="0" name=""/>
         <dsp:cNvSpPr/>
       </dsp:nvSpPr>
       <dsp:spPr>
         <a:xfrm>
-          <a:off x="834215" y="904525"/>
-          <a:ext cx="5915305" cy="722264"/>
+          <a:off x="2346437" y="1607700"/>
+          <a:ext cx="1800000" cy="720000"/>
         </a:xfrm>
         <a:prstGeom prst="rect">
           <a:avLst/>
@@ -4776,14 +4602,14 @@
         <a:fontRef idx="minor"/>
       </dsp:style>
       <dsp:txBody>
-        <a:bodyPr spcFirstLastPara="0" vert="horz" wrap="square" lIns="76440" tIns="76440" rIns="76440" bIns="76440" numCol="1" spcCol="1270" anchor="ctr" anchorCtr="0">
+        <a:bodyPr spcFirstLastPara="0" vert="horz" wrap="square" lIns="0" tIns="0" rIns="0" bIns="0" numCol="1" spcCol="1270" anchor="t" anchorCtr="0">
           <a:noAutofit/>
         </a:bodyPr>
         <a:lstStyle/>
         <a:p>
-          <a:pPr marL="0" lvl="0" indent="0" algn="l" defTabSz="844550">
+          <a:pPr marL="0" lvl="0" indent="0" algn="ctr" defTabSz="577850">
             <a:lnSpc>
-              <a:spcPct val="90000"/>
+              <a:spcPct val="100000"/>
             </a:lnSpc>
             <a:spcBef>
               <a:spcPct val="0"/>
@@ -4794,66 +4620,25 @@
             <a:buNone/>
           </a:pPr>
           <a:r>
-            <a:rPr lang="en-US" sz="1900" kern="1200"/>
+            <a:rPr lang="en-US" sz="1300" kern="1200"/>
             <a:t>Analyze and Clean Data</a:t>
           </a:r>
         </a:p>
       </dsp:txBody>
       <dsp:txXfrm>
-        <a:off x="834215" y="904525"/>
-        <a:ext cx="5915305" cy="722264"/>
+        <a:off x="2346437" y="1607700"/>
+        <a:ext cx="1800000" cy="720000"/>
       </dsp:txXfrm>
     </dsp:sp>
-    <dsp:sp modelId="{C775E86A-002C-406B-AA3A-CD2688036A48}">
+    <dsp:sp modelId="{01FF4662-A149-4969-86E1-1E611B45972F}">
       <dsp:nvSpPr>
         <dsp:cNvPr id="0" name=""/>
         <dsp:cNvSpPr/>
       </dsp:nvSpPr>
       <dsp:spPr>
         <a:xfrm>
-          <a:off x="0" y="1807356"/>
-          <a:ext cx="6749521" cy="722264"/>
-        </a:xfrm>
-        <a:prstGeom prst="roundRect">
-          <a:avLst>
-            <a:gd name="adj" fmla="val 10000"/>
-          </a:avLst>
-        </a:prstGeom>
-        <a:solidFill>
-          <a:schemeClr val="accent4">
-            <a:hueOff val="0"/>
-            <a:satOff val="0"/>
-            <a:lumOff val="0"/>
-            <a:alphaOff val="0"/>
-          </a:schemeClr>
-        </a:solidFill>
-        <a:ln>
-          <a:noFill/>
-        </a:ln>
-        <a:effectLst/>
-      </dsp:spPr>
-      <dsp:style>
-        <a:lnRef idx="0">
-          <a:scrgbClr r="0" g="0" b="0"/>
-        </a:lnRef>
-        <a:fillRef idx="1">
-          <a:scrgbClr r="0" g="0" b="0"/>
-        </a:fillRef>
-        <a:effectRef idx="0">
-          <a:scrgbClr r="0" g="0" b="0"/>
-        </a:effectRef>
-        <a:fontRef idx="minor"/>
-      </dsp:style>
-    </dsp:sp>
-    <dsp:sp modelId="{0F2FAD0E-0DF8-481E-9E1D-B36C39BC3F23}">
-      <dsp:nvSpPr>
-        <dsp:cNvPr id="0" name=""/>
-        <dsp:cNvSpPr/>
-      </dsp:nvSpPr>
-      <dsp:spPr>
-        <a:xfrm>
-          <a:off x="218485" y="1969865"/>
-          <a:ext cx="397245" cy="397245"/>
+          <a:off x="4956437" y="491375"/>
+          <a:ext cx="810000" cy="810000"/>
         </a:xfrm>
         <a:prstGeom prst="rect">
           <a:avLst/>
@@ -4894,15 +4679,15 @@
         </a:fontRef>
       </dsp:style>
     </dsp:sp>
-    <dsp:sp modelId="{258F2C4A-6ACD-4B95-A4FF-10ED2E213FEE}">
+    <dsp:sp modelId="{66BAE5CD-CE87-437D-B3DE-C806E584F11E}">
       <dsp:nvSpPr>
         <dsp:cNvPr id="0" name=""/>
         <dsp:cNvSpPr/>
       </dsp:nvSpPr>
       <dsp:spPr>
         <a:xfrm>
-          <a:off x="834215" y="1807356"/>
-          <a:ext cx="5915305" cy="722264"/>
+          <a:off x="4461437" y="1607700"/>
+          <a:ext cx="1800000" cy="720000"/>
         </a:xfrm>
         <a:prstGeom prst="rect">
           <a:avLst/>
@@ -4926,14 +4711,14 @@
         <a:fontRef idx="minor"/>
       </dsp:style>
       <dsp:txBody>
-        <a:bodyPr spcFirstLastPara="0" vert="horz" wrap="square" lIns="76440" tIns="76440" rIns="76440" bIns="76440" numCol="1" spcCol="1270" anchor="ctr" anchorCtr="0">
+        <a:bodyPr spcFirstLastPara="0" vert="horz" wrap="square" lIns="0" tIns="0" rIns="0" bIns="0" numCol="1" spcCol="1270" anchor="t" anchorCtr="0">
           <a:noAutofit/>
         </a:bodyPr>
         <a:lstStyle/>
         <a:p>
-          <a:pPr marL="0" lvl="0" indent="0" algn="l" defTabSz="844550">
+          <a:pPr marL="0" lvl="0" indent="0" algn="ctr" defTabSz="577850">
             <a:lnSpc>
-              <a:spcPct val="90000"/>
+              <a:spcPct val="100000"/>
             </a:lnSpc>
             <a:spcBef>
               <a:spcPct val="0"/>
@@ -4944,71 +4729,30 @@
             <a:buNone/>
           </a:pPr>
           <a:r>
-            <a:rPr lang="en-US" sz="1900" kern="1200"/>
+            <a:rPr lang="en-US" sz="1300" kern="1200"/>
             <a:t>Train model and compare</a:t>
           </a:r>
           <a:r>
-            <a:rPr lang="en-ID" sz="1900" kern="1200"/>
+            <a:rPr lang="en-ID" sz="1300" kern="1200"/>
             <a:t> the performance</a:t>
           </a:r>
-          <a:endParaRPr lang="en-US" sz="1900" kern="1200"/>
+          <a:endParaRPr lang="en-US" sz="1300" kern="1200"/>
         </a:p>
       </dsp:txBody>
       <dsp:txXfrm>
-        <a:off x="834215" y="1807356"/>
-        <a:ext cx="5915305" cy="722264"/>
+        <a:off x="4461437" y="1607700"/>
+        <a:ext cx="1800000" cy="720000"/>
       </dsp:txXfrm>
     </dsp:sp>
-    <dsp:sp modelId="{1FD5D37D-B315-4DF9-82BF-0779F570B156}">
+    <dsp:sp modelId="{8DE3B159-FC78-4271-9188-B2495D261230}">
       <dsp:nvSpPr>
         <dsp:cNvPr id="0" name=""/>
         <dsp:cNvSpPr/>
       </dsp:nvSpPr>
       <dsp:spPr>
         <a:xfrm>
-          <a:off x="0" y="2710187"/>
-          <a:ext cx="6749521" cy="722264"/>
-        </a:xfrm>
-        <a:prstGeom prst="roundRect">
-          <a:avLst>
-            <a:gd name="adj" fmla="val 10000"/>
-          </a:avLst>
-        </a:prstGeom>
-        <a:solidFill>
-          <a:schemeClr val="accent5">
-            <a:hueOff val="0"/>
-            <a:satOff val="0"/>
-            <a:lumOff val="0"/>
-            <a:alphaOff val="0"/>
-          </a:schemeClr>
-        </a:solidFill>
-        <a:ln>
-          <a:noFill/>
-        </a:ln>
-        <a:effectLst/>
-      </dsp:spPr>
-      <dsp:style>
-        <a:lnRef idx="0">
-          <a:scrgbClr r="0" g="0" b="0"/>
-        </a:lnRef>
-        <a:fillRef idx="1">
-          <a:scrgbClr r="0" g="0" b="0"/>
-        </a:fillRef>
-        <a:effectRef idx="0">
-          <a:scrgbClr r="0" g="0" b="0"/>
-        </a:effectRef>
-        <a:fontRef idx="minor"/>
-      </dsp:style>
-    </dsp:sp>
-    <dsp:sp modelId="{E3564EB1-6990-4A08-AECB-FFC11E86D909}">
-      <dsp:nvSpPr>
-        <dsp:cNvPr id="0" name=""/>
-        <dsp:cNvSpPr/>
-      </dsp:nvSpPr>
-      <dsp:spPr>
-        <a:xfrm>
-          <a:off x="218485" y="2872696"/>
-          <a:ext cx="397245" cy="397245"/>
+          <a:off x="726437" y="2777700"/>
+          <a:ext cx="810000" cy="810000"/>
         </a:xfrm>
         <a:prstGeom prst="rect">
           <a:avLst/>
@@ -5049,15 +4793,15 @@
         </a:fontRef>
       </dsp:style>
     </dsp:sp>
-    <dsp:sp modelId="{2B50CBB9-DDBB-4A37-8B10-FC06FC3DA9B3}">
+    <dsp:sp modelId="{6010576E-40B4-45EA-BFB3-F57B28170F6E}">
       <dsp:nvSpPr>
         <dsp:cNvPr id="0" name=""/>
         <dsp:cNvSpPr/>
       </dsp:nvSpPr>
       <dsp:spPr>
         <a:xfrm>
-          <a:off x="834215" y="2710187"/>
-          <a:ext cx="5915305" cy="722264"/>
+          <a:off x="231437" y="3894024"/>
+          <a:ext cx="1800000" cy="720000"/>
         </a:xfrm>
         <a:prstGeom prst="rect">
           <a:avLst/>
@@ -5081,14 +4825,14 @@
         <a:fontRef idx="minor"/>
       </dsp:style>
       <dsp:txBody>
-        <a:bodyPr spcFirstLastPara="0" vert="horz" wrap="square" lIns="76440" tIns="76440" rIns="76440" bIns="76440" numCol="1" spcCol="1270" anchor="ctr" anchorCtr="0">
+        <a:bodyPr spcFirstLastPara="0" vert="horz" wrap="square" lIns="0" tIns="0" rIns="0" bIns="0" numCol="1" spcCol="1270" anchor="t" anchorCtr="0">
           <a:noAutofit/>
         </a:bodyPr>
         <a:lstStyle/>
         <a:p>
-          <a:pPr marL="0" lvl="0" indent="0" algn="l" defTabSz="844550">
+          <a:pPr marL="0" lvl="0" indent="0" algn="ctr" defTabSz="577850">
             <a:lnSpc>
-              <a:spcPct val="90000"/>
+              <a:spcPct val="100000"/>
             </a:lnSpc>
             <a:spcBef>
               <a:spcPct val="0"/>
@@ -5099,67 +4843,26 @@
             <a:buNone/>
           </a:pPr>
           <a:r>
-            <a:rPr lang="en-ID" sz="1900" kern="1200"/>
+            <a:rPr lang="en-ID" sz="1300" kern="1200"/>
             <a:t>Get the best model to predict the suitable job category</a:t>
           </a:r>
-          <a:endParaRPr lang="en-US" sz="1900" kern="1200"/>
+          <a:endParaRPr lang="en-US" sz="1300" kern="1200"/>
         </a:p>
       </dsp:txBody>
       <dsp:txXfrm>
-        <a:off x="834215" y="2710187"/>
-        <a:ext cx="5915305" cy="722264"/>
+        <a:off x="231437" y="3894024"/>
+        <a:ext cx="1800000" cy="720000"/>
       </dsp:txXfrm>
     </dsp:sp>
-    <dsp:sp modelId="{F423C132-71DB-4994-B428-69748F8FBA8C}">
+    <dsp:sp modelId="{AF339460-D19D-4D6C-A7B6-CE9D0E0C2108}">
       <dsp:nvSpPr>
         <dsp:cNvPr id="0" name=""/>
         <dsp:cNvSpPr/>
       </dsp:nvSpPr>
       <dsp:spPr>
         <a:xfrm>
-          <a:off x="0" y="3613017"/>
-          <a:ext cx="6749521" cy="722264"/>
-        </a:xfrm>
-        <a:prstGeom prst="roundRect">
-          <a:avLst>
-            <a:gd name="adj" fmla="val 10000"/>
-          </a:avLst>
-        </a:prstGeom>
-        <a:solidFill>
-          <a:schemeClr val="accent6">
-            <a:hueOff val="0"/>
-            <a:satOff val="0"/>
-            <a:lumOff val="0"/>
-            <a:alphaOff val="0"/>
-          </a:schemeClr>
-        </a:solidFill>
-        <a:ln>
-          <a:noFill/>
-        </a:ln>
-        <a:effectLst/>
-      </dsp:spPr>
-      <dsp:style>
-        <a:lnRef idx="0">
-          <a:scrgbClr r="0" g="0" b="0"/>
-        </a:lnRef>
-        <a:fillRef idx="1">
-          <a:scrgbClr r="0" g="0" b="0"/>
-        </a:fillRef>
-        <a:effectRef idx="0">
-          <a:scrgbClr r="0" g="0" b="0"/>
-        </a:effectRef>
-        <a:fontRef idx="minor"/>
-      </dsp:style>
-    </dsp:sp>
-    <dsp:sp modelId="{9517B467-5797-495B-B0A3-E57EDA2D74BF}">
-      <dsp:nvSpPr>
-        <dsp:cNvPr id="0" name=""/>
-        <dsp:cNvSpPr/>
-      </dsp:nvSpPr>
-      <dsp:spPr>
-        <a:xfrm>
-          <a:off x="218485" y="3775527"/>
-          <a:ext cx="397245" cy="397245"/>
+          <a:off x="2841437" y="2777700"/>
+          <a:ext cx="810000" cy="810000"/>
         </a:xfrm>
         <a:prstGeom prst="rect">
           <a:avLst/>
@@ -5200,15 +4903,15 @@
         </a:fontRef>
       </dsp:style>
     </dsp:sp>
-    <dsp:sp modelId="{A68070B0-E59E-44FB-B8E2-FAD30E4B66FC}">
+    <dsp:sp modelId="{0969D1FC-3D97-45CD-85FF-3EE74F422FC6}">
       <dsp:nvSpPr>
         <dsp:cNvPr id="0" name=""/>
         <dsp:cNvSpPr/>
       </dsp:nvSpPr>
       <dsp:spPr>
         <a:xfrm>
-          <a:off x="834215" y="3613017"/>
-          <a:ext cx="5915305" cy="722264"/>
+          <a:off x="2346437" y="3894024"/>
+          <a:ext cx="1800000" cy="720000"/>
         </a:xfrm>
         <a:prstGeom prst="rect">
           <a:avLst/>
@@ -5232,14 +4935,14 @@
         <a:fontRef idx="minor"/>
       </dsp:style>
       <dsp:txBody>
-        <a:bodyPr spcFirstLastPara="0" vert="horz" wrap="square" lIns="76440" tIns="76440" rIns="76440" bIns="76440" numCol="1" spcCol="1270" anchor="ctr" anchorCtr="0">
+        <a:bodyPr spcFirstLastPara="0" vert="horz" wrap="square" lIns="0" tIns="0" rIns="0" bIns="0" numCol="1" spcCol="1270" anchor="t" anchorCtr="0">
           <a:noAutofit/>
         </a:bodyPr>
         <a:lstStyle/>
         <a:p>
-          <a:pPr marL="0" lvl="0" indent="0" algn="l" defTabSz="844550">
+          <a:pPr marL="0" lvl="0" indent="0" algn="ctr" defTabSz="577850">
             <a:lnSpc>
-              <a:spcPct val="90000"/>
+              <a:spcPct val="100000"/>
             </a:lnSpc>
             <a:spcBef>
               <a:spcPct val="0"/>
@@ -5250,67 +4953,26 @@
             <a:buNone/>
           </a:pPr>
           <a:r>
-            <a:rPr lang="en-ID" sz="1900" kern="1200"/>
+            <a:rPr lang="en-ID" sz="1300" kern="1200"/>
             <a:t>Get the keyword and use content-based filtering to get the best job title</a:t>
           </a:r>
-          <a:endParaRPr lang="en-US" sz="1900" kern="1200"/>
+          <a:endParaRPr lang="en-US" sz="1300" kern="1200"/>
         </a:p>
       </dsp:txBody>
       <dsp:txXfrm>
-        <a:off x="834215" y="3613017"/>
-        <a:ext cx="5915305" cy="722264"/>
+        <a:off x="2346437" y="3894024"/>
+        <a:ext cx="1800000" cy="720000"/>
       </dsp:txXfrm>
     </dsp:sp>
-    <dsp:sp modelId="{4152CF72-5CEA-4F0B-80D6-9AE93837BD6B}">
+    <dsp:sp modelId="{F412A6C8-FF66-4683-B71D-F3EC8D3F588F}">
       <dsp:nvSpPr>
         <dsp:cNvPr id="0" name=""/>
         <dsp:cNvSpPr/>
       </dsp:nvSpPr>
       <dsp:spPr>
         <a:xfrm>
-          <a:off x="0" y="4515848"/>
-          <a:ext cx="6749521" cy="722264"/>
-        </a:xfrm>
-        <a:prstGeom prst="roundRect">
-          <a:avLst>
-            <a:gd name="adj" fmla="val 10000"/>
-          </a:avLst>
-        </a:prstGeom>
-        <a:solidFill>
-          <a:schemeClr val="accent2">
-            <a:hueOff val="0"/>
-            <a:satOff val="0"/>
-            <a:lumOff val="0"/>
-            <a:alphaOff val="0"/>
-          </a:schemeClr>
-        </a:solidFill>
-        <a:ln>
-          <a:noFill/>
-        </a:ln>
-        <a:effectLst/>
-      </dsp:spPr>
-      <dsp:style>
-        <a:lnRef idx="0">
-          <a:scrgbClr r="0" g="0" b="0"/>
-        </a:lnRef>
-        <a:fillRef idx="1">
-          <a:scrgbClr r="0" g="0" b="0"/>
-        </a:fillRef>
-        <a:effectRef idx="0">
-          <a:scrgbClr r="0" g="0" b="0"/>
-        </a:effectRef>
-        <a:fontRef idx="minor"/>
-      </dsp:style>
-    </dsp:sp>
-    <dsp:sp modelId="{A5793121-7FFA-4EDE-9F70-FA4C868F30BE}">
-      <dsp:nvSpPr>
-        <dsp:cNvPr id="0" name=""/>
-        <dsp:cNvSpPr/>
-      </dsp:nvSpPr>
-      <dsp:spPr>
-        <a:xfrm>
-          <a:off x="218485" y="4678357"/>
-          <a:ext cx="397245" cy="397245"/>
+          <a:off x="4956437" y="2777700"/>
+          <a:ext cx="810000" cy="810000"/>
         </a:xfrm>
         <a:prstGeom prst="rect">
           <a:avLst/>
@@ -5351,15 +5013,15 @@
         </a:fontRef>
       </dsp:style>
     </dsp:sp>
-    <dsp:sp modelId="{D9A4311D-A124-49B4-8BC1-8308B2C741C4}">
+    <dsp:sp modelId="{DD3D1DB0-B583-43A1-A627-54BBEF57B583}">
       <dsp:nvSpPr>
         <dsp:cNvPr id="0" name=""/>
         <dsp:cNvSpPr/>
       </dsp:nvSpPr>
       <dsp:spPr>
         <a:xfrm>
-          <a:off x="834215" y="4515848"/>
-          <a:ext cx="5915305" cy="722264"/>
+          <a:off x="4461437" y="3894024"/>
+          <a:ext cx="1800000" cy="720000"/>
         </a:xfrm>
         <a:prstGeom prst="rect">
           <a:avLst/>
@@ -5383,14 +5045,14 @@
         <a:fontRef idx="minor"/>
       </dsp:style>
       <dsp:txBody>
-        <a:bodyPr spcFirstLastPara="0" vert="horz" wrap="square" lIns="76440" tIns="76440" rIns="76440" bIns="76440" numCol="1" spcCol="1270" anchor="ctr" anchorCtr="0">
+        <a:bodyPr spcFirstLastPara="0" vert="horz" wrap="square" lIns="0" tIns="0" rIns="0" bIns="0" numCol="1" spcCol="1270" anchor="t" anchorCtr="0">
           <a:noAutofit/>
         </a:bodyPr>
         <a:lstStyle/>
         <a:p>
-          <a:pPr marL="0" lvl="0" indent="0" algn="l" defTabSz="844550">
+          <a:pPr marL="0" lvl="0" indent="0" algn="ctr" defTabSz="577850">
             <a:lnSpc>
-              <a:spcPct val="90000"/>
+              <a:spcPct val="100000"/>
             </a:lnSpc>
             <a:spcBef>
               <a:spcPct val="0"/>
@@ -5401,15 +5063,15 @@
             <a:buNone/>
           </a:pPr>
           <a:r>
-            <a:rPr lang="en-ID" sz="1900" kern="1200"/>
+            <a:rPr lang="en-ID" sz="1300" kern="1200"/>
             <a:t>Create the apps</a:t>
           </a:r>
-          <a:endParaRPr lang="en-US" sz="1900" kern="1200"/>
+          <a:endParaRPr lang="en-US" sz="1300" kern="1200"/>
         </a:p>
       </dsp:txBody>
       <dsp:txXfrm>
-        <a:off x="834215" y="4515848"/>
-        <a:ext cx="5915305" cy="722264"/>
+        <a:off x="4461437" y="3894024"/>
+        <a:ext cx="1800000" cy="720000"/>
       </dsp:txXfrm>
     </dsp:sp>
   </dsp:spTree>
@@ -6038,9 +5700,9 @@
 </file>
 
 <file path=ppt/diagrams/layout2.xml><?xml version="1.0" encoding="utf-8"?>
-<dgm:layoutDef xmlns:dgm="http://schemas.openxmlformats.org/drawingml/2006/diagram" xmlns:a="http://schemas.openxmlformats.org/drawingml/2006/main" uniqueId="urn:microsoft.com/office/officeart/2018/2/layout/IconVerticalSolidList">
-  <dgm:title val="Icon Vertical Solid List"/>
-  <dgm:desc val="Use to show a series of visuals from top to bottom with Level 1 or Level 1 and Level 2 text grouped in a shape. Works best with icons or small pictures with lengthier descriptions."/>
+<dgm:layoutDef xmlns:dgm="http://schemas.openxmlformats.org/drawingml/2006/diagram" xmlns:a="http://schemas.openxmlformats.org/drawingml/2006/main" uniqueId="urn:microsoft.com/office/officeart/2018/2/layout/IconLabelList">
+  <dgm:title val="Icon Label List"/>
+  <dgm:desc val="Use to show non-sequential or grouped chunks of information accompanied by a related visuals. Works best with icons or small pictures with short text captions."/>
   <dgm:catLst>
     <dgm:cat type="icon" pri="500"/>
   </dgm:catLst>
@@ -6072,15 +5734,23 @@
     </dgm:varLst>
     <dgm:choose name="Name0">
       <dgm:if name="Name1" axis="self" func="var" arg="dir" op="equ" val="norm">
-        <dgm:alg type="lin">
-          <dgm:param type="linDir" val="fromT"/>
-          <dgm:param type="nodeHorzAlign" val="l"/>
+        <dgm:alg type="snake">
+          <dgm:param type="grDir" val="tL"/>
+          <dgm:param type="flowDir" val="row"/>
+          <dgm:param type="contDir" val="sameDir"/>
+          <dgm:param type="off" val="ctr"/>
+          <dgm:param type="vertAlign" val="mid"/>
+          <dgm:param type="horzAlign" val="ctr"/>
         </dgm:alg>
       </dgm:if>
       <dgm:else name="Name2">
-        <dgm:alg type="lin">
-          <dgm:param type="linDir" val="fromT"/>
-          <dgm:param type="nodeHorzAlign" val="r"/>
+        <dgm:alg type="snake">
+          <dgm:param type="grDir" val="tR"/>
+          <dgm:param type="flowDir" val="row"/>
+          <dgm:param type="contDir" val="sameDir"/>
+          <dgm:param type="off" val="ctr"/>
+          <dgm:param type="vertAlign" val="mid"/>
+          <dgm:param type="horzAlign" val="ctr"/>
         </dgm:alg>
       </dgm:else>
     </dgm:choose>
@@ -6089,139 +5759,67 @@
     </dgm:shape>
     <dgm:presOf/>
     <dgm:choose name="Name3">
-      <dgm:if name="Name4" axis="ch" ptType="node" func="cnt" op="lte" val="3">
+      <dgm:if name="Name4" axis="ch" ptType="node" func="cnt" op="lte" val="2">
         <dgm:constrLst>
-          <dgm:constr type="h" for="ch" forName="compNode" refType="h" fact="0.3"/>
-          <dgm:constr type="w" for="ch" forName="compNode" refType="w"/>
-          <dgm:constr type="h" for="ch" forName="sibTrans" refType="h" refFor="ch" refForName="compNode" fact="0.25"/>
-          <dgm:constr type="primFontSz" for="des" forName="parTx" val="25"/>
-          <dgm:constr type="primFontSz" for="des" forName="desTx" refType="primFontSz" refFor="des" refForName="parTx" op="lte" fact="0.75"/>
+          <dgm:constr type="h" for="ch" forName="compNode" refType="h" fact="0.4"/>
+          <dgm:constr type="w" for="ch" forName="compNode" val="120"/>
+          <dgm:constr type="w" for="ch" forName="sibTrans" refType="w" refFor="ch" refForName="compNode" fact="0.175"/>
+          <dgm:constr type="sp" refType="w" refFor="ch" refForName="compNode" op="equ" fact="0.25"/>
+          <dgm:constr type="primFontSz" for="des" ptType="node" op="equ" val="50"/>
           <dgm:constr type="h" for="des" forName="compNode" op="equ"/>
-          <dgm:constr type="h" for="des" forName="bgRect" op="equ"/>
-          <dgm:constr type="h" for="des" forName="iconRect" op="equ"/>
-          <dgm:constr type="w" for="des" forName="iconRect" op="equ"/>
-          <dgm:constr type="h" for="des" forName="spaceRect" op="equ"/>
-          <dgm:constr type="h" for="des" forName="parTx" op="equ"/>
-          <dgm:constr type="h" for="des" forName="desTx" op="equ"/>
+          <dgm:constr type="h" for="des" forName="textRect" op="equ"/>
         </dgm:constrLst>
       </dgm:if>
       <dgm:if name="Name5" axis="ch" ptType="node" func="cnt" op="lte" val="4">
         <dgm:constrLst>
-          <dgm:constr type="h" for="ch" forName="compNode" refType="h" fact="0.3"/>
+          <dgm:constr type="h" for="ch" forName="compNode" refType="h" fact="0.4"/>
           <dgm:constr type="w" for="ch" forName="compNode" refType="w"/>
-          <dgm:constr type="h" for="ch" forName="sibTrans" refType="h" refFor="ch" refForName="compNode" fact="0.25"/>
-          <dgm:constr type="primFontSz" for="des" forName="parTx" val="22"/>
-          <dgm:constr type="primFontSz" for="des" forName="desTx" refType="primFontSz" refFor="des" refForName="parTx" op="lte" fact="0.75"/>
+          <dgm:constr type="w" for="ch" forName="sibTrans" refType="w" refFor="ch" refForName="compNode" fact="0.175"/>
+          <dgm:constr type="sp" refType="w" refFor="ch" refForName="compNode" op="equ" fact="0.25"/>
+          <dgm:constr type="primFontSz" for="des" ptType="node" op="equ" val="36"/>
           <dgm:constr type="h" for="des" forName="compNode" op="equ"/>
-          <dgm:constr type="h" for="des" forName="bgRect" op="equ"/>
-          <dgm:constr type="h" for="des" forName="iconRect" op="equ"/>
-          <dgm:constr type="w" for="des" forName="iconRect" op="equ"/>
-          <dgm:constr type="h" for="des" forName="spaceRect" op="equ"/>
-          <dgm:constr type="h" for="des" forName="parTx" op="equ"/>
-          <dgm:constr type="h" for="des" forName="desTx" op="equ"/>
+          <dgm:constr type="h" for="des" forName="textRect" op="equ"/>
         </dgm:constrLst>
       </dgm:if>
-      <dgm:if name="Name6" axis="ch" ptType="node" func="cnt" op="lte" val="6">
+      <dgm:else name="Name6">
         <dgm:constrLst>
-          <dgm:constr type="h" for="ch" forName="compNode" refType="h" fact="0.3"/>
+          <dgm:constr type="h" for="ch" forName="compNode" refType="h" fact="0.4"/>
           <dgm:constr type="w" for="ch" forName="compNode" refType="w"/>
-          <dgm:constr type="h" for="ch" forName="sibTrans" refType="h" refFor="ch" refForName="compNode" fact="0.25"/>
-          <dgm:constr type="primFontSz" for="des" forName="parTx" val="19"/>
-          <dgm:constr type="primFontSz" for="des" forName="desTx" refType="primFontSz" refFor="des" refForName="parTx" op="lte" fact="0.75"/>
+          <dgm:constr type="w" for="ch" forName="sibTrans" refType="w" refFor="ch" refForName="compNode" fact="0.175"/>
+          <dgm:constr type="sp" refType="w" refFor="ch" refForName="compNode" op="equ" fact="0.25"/>
+          <dgm:constr type="primFontSz" for="des" ptType="node" op="equ" val="24"/>
           <dgm:constr type="h" for="des" forName="compNode" op="equ"/>
-          <dgm:constr type="h" for="des" forName="bgRect" op="equ"/>
-          <dgm:constr type="h" for="des" forName="iconRect" op="equ"/>
-          <dgm:constr type="w" for="des" forName="iconRect" op="equ"/>
-          <dgm:constr type="h" for="des" forName="spaceRect" op="equ"/>
-          <dgm:constr type="h" for="des" forName="parTx" op="equ"/>
-          <dgm:constr type="h" for="des" forName="desTx" op="equ"/>
-        </dgm:constrLst>
-      </dgm:if>
-      <dgm:else name="Name7">
-        <dgm:constrLst>
-          <dgm:constr type="h" for="ch" forName="compNode" refType="h" fact="0.3"/>
-          <dgm:constr type="w" for="ch" forName="compNode" refType="w"/>
-          <dgm:constr type="h" for="ch" forName="sibTrans" refType="h" refFor="ch" refForName="compNode" fact="0.25"/>
-          <dgm:constr type="primFontSz" for="des" forName="parTx" val="16"/>
-          <dgm:constr type="primFontSz" for="des" forName="desTx" refType="primFontSz" refFor="des" refForName="parTx" op="lte" fact="0.75"/>
-          <dgm:constr type="h" for="des" forName="compNode" op="equ"/>
-          <dgm:constr type="h" for="des" forName="bgRect" op="equ"/>
-          <dgm:constr type="h" for="des" forName="iconRect" op="equ"/>
-          <dgm:constr type="w" for="des" forName="iconRect" op="equ"/>
-          <dgm:constr type="h" for="des" forName="spaceRect" op="equ"/>
-          <dgm:constr type="h" for="des" forName="parTx" op="equ"/>
-          <dgm:constr type="h" for="des" forName="desTx" op="equ"/>
+          <dgm:constr type="h" for="des" forName="textRect" op="equ"/>
         </dgm:constrLst>
       </dgm:else>
     </dgm:choose>
     <dgm:ruleLst>
-      <dgm:rule type="h" for="ch" forName="compNode" val="0" fact="NaN" max="NaN"/>
+      <dgm:rule type="w" for="ch" forName="compNode" val="50" fact="NaN" max="NaN"/>
     </dgm:ruleLst>
-    <dgm:forEach name="Name8" axis="ch" ptType="node">
+    <dgm:forEach name="Name7" axis="ch" ptType="node">
       <dgm:layoutNode name="compNode">
         <dgm:alg type="composite"/>
         <dgm:shape xmlns:r="http://schemas.openxmlformats.org/officeDocument/2006/relationships" r:blip="">
           <dgm:adjLst/>
         </dgm:shape>
         <dgm:presOf axis="self"/>
-        <dgm:choose name="Name9">
-          <dgm:if name="Name10" axis="ch" ptType="node" func="cnt" op="gte" val="1">
-            <dgm:constrLst>
-              <dgm:constr type="w" for="ch" forName="bgRect" refType="w"/>
-              <dgm:constr type="h" for="ch" forName="bgRect" refType="h"/>
-              <dgm:constr type="l" for="ch" forName="bgRect"/>
-              <dgm:constr type="t" for="ch" forName="bgRect"/>
-              <dgm:constr type="h" for="ch" forName="iconRect" refType="h" fact="0.55"/>
-              <dgm:constr type="w" for="ch" forName="iconRect" refType="h" refFor="ch" refForName="iconRect"/>
-              <dgm:constr type="l" for="ch" forName="iconRect" refType="h" refFor="ch" refForName="iconRect" fact="0.55"/>
-              <dgm:constr type="ctrY" for="ch" forName="iconRect" refType="ctrY" refFor="ch" refForName="bgRect"/>
-              <dgm:constr type="w" for="ch" forName="spaceRect" refType="l" refFor="ch" refForName="iconRect"/>
-              <dgm:constr type="h" for="ch" forName="spaceRect" refType="h"/>
-              <dgm:constr type="l" for="ch" forName="spaceRect" refType="r" refFor="ch" refForName="iconRect"/>
-              <dgm:constr type="t" for="ch" forName="spaceRect"/>
-              <dgm:constr type="w" for="ch" forName="parTx" refType="w" fact="0.45"/>
-              <dgm:constr type="h" for="ch" forName="parTx" refType="h"/>
-              <dgm:constr type="l" for="ch" forName="parTx" refType="r" refFor="ch" refForName="spaceRect"/>
-              <dgm:constr type="t" for="ch" forName="parTx"/>
-              <dgm:constr type="h" for="ch" forName="desTx" refType="h"/>
-              <dgm:constr type="l" for="ch" forName="desTx" refType="r" refFor="ch" refForName="parTx"/>
-              <dgm:constr type="t" for="ch" forName="desTx"/>
-            </dgm:constrLst>
-          </dgm:if>
-          <dgm:else name="Name11">
-            <dgm:constrLst>
-              <dgm:constr type="w" for="ch" forName="bgRect" refType="w"/>
-              <dgm:constr type="h" for="ch" forName="bgRect" refType="h"/>
-              <dgm:constr type="l" for="ch" forName="bgRect"/>
-              <dgm:constr type="t" for="ch" forName="bgRect"/>
-              <dgm:constr type="h" for="ch" forName="iconRect" refType="h" fact="0.55"/>
-              <dgm:constr type="w" for="ch" forName="iconRect" refType="h" refFor="ch" refForName="iconRect"/>
-              <dgm:constr type="l" for="ch" forName="iconRect" refType="h" refFor="ch" refForName="iconRect" fact="0.55"/>
-              <dgm:constr type="ctrY" for="ch" forName="iconRect" refType="ctrY" refFor="ch" refForName="bgRect"/>
-              <dgm:constr type="w" for="ch" forName="spaceRect" refType="l" refFor="ch" refForName="iconRect"/>
-              <dgm:constr type="h" for="ch" forName="spaceRect" refType="h"/>
-              <dgm:constr type="l" for="ch" forName="spaceRect" refType="r" refFor="ch" refForName="iconRect"/>
-              <dgm:constr type="t" for="ch" forName="spaceRect"/>
-              <dgm:constr type="h" for="ch" forName="parTx" refType="h"/>
-              <dgm:constr type="l" for="ch" forName="parTx" refType="r" refFor="ch" refForName="spaceRect"/>
-              <dgm:constr type="t" for="ch" forName="parTx"/>
-            </dgm:constrLst>
-          </dgm:else>
-        </dgm:choose>
+        <dgm:constrLst>
+          <dgm:constr type="w" for="ch" forName="iconRect" refType="w" fact="0.45"/>
+          <dgm:constr type="h" for="ch" forName="iconRect" refType="w" refFor="ch" refForName="iconRect"/>
+          <dgm:constr type="ctrX" for="ch" forName="iconRect" refType="w" fact="0.5"/>
+          <dgm:constr type="t" for="ch" forName="iconRect"/>
+          <dgm:constr type="h" for="ch" forName="spaceRect" refType="h" fact="0.15"/>
+          <dgm:constr type="w" for="ch" forName="spaceRect" refType="w"/>
+          <dgm:constr type="l" for="ch" forName="spaceRect"/>
+          <dgm:constr type="t" for="ch" forName="spaceRect" refType="b" refFor="ch" refForName="iconRect"/>
+          <dgm:constr type="h" for="ch" forName="textRect" val="20"/>
+          <dgm:constr type="w" for="ch" forName="textRect" refType="w"/>
+          <dgm:constr type="l" for="ch" forName="textRect"/>
+          <dgm:constr type="t" for="ch" forName="textRect" refType="b" refFor="ch" refForName="spaceRect"/>
+        </dgm:constrLst>
         <dgm:ruleLst>
           <dgm:rule type="h" val="INF" fact="NaN" max="NaN"/>
         </dgm:ruleLst>
-        <dgm:layoutNode name="bgRect" styleLbl="bgShp">
-          <dgm:alg type="sp"/>
-          <dgm:shape xmlns:r="http://schemas.openxmlformats.org/officeDocument/2006/relationships" type="roundRect" r:blip="">
-            <dgm:adjLst>
-              <dgm:adj idx="1" val="0.1"/>
-            </dgm:adjLst>
-          </dgm:shape>
-          <dgm:presOf/>
-          <dgm:constrLst/>
-          <dgm:ruleLst/>
-        </dgm:layoutNode>
         <dgm:layoutNode name="iconRect" styleLbl="node1">
           <dgm:alg type="sp"/>
           <dgm:shape xmlns:r="http://schemas.openxmlformats.org/officeDocument/2006/relationships" type="rect" r:blip="" blipPhldr="1">
@@ -6240,66 +5838,31 @@
           <dgm:constrLst/>
           <dgm:ruleLst/>
         </dgm:layoutNode>
-        <dgm:layoutNode name="parTx" styleLbl="revTx">
+        <dgm:layoutNode name="textRect" styleLbl="revTx">
           <dgm:varLst>
-            <dgm:chMax val="0"/>
-            <dgm:chPref val="0"/>
+            <dgm:chMax val="1"/>
+            <dgm:chPref val="1"/>
           </dgm:varLst>
           <dgm:alg type="tx">
-            <dgm:param type="txAnchorVert" val="mid"/>
-            <dgm:param type="parTxLTRAlign" val="l"/>
-            <dgm:param type="shpTxLTRAlignCh" val="l"/>
-            <dgm:param type="parTxRTLAlign" val="r"/>
-            <dgm:param type="shpTxRTLAlignCh" val="r"/>
+            <dgm:param type="txAnchorVert" val="t"/>
           </dgm:alg>
           <dgm:shape xmlns:r="http://schemas.openxmlformats.org/officeDocument/2006/relationships" type="rect" r:blip="">
             <dgm:adjLst/>
           </dgm:shape>
           <dgm:presOf axis="self" ptType="node"/>
           <dgm:constrLst>
-            <dgm:constr type="lMarg" refType="h" fact="0.3"/>
-            <dgm:constr type="rMarg" refType="h" fact="0.3"/>
-            <dgm:constr type="tMarg" refType="h" fact="0.3"/>
-            <dgm:constr type="bMarg" refType="h" fact="0.3"/>
+            <dgm:constr type="lMarg"/>
+            <dgm:constr type="rMarg"/>
+            <dgm:constr type="tMarg"/>
+            <dgm:constr type="bMarg"/>
           </dgm:constrLst>
           <dgm:ruleLst>
-            <dgm:rule type="primFontSz" val="14" fact="NaN" max="NaN"/>
+            <dgm:rule type="primFontSz" val="11" fact="NaN" max="NaN"/>
             <dgm:rule type="h" val="INF" fact="NaN" max="NaN"/>
           </dgm:ruleLst>
         </dgm:layoutNode>
-        <dgm:choose name="Name12">
-          <dgm:if name="Name13" axis="ch" ptType="node" func="cnt" op="gte" val="1">
-            <dgm:layoutNode name="desTx" styleLbl="revTx">
-              <dgm:varLst/>
-              <dgm:alg type="tx">
-                <dgm:param type="txAnchorVertCh" val="mid"/>
-                <dgm:param type="parTxLTRAlign" val="l"/>
-                <dgm:param type="shpTxLTRAlignCh" val="l"/>
-                <dgm:param type="parTxRTLAlign" val="r"/>
-                <dgm:param type="shpTxRTLAlignCh" val="r"/>
-                <dgm:param type="stBulletLvl" val="0"/>
-              </dgm:alg>
-              <dgm:shape xmlns:r="http://schemas.openxmlformats.org/officeDocument/2006/relationships" type="rect" r:blip="">
-                <dgm:adjLst/>
-              </dgm:shape>
-              <dgm:presOf axis="des" ptType="node"/>
-              <dgm:constrLst>
-                <dgm:constr type="primFontSz" val="18"/>
-                <dgm:constr type="secFontSz" refType="primFontSz"/>
-                <dgm:constr type="lMarg" refType="h" fact="0.3"/>
-                <dgm:constr type="rMarg" refType="h" fact="0.3"/>
-                <dgm:constr type="tMarg" refType="h" fact="0.3"/>
-                <dgm:constr type="bMarg" refType="h" fact="0.3"/>
-              </dgm:constrLst>
-              <dgm:ruleLst>
-                <dgm:rule type="primFontSz" val="11" fact="NaN" max="NaN"/>
-              </dgm:ruleLst>
-            </dgm:layoutNode>
-          </dgm:if>
-          <dgm:else name="Name14"/>
-        </dgm:choose>
       </dgm:layoutNode>
-      <dgm:forEach name="Name15" axis="followSib" ptType="sibTrans" cnt="1">
+      <dgm:forEach name="Name8" axis="followSib" ptType="sibTrans" cnt="1">
         <dgm:layoutNode name="sibTrans">
           <dgm:alg type="sp"/>
           <dgm:shape xmlns:r="http://schemas.openxmlformats.org/officeDocument/2006/relationships" r:blip="">
@@ -6320,11 +5883,6 @@
             <a:spcPct val="100000"/>
           </a:lnSpc>
         </a:lvl1pPr>
-        <a:lvl2pPr>
-          <a:lnSpc>
-            <a:spcPct val="100000"/>
-          </a:lnSpc>
-        </a:lvl2pPr>
       </dgm1612:lstStyle>
     </a:ext>
   </dgm:extLst>
@@ -17373,6 +16931,99 @@
 </p:sld>
 </file>
 
+<file path=ppt/slides/slide14.xml><?xml version="1.0" encoding="utf-8"?>
+<p:sld xmlns:a="http://schemas.openxmlformats.org/drawingml/2006/main" xmlns:r="http://schemas.openxmlformats.org/officeDocument/2006/relationships" xmlns:p="http://schemas.openxmlformats.org/presentationml/2006/main">
+  <p:cSld>
+    <p:spTree>
+      <p:nvGrpSpPr>
+        <p:cNvPr id="1" name=""/>
+        <p:cNvGrpSpPr/>
+        <p:nvPr/>
+      </p:nvGrpSpPr>
+      <p:grpSpPr>
+        <a:xfrm>
+          <a:off x="0" y="0"/>
+          <a:ext cx="0" cy="0"/>
+          <a:chOff x="0" y="0"/>
+          <a:chExt cx="0" cy="0"/>
+        </a:xfrm>
+      </p:grpSpPr>
+      <p:sp>
+        <p:nvSpPr>
+          <p:cNvPr id="2" name="Title 1">
+            <a:extLst>
+              <a:ext uri="{FF2B5EF4-FFF2-40B4-BE49-F238E27FC236}">
+                <a16:creationId xmlns:a16="http://schemas.microsoft.com/office/drawing/2014/main" id="{619DF76B-D0B6-420B-B0C7-AC3083F315CC}"/>
+              </a:ext>
+            </a:extLst>
+          </p:cNvPr>
+          <p:cNvSpPr>
+            <a:spLocks noGrp="1"/>
+          </p:cNvSpPr>
+          <p:nvPr>
+            <p:ph type="title"/>
+          </p:nvPr>
+        </p:nvSpPr>
+        <p:spPr>
+          <a:xfrm>
+            <a:off x="1484312" y="1536469"/>
+            <a:ext cx="10018711" cy="3048000"/>
+          </a:xfrm>
+        </p:spPr>
+        <p:txBody>
+          <a:bodyPr/>
+          <a:lstStyle/>
+          <a:p>
+            <a:r>
+              <a:rPr lang="en-US" dirty="0"/>
+              <a:t>Thank You</a:t>
+            </a:r>
+            <a:endParaRPr lang="en-ID" dirty="0"/>
+          </a:p>
+        </p:txBody>
+      </p:sp>
+      <p:sp>
+        <p:nvSpPr>
+          <p:cNvPr id="3" name="Text Placeholder 2">
+            <a:extLst>
+              <a:ext uri="{FF2B5EF4-FFF2-40B4-BE49-F238E27FC236}">
+                <a16:creationId xmlns:a16="http://schemas.microsoft.com/office/drawing/2014/main" id="{12C6308A-A57B-4671-9AD0-712E2405F3D8}"/>
+              </a:ext>
+            </a:extLst>
+          </p:cNvPr>
+          <p:cNvSpPr>
+            <a:spLocks noGrp="1"/>
+          </p:cNvSpPr>
+          <p:nvPr>
+            <p:ph type="body" idx="1"/>
+          </p:nvPr>
+        </p:nvSpPr>
+        <p:spPr/>
+        <p:txBody>
+          <a:bodyPr/>
+          <a:lstStyle/>
+          <a:p>
+            <a:r>
+              <a:rPr lang="en-US" dirty="0"/>
+              <a:t>Farid Rahman | fr.farid.Rahman@gmail.com</a:t>
+            </a:r>
+            <a:endParaRPr lang="en-ID" dirty="0"/>
+          </a:p>
+        </p:txBody>
+      </p:sp>
+    </p:spTree>
+    <p:extLst>
+      <p:ext uri="{BB962C8B-B14F-4D97-AF65-F5344CB8AC3E}">
+        <p14:creationId xmlns:p14="http://schemas.microsoft.com/office/powerpoint/2010/main" val="1335495521"/>
+      </p:ext>
+    </p:extLst>
+  </p:cSld>
+  <p:clrMapOvr>
+    <a:masterClrMapping/>
+  </p:clrMapOvr>
+</p:sld>
+</file>
+
 <file path=ppt/slides/slide2.xml><?xml version="1.0" encoding="utf-8"?>
 <p:sld xmlns:a="http://schemas.openxmlformats.org/drawingml/2006/main" xmlns:r="http://schemas.openxmlformats.org/officeDocument/2006/relationships" xmlns:p="http://schemas.openxmlformats.org/presentationml/2006/main">
   <p:cSld>
@@ -17487,7 +17138,7 @@
           <a:lstStyle/>
           <a:p>
             <a:r>
-              <a:rPr lang="en-US" sz="3700" dirty="0">
+              <a:rPr lang="en-US" sz="3700">
                 <a:solidFill>
                   <a:srgbClr val="000000"/>
                 </a:solidFill>
@@ -18114,7 +17765,7 @@
             <p:ph idx="1"/>
             <p:extLst>
               <p:ext uri="{D42A27DB-BD31-4B8C-83A1-F6EECF244321}">
-                <p14:modId xmlns:p14="http://schemas.microsoft.com/office/powerpoint/2010/main" val="224909400"/>
+                <p14:modId xmlns:p14="http://schemas.microsoft.com/office/powerpoint/2010/main" val="80234792"/>
               </p:ext>
             </p:extLst>
           </p:nvPr>
@@ -18147,9 +17798,23 @@
   <p:cSld>
     <p:bg>
       <p:bgPr>
-        <a:solidFill>
-          <a:schemeClr val="bg1"/>
-        </a:solidFill>
+        <a:gradFill rotWithShape="1">
+          <a:gsLst>
+            <a:gs pos="0">
+              <a:schemeClr val="bg2">
+                <a:tint val="90000"/>
+                <a:lumMod val="110000"/>
+              </a:schemeClr>
+            </a:gs>
+            <a:gs pos="100000">
+              <a:schemeClr val="bg2">
+                <a:shade val="64000"/>
+                <a:lumMod val="98000"/>
+              </a:schemeClr>
+            </a:gs>
+          </a:gsLst>
+          <a:lin ang="5400000" scaled="0"/>
+        </a:gradFill>
         <a:effectLst/>
       </p:bgPr>
     </p:bg>
@@ -18167,12 +17832,12 @@
           <a:chExt cx="0" cy="0"/>
         </a:xfrm>
       </p:grpSpPr>
-      <p:sp>
+      <p:sp useBgFill="1">
         <p:nvSpPr>
-          <p:cNvPr id="22" name="Rectangle 9">
+          <p:cNvPr id="42" name="Rectangle 29">
             <a:extLst>
               <a:ext uri="{FF2B5EF4-FFF2-40B4-BE49-F238E27FC236}">
-                <a16:creationId xmlns:a16="http://schemas.microsoft.com/office/drawing/2014/main" id="{63336871-0118-4F6E-8DBD-20AEFC62A9AD}"/>
+                <a16:creationId xmlns:a16="http://schemas.microsoft.com/office/drawing/2014/main" id="{94C52C56-BEF2-4E22-8C8E-A7AC96B03A72}"/>
               </a:ext>
               <a:ext uri="{C183D7F6-B498-43B3-948B-1728B52AA6E4}">
                 <adec:decorative xmlns:adec="http://schemas.microsoft.com/office/drawing/2017/decorative" val="1"/>
@@ -18192,8 +17857,8 @@
         </p:nvSpPr>
         <p:spPr>
           <a:xfrm>
-            <a:off x="7736306" y="1"/>
-            <a:ext cx="4455694" cy="6858000"/>
+            <a:off x="0" y="0"/>
+            <a:ext cx="12192000" cy="6858000"/>
           </a:xfrm>
           <a:prstGeom prst="rect">
             <a:avLst/>
@@ -18208,8 +17873,8 @@
               <a:shade val="50000"/>
             </a:schemeClr>
           </a:lnRef>
-          <a:fillRef idx="1003">
-            <a:schemeClr val="lt2"/>
+          <a:fillRef idx="1">
+            <a:schemeClr val="accent1"/>
           </a:fillRef>
           <a:effectRef idx="0">
             <a:schemeClr val="accent1"/>
@@ -18229,54 +17894,10 @@
       </p:sp>
       <p:sp>
         <p:nvSpPr>
-          <p:cNvPr id="2" name="Title 1">
+          <p:cNvPr id="43" name="Freeform: Shape 31">
             <a:extLst>
               <a:ext uri="{FF2B5EF4-FFF2-40B4-BE49-F238E27FC236}">
-                <a16:creationId xmlns:a16="http://schemas.microsoft.com/office/drawing/2014/main" id="{56B1F7AE-343D-4C35-866B-9B18572CD30D}"/>
-              </a:ext>
-            </a:extLst>
-          </p:cNvPr>
-          <p:cNvSpPr>
-            <a:spLocks noGrp="1"/>
-          </p:cNvSpPr>
-          <p:nvPr>
-            <p:ph type="title"/>
-          </p:nvPr>
-        </p:nvSpPr>
-        <p:spPr>
-          <a:xfrm>
-            <a:off x="9171392" y="1074392"/>
-            <a:ext cx="2443433" cy="4377961"/>
-          </a:xfrm>
-        </p:spPr>
-        <p:txBody>
-          <a:bodyPr>
-            <a:normAutofit/>
-          </a:bodyPr>
-          <a:lstStyle/>
-          <a:p>
-            <a:r>
-              <a:rPr lang="en-US" sz="3700">
-                <a:solidFill>
-                  <a:srgbClr val="000000"/>
-                </a:solidFill>
-              </a:rPr>
-              <a:t>Project Description</a:t>
-            </a:r>
-            <a:endParaRPr lang="en-ID" sz="3700">
-              <a:solidFill>
-                <a:srgbClr val="000000"/>
-              </a:solidFill>
-            </a:endParaRPr>
-          </a:p>
-        </p:txBody>
-      </p:sp>
-      <p:sp useBgFill="1">
-        <p:nvSpPr>
-          <p:cNvPr id="23" name="Freeform: Shape 11">
-            <a:extLst>
-              <a:ext uri="{FF2B5EF4-FFF2-40B4-BE49-F238E27FC236}">
-                <a16:creationId xmlns:a16="http://schemas.microsoft.com/office/drawing/2014/main" id="{F03CC8D0-33AF-417F-8454-1FDB6C22DD25}"/>
+                <a16:creationId xmlns:a16="http://schemas.microsoft.com/office/drawing/2014/main" id="{42285737-90EE-47DC-AC80-8AE156B11969}"/>
               </a:ext>
               <a:ext uri="{C183D7F6-B498-43B3-948B-1728B52AA6E4}">
                 <adec:decorative xmlns:adec="http://schemas.microsoft.com/office/drawing/2017/decorative" val="1"/>
@@ -18296,36 +17917,32 @@
         </p:nvSpPr>
         <p:spPr>
           <a:xfrm flipV="1">
-            <a:off x="0" y="0"/>
-            <a:ext cx="9032100" cy="6858000"/>
+            <a:off x="-1" y="-1"/>
+            <a:ext cx="4403709" cy="6858001"/>
           </a:xfrm>
           <a:custGeom>
             <a:avLst/>
             <a:gdLst>
-              <a:gd name="connsiteX0" fmla="*/ 7891921 w 9032100"/>
-              <a:gd name="connsiteY0" fmla="*/ 1602751 h 6858000"/>
-              <a:gd name="connsiteX1" fmla="*/ 9032100 w 9032100"/>
-              <a:gd name="connsiteY1" fmla="*/ 0 h 6858000"/>
-              <a:gd name="connsiteX2" fmla="*/ 7880182 w 9032100"/>
-              <a:gd name="connsiteY2" fmla="*/ 0 h 6858000"/>
-              <a:gd name="connsiteX3" fmla="*/ 7880182 w 9032100"/>
-              <a:gd name="connsiteY3" fmla="*/ 1528762 h 6858000"/>
-              <a:gd name="connsiteX4" fmla="*/ 7880182 w 9032100"/>
-              <a:gd name="connsiteY4" fmla="*/ 6858000 h 6858000"/>
-              <a:gd name="connsiteX5" fmla="*/ 8725712 w 9032100"/>
-              <a:gd name="connsiteY5" fmla="*/ 6858000 h 6858000"/>
-              <a:gd name="connsiteX6" fmla="*/ 7891921 w 9032100"/>
-              <a:gd name="connsiteY6" fmla="*/ 1602751 h 6858000"/>
-              <a:gd name="connsiteX7" fmla="*/ 7880182 w 9032100"/>
-              <a:gd name="connsiteY7" fmla="*/ 1619252 h 6858000"/>
-              <a:gd name="connsiteX8" fmla="*/ 0 w 9032100"/>
-              <a:gd name="connsiteY8" fmla="*/ 6858000 h 6858000"/>
-              <a:gd name="connsiteX9" fmla="*/ 7880181 w 9032100"/>
-              <a:gd name="connsiteY9" fmla="*/ 6858000 h 6858000"/>
-              <a:gd name="connsiteX10" fmla="*/ 7880181 w 9032100"/>
-              <a:gd name="connsiteY10" fmla="*/ 0 h 6858000"/>
-              <a:gd name="connsiteX11" fmla="*/ 0 w 9032100"/>
-              <a:gd name="connsiteY11" fmla="*/ 0 h 6858000"/>
+              <a:gd name="connsiteX0" fmla="*/ 3223890 w 4403709"/>
+              <a:gd name="connsiteY0" fmla="*/ 6858001 h 6858001"/>
+              <a:gd name="connsiteX1" fmla="*/ 4101908 w 4403709"/>
+              <a:gd name="connsiteY1" fmla="*/ 6858001 h 6858001"/>
+              <a:gd name="connsiteX2" fmla="*/ 3254950 w 4403709"/>
+              <a:gd name="connsiteY2" fmla="*/ 1599356 h 6858001"/>
+              <a:gd name="connsiteX3" fmla="*/ 3254950 w 4403709"/>
+              <a:gd name="connsiteY3" fmla="*/ 1594062 h 6858001"/>
+              <a:gd name="connsiteX4" fmla="*/ 4403709 w 4403709"/>
+              <a:gd name="connsiteY4" fmla="*/ 0 h 6858001"/>
+              <a:gd name="connsiteX5" fmla="*/ 3254950 w 4403709"/>
+              <a:gd name="connsiteY5" fmla="*/ 0 h 6858001"/>
+              <a:gd name="connsiteX6" fmla="*/ 2903520 w 4403709"/>
+              <a:gd name="connsiteY6" fmla="*/ 0 h 6858001"/>
+              <a:gd name="connsiteX7" fmla="*/ 0 w 4403709"/>
+              <a:gd name="connsiteY7" fmla="*/ 0 h 6858001"/>
+              <a:gd name="connsiteX8" fmla="*/ 0 w 4403709"/>
+              <a:gd name="connsiteY8" fmla="*/ 6858000 h 6858001"/>
+              <a:gd name="connsiteX9" fmla="*/ 3223890 w 4403709"/>
+              <a:gd name="connsiteY9" fmla="*/ 6858000 h 6858001"/>
             </a:gdLst>
             <a:ahLst/>
             <a:cxnLst>
@@ -18359,53 +17976,39 @@
               <a:cxn ang="0">
                 <a:pos x="connsiteX9" y="connsiteY9"/>
               </a:cxn>
-              <a:cxn ang="0">
-                <a:pos x="connsiteX10" y="connsiteY10"/>
-              </a:cxn>
-              <a:cxn ang="0">
-                <a:pos x="connsiteX11" y="connsiteY11"/>
-              </a:cxn>
             </a:cxnLst>
             <a:rect l="l" t="t" r="r" b="b"/>
             <a:pathLst>
-              <a:path w="9032100" h="6858000">
+              <a:path w="4403709" h="6858001">
                 <a:moveTo>
-                  <a:pt x="7891921" y="1602751"/>
+                  <a:pt x="3223890" y="6858001"/>
                 </a:moveTo>
                 <a:lnTo>
-                  <a:pt x="9032100" y="0"/>
+                  <a:pt x="4101908" y="6858001"/>
                 </a:lnTo>
                 <a:lnTo>
-                  <a:pt x="7880182" y="0"/>
+                  <a:pt x="3254950" y="1599356"/>
                 </a:lnTo>
                 <a:lnTo>
-                  <a:pt x="7880182" y="1528762"/>
-                </a:lnTo>
-                <a:close/>
-                <a:moveTo>
-                  <a:pt x="7880182" y="6858000"/>
-                </a:moveTo>
-                <a:lnTo>
-                  <a:pt x="8725712" y="6858000"/>
+                  <a:pt x="3254950" y="1594062"/>
                 </a:lnTo>
                 <a:lnTo>
-                  <a:pt x="7891921" y="1602751"/>
+                  <a:pt x="4403709" y="0"/>
                 </a:lnTo>
                 <a:lnTo>
-                  <a:pt x="7880182" y="1619252"/>
-                </a:lnTo>
-                <a:close/>
-                <a:moveTo>
-                  <a:pt x="0" y="6858000"/>
-                </a:moveTo>
-                <a:lnTo>
-                  <a:pt x="7880181" y="6858000"/>
+                  <a:pt x="3254950" y="0"/>
                 </a:lnTo>
                 <a:lnTo>
-                  <a:pt x="7880181" y="0"/>
+                  <a:pt x="2903520" y="0"/>
                 </a:lnTo>
                 <a:lnTo>
                   <a:pt x="0" y="0"/>
+                </a:lnTo>
+                <a:lnTo>
+                  <a:pt x="0" y="6858000"/>
+                </a:lnTo>
+                <a:lnTo>
+                  <a:pt x="3223890" y="6858000"/>
                 </a:lnTo>
                 <a:close/>
               </a:path>
@@ -18444,12 +18047,56 @@
           </a:p>
         </p:txBody>
       </p:sp>
+      <p:sp>
+        <p:nvSpPr>
+          <p:cNvPr id="2" name="Title 1">
+            <a:extLst>
+              <a:ext uri="{FF2B5EF4-FFF2-40B4-BE49-F238E27FC236}">
+                <a16:creationId xmlns:a16="http://schemas.microsoft.com/office/drawing/2014/main" id="{56B1F7AE-343D-4C35-866B-9B18572CD30D}"/>
+              </a:ext>
+            </a:extLst>
+          </p:cNvPr>
+          <p:cNvSpPr>
+            <a:spLocks noGrp="1"/>
+          </p:cNvSpPr>
+          <p:nvPr>
+            <p:ph type="title"/>
+          </p:nvPr>
+        </p:nvSpPr>
+        <p:spPr>
+          <a:xfrm>
+            <a:off x="535021" y="685800"/>
+            <a:ext cx="2639962" cy="5105400"/>
+          </a:xfrm>
+        </p:spPr>
+        <p:txBody>
+          <a:bodyPr>
+            <a:normAutofit/>
+          </a:bodyPr>
+          <a:lstStyle/>
+          <a:p>
+            <a:r>
+              <a:rPr lang="en-US">
+                <a:solidFill>
+                  <a:srgbClr val="FFFFFF"/>
+                </a:solidFill>
+              </a:rPr>
+              <a:t>Project Description</a:t>
+            </a:r>
+            <a:endParaRPr lang="en-ID">
+              <a:solidFill>
+                <a:srgbClr val="FFFFFF"/>
+              </a:solidFill>
+            </a:endParaRPr>
+          </a:p>
+        </p:txBody>
+      </p:sp>
       <p:grpSp>
         <p:nvGrpSpPr>
-          <p:cNvPr id="24" name="Group 13">
+          <p:cNvPr id="44" name="Group 33">
             <a:extLst>
               <a:ext uri="{FF2B5EF4-FFF2-40B4-BE49-F238E27FC236}">
-                <a16:creationId xmlns:a16="http://schemas.microsoft.com/office/drawing/2014/main" id="{B5A08A69-9EE1-4A9E-96B6-D769D87C2F9E}"/>
+                <a16:creationId xmlns:a16="http://schemas.microsoft.com/office/drawing/2014/main" id="{B57BDC17-F1B3-455F-BBF1-680AA1F25C06}"/>
               </a:ext>
               <a:ext uri="{C183D7F6-B498-43B3-948B-1728B52AA6E4}">
                 <adec:decorative xmlns:adec="http://schemas.microsoft.com/office/drawing/2017/decorative" val="1"/>
@@ -18469,7 +18116,7 @@
         </p:nvGrpSpPr>
         <p:grpSpPr>
           <a:xfrm>
-            <a:off x="7942667" y="0"/>
+            <a:off x="3315292" y="0"/>
             <a:ext cx="2436813" cy="6858001"/>
             <a:chOff x="1320800" y="0"/>
             <a:chExt cx="2436813" cy="6858001"/>
@@ -18477,10 +18124,10 @@
         </p:grpSpPr>
         <p:sp>
           <p:nvSpPr>
-            <p:cNvPr id="15" name="Freeform 6">
+            <p:cNvPr id="35" name="Freeform 6">
               <a:extLst>
                 <a:ext uri="{FF2B5EF4-FFF2-40B4-BE49-F238E27FC236}">
-                  <a16:creationId xmlns:a16="http://schemas.microsoft.com/office/drawing/2014/main" id="{4E4F433A-15D2-423F-8739-13AEA4E47C31}"/>
+                  <a16:creationId xmlns:a16="http://schemas.microsoft.com/office/drawing/2014/main" id="{64E2FA9A-FEF7-4501-B0EB-5E45EDD2177A}"/>
                 </a:ext>
                 <a:ext uri="{C183D7F6-B498-43B3-948B-1728B52AA6E4}">
                   <adec:decorative xmlns:adec="http://schemas.microsoft.com/office/drawing/2017/decorative" val="1"/>
@@ -18538,10 +18185,10 @@
         </p:sp>
         <p:sp>
           <p:nvSpPr>
-            <p:cNvPr id="16" name="Freeform 7">
+            <p:cNvPr id="36" name="Freeform 7">
               <a:extLst>
                 <a:ext uri="{FF2B5EF4-FFF2-40B4-BE49-F238E27FC236}">
-                  <a16:creationId xmlns:a16="http://schemas.microsoft.com/office/drawing/2014/main" id="{4021F900-DEF3-4537-92E5-C37ECB7AE9DF}"/>
+                  <a16:creationId xmlns:a16="http://schemas.microsoft.com/office/drawing/2014/main" id="{BC38192B-B4CB-47D4-A3B1-10010247F158}"/>
                 </a:ext>
                 <a:ext uri="{C183D7F6-B498-43B3-948B-1728B52AA6E4}">
                   <adec:decorative xmlns:adec="http://schemas.microsoft.com/office/drawing/2017/decorative" val="1"/>
@@ -18602,10 +18249,10 @@
         </p:sp>
         <p:sp>
           <p:nvSpPr>
-            <p:cNvPr id="17" name="Freeform 8">
+            <p:cNvPr id="37" name="Freeform 8">
               <a:extLst>
                 <a:ext uri="{FF2B5EF4-FFF2-40B4-BE49-F238E27FC236}">
-                  <a16:creationId xmlns:a16="http://schemas.microsoft.com/office/drawing/2014/main" id="{653620E7-B03C-48E2-8561-FCA918F8D0DF}"/>
+                  <a16:creationId xmlns:a16="http://schemas.microsoft.com/office/drawing/2014/main" id="{96330E33-E171-4B0F-82B5-AF7230399B5C}"/>
                 </a:ext>
                 <a:ext uri="{C183D7F6-B498-43B3-948B-1728B52AA6E4}">
                   <adec:decorative xmlns:adec="http://schemas.microsoft.com/office/drawing/2017/decorative" val="1"/>
@@ -18663,10 +18310,10 @@
         </p:sp>
         <p:sp>
           <p:nvSpPr>
-            <p:cNvPr id="18" name="Freeform 9">
+            <p:cNvPr id="38" name="Freeform 9">
               <a:extLst>
                 <a:ext uri="{FF2B5EF4-FFF2-40B4-BE49-F238E27FC236}">
-                  <a16:creationId xmlns:a16="http://schemas.microsoft.com/office/drawing/2014/main" id="{108701B4-8FEE-43D1-9954-9C064D75C4A5}"/>
+                  <a16:creationId xmlns:a16="http://schemas.microsoft.com/office/drawing/2014/main" id="{332B1723-69BF-42D7-B757-0FA059E15256}"/>
                 </a:ext>
                 <a:ext uri="{C183D7F6-B498-43B3-948B-1728B52AA6E4}">
                   <adec:decorative xmlns:adec="http://schemas.microsoft.com/office/drawing/2017/decorative" val="1"/>
@@ -18723,10 +18370,10 @@
         </p:sp>
         <p:sp>
           <p:nvSpPr>
-            <p:cNvPr id="19" name="Freeform 10">
+            <p:cNvPr id="39" name="Freeform 10">
               <a:extLst>
                 <a:ext uri="{FF2B5EF4-FFF2-40B4-BE49-F238E27FC236}">
-                  <a16:creationId xmlns:a16="http://schemas.microsoft.com/office/drawing/2014/main" id="{99E0FE54-1668-4AD5-9242-892A6323B9DC}"/>
+                  <a16:creationId xmlns:a16="http://schemas.microsoft.com/office/drawing/2014/main" id="{F115D62D-1E96-48D1-A78D-D370A0BFB9B5}"/>
                 </a:ext>
                 <a:ext uri="{C183D7F6-B498-43B3-948B-1728B52AA6E4}">
                   <adec:decorative xmlns:adec="http://schemas.microsoft.com/office/drawing/2017/decorative" val="1"/>
@@ -18789,10 +18436,10 @@
         </p:sp>
         <p:sp>
           <p:nvSpPr>
-            <p:cNvPr id="20" name="Freeform 11">
+            <p:cNvPr id="40" name="Freeform 11">
               <a:extLst>
                 <a:ext uri="{FF2B5EF4-FFF2-40B4-BE49-F238E27FC236}">
-                  <a16:creationId xmlns:a16="http://schemas.microsoft.com/office/drawing/2014/main" id="{75498FE5-B57D-4FD9-81E0-4E1CB65C0E1A}"/>
+                  <a16:creationId xmlns:a16="http://schemas.microsoft.com/office/drawing/2014/main" id="{91C2876A-169D-4822-A766-C00578C88B4B}"/>
                 </a:ext>
                 <a:ext uri="{C183D7F6-B498-43B3-948B-1728B52AA6E4}">
                   <adec:decorative xmlns:adec="http://schemas.microsoft.com/office/drawing/2017/decorative" val="1"/>
@@ -18883,14 +18530,14 @@
             <p:ph idx="1"/>
             <p:extLst>
               <p:ext uri="{D42A27DB-BD31-4B8C-83A1-F6EECF244321}">
-                <p14:modId xmlns:p14="http://schemas.microsoft.com/office/powerpoint/2010/main" val="594322649"/>
+                <p14:modId xmlns:p14="http://schemas.microsoft.com/office/powerpoint/2010/main" val="2404753478"/>
               </p:ext>
             </p:extLst>
           </p:nvPr>
         </p:nvGraphicFramePr>
         <p:xfrm>
-          <a:off x="643467" y="643468"/>
-          <a:ext cx="6749521" cy="5239808"/>
+          <a:off x="5010150" y="685800"/>
+          <a:ext cx="6492875" cy="5105400"/>
         </p:xfrm>
         <a:graphic>
           <a:graphicData uri="http://schemas.openxmlformats.org/drawingml/2006/diagram">
@@ -21593,27 +21240,10 @@
           </a:p>
           <a:p>
             <a:r>
-              <a:rPr lang="en-US" sz="2000" dirty="0"/>
+              <a:rPr lang="en-US" sz="2000"/>
               <a:t>SVC</a:t>
             </a:r>
             <a:endParaRPr lang="en-ID" sz="2000" dirty="0"/>
-          </a:p>
-          <a:p>
-            <a:endParaRPr lang="en-ID" sz="2000" dirty="0"/>
-          </a:p>
-          <a:p>
-            <a:pPr marL="0" indent="0">
-              <a:buNone/>
-            </a:pPr>
-            <a:r>
-              <a:rPr lang="en-ID" sz="2000" dirty="0"/>
-              <a:t>All Models will be hyperparameter tuned using </a:t>
-            </a:r>
-            <a:r>
-              <a:rPr lang="en-ID" sz="2000" dirty="0" err="1"/>
-              <a:t>GridSearchCV</a:t>
-            </a:r>
-            <a:endParaRPr lang="en-US" sz="2000" dirty="0"/>
           </a:p>
         </p:txBody>
       </p:sp>
